--- a/create/hexsticker.pptx
+++ b/create/hexsticker.pptx
@@ -2,18 +2,18 @@
 <file path=ppt/presentation.xml><?xml version="1.0" encoding="utf-8"?>
 <p:presentation xmlns:a="http://schemas.openxmlformats.org/drawingml/2006/main" xmlns:r="http://schemas.openxmlformats.org/officeDocument/2006/relationships" xmlns:p="http://schemas.openxmlformats.org/presentationml/2006/main" saveSubsetFonts="1" autoCompressPictures="0">
   <p:sldMasterIdLst>
-    <p:sldMasterId id="2147483648" r:id="rId1"/>
+    <p:sldMasterId id="2147483660" r:id="rId1"/>
   </p:sldMasterIdLst>
   <p:sldIdLst>
     <p:sldId id="257" r:id="rId2"/>
   </p:sldIdLst>
-  <p:sldSz cx="12192000" cy="6858000"/>
+  <p:sldSz cx="13716000" cy="11887200"/>
   <p:notesSz cx="6858000" cy="9144000"/>
   <p:defaultTextStyle>
     <a:defPPr>
       <a:defRPr lang="en-US"/>
     </a:defPPr>
-    <a:lvl1pPr marL="0" algn="l" defTabSz="914400" rtl="0" eaLnBrk="1" latinLnBrk="0" hangingPunct="1">
+    <a:lvl1pPr marL="0" algn="l" defTabSz="457200" rtl="0" eaLnBrk="1" latinLnBrk="0" hangingPunct="1">
       <a:defRPr sz="1800" kern="1200">
         <a:solidFill>
           <a:schemeClr val="tx1"/>
@@ -23,7 +23,7 @@
         <a:cs typeface="+mn-cs"/>
       </a:defRPr>
     </a:lvl1pPr>
-    <a:lvl2pPr marL="457200" algn="l" defTabSz="914400" rtl="0" eaLnBrk="1" latinLnBrk="0" hangingPunct="1">
+    <a:lvl2pPr marL="457200" algn="l" defTabSz="457200" rtl="0" eaLnBrk="1" latinLnBrk="0" hangingPunct="1">
       <a:defRPr sz="1800" kern="1200">
         <a:solidFill>
           <a:schemeClr val="tx1"/>
@@ -33,7 +33,7 @@
         <a:cs typeface="+mn-cs"/>
       </a:defRPr>
     </a:lvl2pPr>
-    <a:lvl3pPr marL="914400" algn="l" defTabSz="914400" rtl="0" eaLnBrk="1" latinLnBrk="0" hangingPunct="1">
+    <a:lvl3pPr marL="914400" algn="l" defTabSz="457200" rtl="0" eaLnBrk="1" latinLnBrk="0" hangingPunct="1">
       <a:defRPr sz="1800" kern="1200">
         <a:solidFill>
           <a:schemeClr val="tx1"/>
@@ -43,7 +43,7 @@
         <a:cs typeface="+mn-cs"/>
       </a:defRPr>
     </a:lvl3pPr>
-    <a:lvl4pPr marL="1371600" algn="l" defTabSz="914400" rtl="0" eaLnBrk="1" latinLnBrk="0" hangingPunct="1">
+    <a:lvl4pPr marL="1371600" algn="l" defTabSz="457200" rtl="0" eaLnBrk="1" latinLnBrk="0" hangingPunct="1">
       <a:defRPr sz="1800" kern="1200">
         <a:solidFill>
           <a:schemeClr val="tx1"/>
@@ -53,7 +53,7 @@
         <a:cs typeface="+mn-cs"/>
       </a:defRPr>
     </a:lvl4pPr>
-    <a:lvl5pPr marL="1828800" algn="l" defTabSz="914400" rtl="0" eaLnBrk="1" latinLnBrk="0" hangingPunct="1">
+    <a:lvl5pPr marL="1828800" algn="l" defTabSz="457200" rtl="0" eaLnBrk="1" latinLnBrk="0" hangingPunct="1">
       <a:defRPr sz="1800" kern="1200">
         <a:solidFill>
           <a:schemeClr val="tx1"/>
@@ -63,7 +63,7 @@
         <a:cs typeface="+mn-cs"/>
       </a:defRPr>
     </a:lvl5pPr>
-    <a:lvl6pPr marL="2286000" algn="l" defTabSz="914400" rtl="0" eaLnBrk="1" latinLnBrk="0" hangingPunct="1">
+    <a:lvl6pPr marL="2286000" algn="l" defTabSz="457200" rtl="0" eaLnBrk="1" latinLnBrk="0" hangingPunct="1">
       <a:defRPr sz="1800" kern="1200">
         <a:solidFill>
           <a:schemeClr val="tx1"/>
@@ -73,7 +73,7 @@
         <a:cs typeface="+mn-cs"/>
       </a:defRPr>
     </a:lvl6pPr>
-    <a:lvl7pPr marL="2743200" algn="l" defTabSz="914400" rtl="0" eaLnBrk="1" latinLnBrk="0" hangingPunct="1">
+    <a:lvl7pPr marL="2743200" algn="l" defTabSz="457200" rtl="0" eaLnBrk="1" latinLnBrk="0" hangingPunct="1">
       <a:defRPr sz="1800" kern="1200">
         <a:solidFill>
           <a:schemeClr val="tx1"/>
@@ -83,7 +83,7 @@
         <a:cs typeface="+mn-cs"/>
       </a:defRPr>
     </a:lvl7pPr>
-    <a:lvl8pPr marL="3200400" algn="l" defTabSz="914400" rtl="0" eaLnBrk="1" latinLnBrk="0" hangingPunct="1">
+    <a:lvl8pPr marL="3200400" algn="l" defTabSz="457200" rtl="0" eaLnBrk="1" latinLnBrk="0" hangingPunct="1">
       <a:defRPr sz="1800" kern="1200">
         <a:solidFill>
           <a:schemeClr val="tx1"/>
@@ -93,7 +93,7 @@
         <a:cs typeface="+mn-cs"/>
       </a:defRPr>
     </a:lvl8pPr>
-    <a:lvl9pPr marL="3657600" algn="l" defTabSz="914400" rtl="0" eaLnBrk="1" latinLnBrk="0" hangingPunct="1">
+    <a:lvl9pPr marL="3657600" algn="l" defTabSz="457200" rtl="0" eaLnBrk="1" latinLnBrk="0" hangingPunct="1">
       <a:defRPr sz="1800" kern="1200">
         <a:solidFill>
           <a:schemeClr val="tx1"/>
@@ -115,7 +115,7 @@
 <file path=ppt/revisionInfo.xml><?xml version="1.0" encoding="utf-8"?>
 <p1510:revInfo xmlns:a="http://schemas.openxmlformats.org/drawingml/2006/main" xmlns:r="http://schemas.openxmlformats.org/officeDocument/2006/relationships" xmlns:p1510="http://schemas.microsoft.com/office/powerpoint/2015/10/main">
   <p1510:revLst>
-    <p1510:client id="{0158EF1D-F1AB-40A2-AB4A-FBF247975588}" v="35" dt="2022-02-17T21:47:32.106"/>
+    <p1510:client id="{0158EF1D-F1AB-40A2-AB4A-FBF247975588}" v="40" dt="2022-02-17T22:21:03.705"/>
   </p1510:revLst>
 </p1510:revInfo>
 </file>
@@ -124,8 +124,8 @@
 <pc:chgInfo xmlns:a="http://schemas.openxmlformats.org/drawingml/2006/main" xmlns:r="http://schemas.openxmlformats.org/officeDocument/2006/relationships" xmlns:ac="http://schemas.microsoft.com/office/drawing/2013/main/command" xmlns:pc="http://schemas.microsoft.com/office/powerpoint/2013/main/command">
   <pc:docChgLst>
     <pc:chgData name="Benjamin Rosche" userId="91e47f4c-6c5a-4596-978d-e5f81e0e88aa" providerId="ADAL" clId="{0158EF1D-F1AB-40A2-AB4A-FBF247975588}"/>
-    <pc:docChg chg="undo custSel addSld delSld modSld">
-      <pc:chgData name="Benjamin Rosche" userId="91e47f4c-6c5a-4596-978d-e5f81e0e88aa" providerId="ADAL" clId="{0158EF1D-F1AB-40A2-AB4A-FBF247975588}" dt="2022-02-17T21:47:32.106" v="173" actId="164"/>
+    <pc:docChg chg="undo redo custSel addSld delSld modSld">
+      <pc:chgData name="Benjamin Rosche" userId="91e47f4c-6c5a-4596-978d-e5f81e0e88aa" providerId="ADAL" clId="{0158EF1D-F1AB-40A2-AB4A-FBF247975588}" dt="2022-02-17T22:21:03.705" v="259" actId="164"/>
       <pc:docMkLst>
         <pc:docMk/>
       </pc:docMkLst>
@@ -137,7 +137,7 @@
         </pc:sldMkLst>
       </pc:sldChg>
       <pc:sldChg chg="addSp delSp modSp new mod setBg modClrScheme chgLayout">
-        <pc:chgData name="Benjamin Rosche" userId="91e47f4c-6c5a-4596-978d-e5f81e0e88aa" providerId="ADAL" clId="{0158EF1D-F1AB-40A2-AB4A-FBF247975588}" dt="2022-02-17T21:47:32.106" v="173" actId="164"/>
+        <pc:chgData name="Benjamin Rosche" userId="91e47f4c-6c5a-4596-978d-e5f81e0e88aa" providerId="ADAL" clId="{0158EF1D-F1AB-40A2-AB4A-FBF247975588}" dt="2022-02-17T22:21:03.705" v="259" actId="164"/>
         <pc:sldMkLst>
           <pc:docMk/>
           <pc:sldMk cId="3870151541" sldId="257"/>
@@ -158,32 +158,56 @@
             <ac:spMk id="3" creationId="{99E28ACD-8777-4C64-B5D7-9844FCB4E125}"/>
           </ac:spMkLst>
         </pc:spChg>
-        <pc:spChg chg="add mod">
-          <ac:chgData name="Benjamin Rosche" userId="91e47f4c-6c5a-4596-978d-e5f81e0e88aa" providerId="ADAL" clId="{0158EF1D-F1AB-40A2-AB4A-FBF247975588}" dt="2022-02-17T21:47:32.106" v="173" actId="164"/>
+        <pc:spChg chg="add del mod">
+          <ac:chgData name="Benjamin Rosche" userId="91e47f4c-6c5a-4596-978d-e5f81e0e88aa" providerId="ADAL" clId="{0158EF1D-F1AB-40A2-AB4A-FBF247975588}" dt="2022-02-17T22:16:01.807" v="174" actId="478"/>
           <ac:spMkLst>
             <pc:docMk/>
             <pc:sldMk cId="3870151541" sldId="257"/>
             <ac:spMk id="4" creationId="{02A6A822-DE95-4A46-98DF-148844E13C2F}"/>
           </ac:spMkLst>
         </pc:spChg>
-        <pc:spChg chg="add mod ord">
-          <ac:chgData name="Benjamin Rosche" userId="91e47f4c-6c5a-4596-978d-e5f81e0e88aa" providerId="ADAL" clId="{0158EF1D-F1AB-40A2-AB4A-FBF247975588}" dt="2022-02-17T21:47:32.106" v="173" actId="164"/>
+        <pc:spChg chg="add del mod ord topLvl">
+          <ac:chgData name="Benjamin Rosche" userId="91e47f4c-6c5a-4596-978d-e5f81e0e88aa" providerId="ADAL" clId="{0158EF1D-F1AB-40A2-AB4A-FBF247975588}" dt="2022-02-17T22:20:23.755" v="241" actId="21"/>
           <ac:spMkLst>
             <pc:docMk/>
             <pc:sldMk cId="3870151541" sldId="257"/>
             <ac:spMk id="6" creationId="{87B42EAA-A9C1-4FBB-B6E7-5F75C58C20F2}"/>
           </ac:spMkLst>
         </pc:spChg>
-        <pc:spChg chg="add mod ord">
-          <ac:chgData name="Benjamin Rosche" userId="91e47f4c-6c5a-4596-978d-e5f81e0e88aa" providerId="ADAL" clId="{0158EF1D-F1AB-40A2-AB4A-FBF247975588}" dt="2022-02-17T21:47:32.106" v="173" actId="164"/>
+        <pc:spChg chg="add del mod ord topLvl">
+          <ac:chgData name="Benjamin Rosche" userId="91e47f4c-6c5a-4596-978d-e5f81e0e88aa" providerId="ADAL" clId="{0158EF1D-F1AB-40A2-AB4A-FBF247975588}" dt="2022-02-17T22:20:27.927" v="244" actId="21"/>
           <ac:spMkLst>
             <pc:docMk/>
             <pc:sldMk cId="3870151541" sldId="257"/>
             <ac:spMk id="8" creationId="{816E20B4-6423-4EFC-AA9A-D0579356B306}"/>
           </ac:spMkLst>
         </pc:spChg>
+        <pc:spChg chg="add mod">
+          <ac:chgData name="Benjamin Rosche" userId="91e47f4c-6c5a-4596-978d-e5f81e0e88aa" providerId="ADAL" clId="{0158EF1D-F1AB-40A2-AB4A-FBF247975588}" dt="2022-02-17T22:21:03.705" v="259" actId="164"/>
+          <ac:spMkLst>
+            <pc:docMk/>
+            <pc:sldMk cId="3870151541" sldId="257"/>
+            <ac:spMk id="9" creationId="{D0AEC54C-17B0-4C78-B5AA-80C421B7570B}"/>
+          </ac:spMkLst>
+        </pc:spChg>
+        <pc:spChg chg="add mod">
+          <ac:chgData name="Benjamin Rosche" userId="91e47f4c-6c5a-4596-978d-e5f81e0e88aa" providerId="ADAL" clId="{0158EF1D-F1AB-40A2-AB4A-FBF247975588}" dt="2022-02-17T22:21:03.705" v="259" actId="164"/>
+          <ac:spMkLst>
+            <pc:docMk/>
+            <pc:sldMk cId="3870151541" sldId="257"/>
+            <ac:spMk id="10" creationId="{C733DCEC-3D79-4993-8DFA-7197C679A59B}"/>
+          </ac:spMkLst>
+        </pc:spChg>
         <pc:grpChg chg="add mod">
-          <ac:chgData name="Benjamin Rosche" userId="91e47f4c-6c5a-4596-978d-e5f81e0e88aa" providerId="ADAL" clId="{0158EF1D-F1AB-40A2-AB4A-FBF247975588}" dt="2022-02-17T21:47:32.106" v="173" actId="164"/>
+          <ac:chgData name="Benjamin Rosche" userId="91e47f4c-6c5a-4596-978d-e5f81e0e88aa" providerId="ADAL" clId="{0158EF1D-F1AB-40A2-AB4A-FBF247975588}" dt="2022-02-17T22:21:03.705" v="259" actId="164"/>
+          <ac:grpSpMkLst>
+            <pc:docMk/>
+            <pc:sldMk cId="3870151541" sldId="257"/>
+            <ac:grpSpMk id="2" creationId="{4B026DEC-198C-4418-A5FC-C9266422815D}"/>
+          </ac:grpSpMkLst>
+        </pc:grpChg>
+        <pc:grpChg chg="add del mod">
+          <ac:chgData name="Benjamin Rosche" userId="91e47f4c-6c5a-4596-978d-e5f81e0e88aa" providerId="ADAL" clId="{0158EF1D-F1AB-40A2-AB4A-FBF247975588}" dt="2022-02-17T22:20:23.755" v="241" actId="21"/>
           <ac:grpSpMkLst>
             <pc:docMk/>
             <pc:sldMk cId="3870151541" sldId="257"/>
@@ -198,6 +222,21 @@
             <ac:picMk id="1026" creationId="{EC329A58-7194-44F5-B372-D204AFEE29FC}"/>
           </ac:picMkLst>
         </pc:picChg>
+      </pc:sldChg>
+      <pc:sldChg chg="addSp delSp modSp new del mod">
+        <pc:chgData name="Benjamin Rosche" userId="91e47f4c-6c5a-4596-978d-e5f81e0e88aa" providerId="ADAL" clId="{0158EF1D-F1AB-40A2-AB4A-FBF247975588}" dt="2022-02-17T22:20:59.734" v="258" actId="2696"/>
+        <pc:sldMkLst>
+          <pc:docMk/>
+          <pc:sldMk cId="3258161230" sldId="258"/>
+        </pc:sldMkLst>
+        <pc:spChg chg="add del mod">
+          <ac:chgData name="Benjamin Rosche" userId="91e47f4c-6c5a-4596-978d-e5f81e0e88aa" providerId="ADAL" clId="{0158EF1D-F1AB-40A2-AB4A-FBF247975588}" dt="2022-02-17T22:20:50.427" v="255" actId="21"/>
+          <ac:spMkLst>
+            <pc:docMk/>
+            <pc:sldMk cId="3258161230" sldId="258"/>
+            <ac:spMk id="2" creationId="{12AA52C0-EE80-4725-BE76-BC73D88283C8}"/>
+          </ac:spMkLst>
+        </pc:spChg>
       </pc:sldChg>
     </pc:docChg>
   </pc:docChgLst>
@@ -223,13 +262,7 @@
       </p:grpSpPr>
       <p:sp>
         <p:nvSpPr>
-          <p:cNvPr id="2" name="Title 1">
-            <a:extLst>
-              <a:ext uri="{FF2B5EF4-FFF2-40B4-BE49-F238E27FC236}">
-                <a16:creationId xmlns:a16="http://schemas.microsoft.com/office/drawing/2014/main" id="{D1B5B781-0ED2-4345-BEFE-C181358C15CF}"/>
-              </a:ext>
-            </a:extLst>
-          </p:cNvPr>
+          <p:cNvPr id="2" name="Title 1"/>
           <p:cNvSpPr>
             <a:spLocks noGrp="1"/>
           </p:cNvSpPr>
@@ -239,15 +272,15 @@
         </p:nvSpPr>
         <p:spPr>
           <a:xfrm>
-            <a:off x="1524000" y="1122363"/>
-            <a:ext cx="9144000" cy="2387600"/>
+            <a:off x="1028700" y="1945429"/>
+            <a:ext cx="11658600" cy="4138507"/>
           </a:xfrm>
         </p:spPr>
         <p:txBody>
           <a:bodyPr anchor="b"/>
           <a:lstStyle>
             <a:lvl1pPr algn="ctr">
-              <a:defRPr sz="6000"/>
+              <a:defRPr sz="9000"/>
             </a:lvl1pPr>
           </a:lstStyle>
           <a:p>
@@ -255,18 +288,13 @@
               <a:rPr lang="en-US"/>
               <a:t>Click to edit Master title style</a:t>
             </a:r>
-          </a:p>
-        </p:txBody>
-      </p:sp>
-      <p:sp>
-        <p:nvSpPr>
-          <p:cNvPr id="3" name="Subtitle 2">
-            <a:extLst>
-              <a:ext uri="{FF2B5EF4-FFF2-40B4-BE49-F238E27FC236}">
-                <a16:creationId xmlns:a16="http://schemas.microsoft.com/office/drawing/2014/main" id="{45A7811A-B747-FF4C-A0A5-B655595BF91B}"/>
-              </a:ext>
-            </a:extLst>
-          </p:cNvPr>
+            <a:endParaRPr lang="en-US" dirty="0"/>
+          </a:p>
+        </p:txBody>
+      </p:sp>
+      <p:sp>
+        <p:nvSpPr>
+          <p:cNvPr id="3" name="Subtitle 2"/>
           <p:cNvSpPr>
             <a:spLocks noGrp="1"/>
           </p:cNvSpPr>
@@ -276,8 +304,8 @@
         </p:nvSpPr>
         <p:spPr>
           <a:xfrm>
-            <a:off x="1524000" y="3602038"/>
-            <a:ext cx="9144000" cy="1655762"/>
+            <a:off x="1714500" y="6243533"/>
+            <a:ext cx="10287000" cy="2869987"/>
           </a:xfrm>
         </p:spPr>
         <p:txBody>
@@ -285,39 +313,39 @@
           <a:lstStyle>
             <a:lvl1pPr marL="0" indent="0" algn="ctr">
               <a:buNone/>
+              <a:defRPr sz="3600"/>
+            </a:lvl1pPr>
+            <a:lvl2pPr marL="685800" indent="0" algn="ctr">
+              <a:buNone/>
+              <a:defRPr sz="3000"/>
+            </a:lvl2pPr>
+            <a:lvl3pPr marL="1371600" indent="0" algn="ctr">
+              <a:buNone/>
+              <a:defRPr sz="2700"/>
+            </a:lvl3pPr>
+            <a:lvl4pPr marL="2057400" indent="0" algn="ctr">
+              <a:buNone/>
               <a:defRPr sz="2400"/>
-            </a:lvl1pPr>
-            <a:lvl2pPr marL="457200" indent="0" algn="ctr">
-              <a:buNone/>
-              <a:defRPr sz="2000"/>
-            </a:lvl2pPr>
-            <a:lvl3pPr marL="914400" indent="0" algn="ctr">
-              <a:buNone/>
-              <a:defRPr sz="1800"/>
-            </a:lvl3pPr>
-            <a:lvl4pPr marL="1371600" indent="0" algn="ctr">
-              <a:buNone/>
-              <a:defRPr sz="1600"/>
             </a:lvl4pPr>
-            <a:lvl5pPr marL="1828800" indent="0" algn="ctr">
-              <a:buNone/>
-              <a:defRPr sz="1600"/>
+            <a:lvl5pPr marL="2743200" indent="0" algn="ctr">
+              <a:buNone/>
+              <a:defRPr sz="2400"/>
             </a:lvl5pPr>
-            <a:lvl6pPr marL="2286000" indent="0" algn="ctr">
-              <a:buNone/>
-              <a:defRPr sz="1600"/>
+            <a:lvl6pPr marL="3429000" indent="0" algn="ctr">
+              <a:buNone/>
+              <a:defRPr sz="2400"/>
             </a:lvl6pPr>
-            <a:lvl7pPr marL="2743200" indent="0" algn="ctr">
-              <a:buNone/>
-              <a:defRPr sz="1600"/>
+            <a:lvl7pPr marL="4114800" indent="0" algn="ctr">
+              <a:buNone/>
+              <a:defRPr sz="2400"/>
             </a:lvl7pPr>
-            <a:lvl8pPr marL="3200400" indent="0" algn="ctr">
-              <a:buNone/>
-              <a:defRPr sz="1600"/>
+            <a:lvl8pPr marL="4800600" indent="0" algn="ctr">
+              <a:buNone/>
+              <a:defRPr sz="2400"/>
             </a:lvl8pPr>
-            <a:lvl9pPr marL="3657600" indent="0" algn="ctr">
-              <a:buNone/>
-              <a:defRPr sz="1600"/>
+            <a:lvl9pPr marL="5486400" indent="0" algn="ctr">
+              <a:buNone/>
+              <a:defRPr sz="2400"/>
             </a:lvl9pPr>
           </a:lstStyle>
           <a:p>
@@ -325,18 +353,13 @@
               <a:rPr lang="en-US"/>
               <a:t>Click to edit Master subtitle style</a:t>
             </a:r>
-          </a:p>
-        </p:txBody>
-      </p:sp>
-      <p:sp>
-        <p:nvSpPr>
-          <p:cNvPr id="4" name="Date Placeholder 3">
-            <a:extLst>
-              <a:ext uri="{FF2B5EF4-FFF2-40B4-BE49-F238E27FC236}">
-                <a16:creationId xmlns:a16="http://schemas.microsoft.com/office/drawing/2014/main" id="{0C5730D7-ED37-2745-A414-000728F86B47}"/>
-              </a:ext>
-            </a:extLst>
-          </p:cNvPr>
+            <a:endParaRPr lang="en-US" dirty="0"/>
+          </a:p>
+        </p:txBody>
+      </p:sp>
+      <p:sp>
+        <p:nvSpPr>
+          <p:cNvPr id="4" name="Date Placeholder 3"/>
           <p:cNvSpPr>
             <a:spLocks noGrp="1"/>
           </p:cNvSpPr>
@@ -359,13 +382,7 @@
       </p:sp>
       <p:sp>
         <p:nvSpPr>
-          <p:cNvPr id="5" name="Footer Placeholder 4">
-            <a:extLst>
-              <a:ext uri="{FF2B5EF4-FFF2-40B4-BE49-F238E27FC236}">
-                <a16:creationId xmlns:a16="http://schemas.microsoft.com/office/drawing/2014/main" id="{D853BAF1-1BA7-944F-AB27-F7194C12D3F5}"/>
-              </a:ext>
-            </a:extLst>
-          </p:cNvPr>
+          <p:cNvPr id="5" name="Footer Placeholder 4"/>
           <p:cNvSpPr>
             <a:spLocks noGrp="1"/>
           </p:cNvSpPr>
@@ -384,13 +401,7 @@
       </p:sp>
       <p:sp>
         <p:nvSpPr>
-          <p:cNvPr id="6" name="Slide Number Placeholder 5">
-            <a:extLst>
-              <a:ext uri="{FF2B5EF4-FFF2-40B4-BE49-F238E27FC236}">
-                <a16:creationId xmlns:a16="http://schemas.microsoft.com/office/drawing/2014/main" id="{C5A9E3F5-CF05-654C-936A-B7EE11DA8AE8}"/>
-              </a:ext>
-            </a:extLst>
-          </p:cNvPr>
+          <p:cNvPr id="6" name="Slide Number Placeholder 5"/>
           <p:cNvSpPr>
             <a:spLocks noGrp="1"/>
           </p:cNvSpPr>
@@ -414,7 +425,7 @@
     </p:spTree>
     <p:extLst>
       <p:ext uri="{BB962C8B-B14F-4D97-AF65-F5344CB8AC3E}">
-        <p14:creationId xmlns:p14="http://schemas.microsoft.com/office/powerpoint/2010/main" val="347514068"/>
+        <p14:creationId xmlns:p14="http://schemas.microsoft.com/office/powerpoint/2010/main" val="3886294188"/>
       </p:ext>
     </p:extLst>
   </p:cSld>
@@ -443,13 +454,7 @@
       </p:grpSpPr>
       <p:sp>
         <p:nvSpPr>
-          <p:cNvPr id="2" name="Title 1">
-            <a:extLst>
-              <a:ext uri="{FF2B5EF4-FFF2-40B4-BE49-F238E27FC236}">
-                <a16:creationId xmlns:a16="http://schemas.microsoft.com/office/drawing/2014/main" id="{0F3E01EE-2899-C443-980A-1047A74009C8}"/>
-              </a:ext>
-            </a:extLst>
-          </p:cNvPr>
+          <p:cNvPr id="2" name="Title 1"/>
           <p:cNvSpPr>
             <a:spLocks noGrp="1"/>
           </p:cNvSpPr>
@@ -466,18 +471,13 @@
               <a:rPr lang="en-US"/>
               <a:t>Click to edit Master title style</a:t>
             </a:r>
-          </a:p>
-        </p:txBody>
-      </p:sp>
-      <p:sp>
-        <p:nvSpPr>
-          <p:cNvPr id="3" name="Vertical Text Placeholder 2">
-            <a:extLst>
-              <a:ext uri="{FF2B5EF4-FFF2-40B4-BE49-F238E27FC236}">
-                <a16:creationId xmlns:a16="http://schemas.microsoft.com/office/drawing/2014/main" id="{011DC479-6635-AD4F-BD2E-650AA7769DDF}"/>
-              </a:ext>
-            </a:extLst>
-          </p:cNvPr>
+            <a:endParaRPr lang="en-US" dirty="0"/>
+          </a:p>
+        </p:txBody>
+      </p:sp>
+      <p:sp>
+        <p:nvSpPr>
+          <p:cNvPr id="3" name="Vertical Text Placeholder 2"/>
           <p:cNvSpPr>
             <a:spLocks noGrp="1"/>
           </p:cNvSpPr>
@@ -493,7 +493,7 @@
             <a:pPr lvl="0"/>
             <a:r>
               <a:rPr lang="en-US"/>
-              <a:t>Edit Master text styles</a:t>
+              <a:t>Click to edit Master text styles</a:t>
             </a:r>
           </a:p>
           <a:p>
@@ -523,18 +523,13 @@
               <a:rPr lang="en-US"/>
               <a:t>Fifth level</a:t>
             </a:r>
-          </a:p>
-        </p:txBody>
-      </p:sp>
-      <p:sp>
-        <p:nvSpPr>
-          <p:cNvPr id="4" name="Date Placeholder 3">
-            <a:extLst>
-              <a:ext uri="{FF2B5EF4-FFF2-40B4-BE49-F238E27FC236}">
-                <a16:creationId xmlns:a16="http://schemas.microsoft.com/office/drawing/2014/main" id="{E094F340-2143-9941-9C0D-1D96B828F574}"/>
-              </a:ext>
-            </a:extLst>
-          </p:cNvPr>
+            <a:endParaRPr lang="en-US" dirty="0"/>
+          </a:p>
+        </p:txBody>
+      </p:sp>
+      <p:sp>
+        <p:nvSpPr>
+          <p:cNvPr id="4" name="Date Placeholder 3"/>
           <p:cNvSpPr>
             <a:spLocks noGrp="1"/>
           </p:cNvSpPr>
@@ -557,13 +552,7 @@
       </p:sp>
       <p:sp>
         <p:nvSpPr>
-          <p:cNvPr id="5" name="Footer Placeholder 4">
-            <a:extLst>
-              <a:ext uri="{FF2B5EF4-FFF2-40B4-BE49-F238E27FC236}">
-                <a16:creationId xmlns:a16="http://schemas.microsoft.com/office/drawing/2014/main" id="{13A67849-8B5B-094D-97E6-E40CACA451D3}"/>
-              </a:ext>
-            </a:extLst>
-          </p:cNvPr>
+          <p:cNvPr id="5" name="Footer Placeholder 4"/>
           <p:cNvSpPr>
             <a:spLocks noGrp="1"/>
           </p:cNvSpPr>
@@ -582,13 +571,7 @@
       </p:sp>
       <p:sp>
         <p:nvSpPr>
-          <p:cNvPr id="6" name="Slide Number Placeholder 5">
-            <a:extLst>
-              <a:ext uri="{FF2B5EF4-FFF2-40B4-BE49-F238E27FC236}">
-                <a16:creationId xmlns:a16="http://schemas.microsoft.com/office/drawing/2014/main" id="{819CEA23-0777-2341-9E8E-E6C1B5BA2DD6}"/>
-              </a:ext>
-            </a:extLst>
-          </p:cNvPr>
+          <p:cNvPr id="6" name="Slide Number Placeholder 5"/>
           <p:cNvSpPr>
             <a:spLocks noGrp="1"/>
           </p:cNvSpPr>
@@ -612,7 +595,7 @@
     </p:spTree>
     <p:extLst>
       <p:ext uri="{BB962C8B-B14F-4D97-AF65-F5344CB8AC3E}">
-        <p14:creationId xmlns:p14="http://schemas.microsoft.com/office/powerpoint/2010/main" val="478373164"/>
+        <p14:creationId xmlns:p14="http://schemas.microsoft.com/office/powerpoint/2010/main" val="2071929996"/>
       </p:ext>
     </p:extLst>
   </p:cSld>
@@ -641,13 +624,7 @@
       </p:grpSpPr>
       <p:sp>
         <p:nvSpPr>
-          <p:cNvPr id="2" name="Vertical Title 1">
-            <a:extLst>
-              <a:ext uri="{FF2B5EF4-FFF2-40B4-BE49-F238E27FC236}">
-                <a16:creationId xmlns:a16="http://schemas.microsoft.com/office/drawing/2014/main" id="{0F47C28C-88BB-2F49-A9CA-17AC966259FD}"/>
-              </a:ext>
-            </a:extLst>
-          </p:cNvPr>
+          <p:cNvPr id="2" name="Vertical Title 1"/>
           <p:cNvSpPr>
             <a:spLocks noGrp="1"/>
           </p:cNvSpPr>
@@ -657,8 +634,8 @@
         </p:nvSpPr>
         <p:spPr>
           <a:xfrm>
-            <a:off x="8724900" y="365125"/>
-            <a:ext cx="2628900" cy="5811838"/>
+            <a:off x="9815513" y="632883"/>
+            <a:ext cx="2957513" cy="10073853"/>
           </a:xfrm>
         </p:spPr>
         <p:txBody>
@@ -669,18 +646,13 @@
               <a:rPr lang="en-US"/>
               <a:t>Click to edit Master title style</a:t>
             </a:r>
-          </a:p>
-        </p:txBody>
-      </p:sp>
-      <p:sp>
-        <p:nvSpPr>
-          <p:cNvPr id="3" name="Vertical Text Placeholder 2">
-            <a:extLst>
-              <a:ext uri="{FF2B5EF4-FFF2-40B4-BE49-F238E27FC236}">
-                <a16:creationId xmlns:a16="http://schemas.microsoft.com/office/drawing/2014/main" id="{14FADA55-430D-1A4D-AC93-0F2A21D74C8B}"/>
-              </a:ext>
-            </a:extLst>
-          </p:cNvPr>
+            <a:endParaRPr lang="en-US" dirty="0"/>
+          </a:p>
+        </p:txBody>
+      </p:sp>
+      <p:sp>
+        <p:nvSpPr>
+          <p:cNvPr id="3" name="Vertical Text Placeholder 2"/>
           <p:cNvSpPr>
             <a:spLocks noGrp="1"/>
           </p:cNvSpPr>
@@ -690,8 +662,8 @@
         </p:nvSpPr>
         <p:spPr>
           <a:xfrm>
-            <a:off x="838200" y="365125"/>
-            <a:ext cx="7734300" cy="5811838"/>
+            <a:off x="942976" y="632883"/>
+            <a:ext cx="8701088" cy="10073853"/>
           </a:xfrm>
         </p:spPr>
         <p:txBody>
@@ -701,7 +673,7 @@
             <a:pPr lvl="0"/>
             <a:r>
               <a:rPr lang="en-US"/>
-              <a:t>Edit Master text styles</a:t>
+              <a:t>Click to edit Master text styles</a:t>
             </a:r>
           </a:p>
           <a:p>
@@ -731,18 +703,13 @@
               <a:rPr lang="en-US"/>
               <a:t>Fifth level</a:t>
             </a:r>
-          </a:p>
-        </p:txBody>
-      </p:sp>
-      <p:sp>
-        <p:nvSpPr>
-          <p:cNvPr id="4" name="Date Placeholder 3">
-            <a:extLst>
-              <a:ext uri="{FF2B5EF4-FFF2-40B4-BE49-F238E27FC236}">
-                <a16:creationId xmlns:a16="http://schemas.microsoft.com/office/drawing/2014/main" id="{5693A920-FD37-D746-9B26-EAAB13AA56BC}"/>
-              </a:ext>
-            </a:extLst>
-          </p:cNvPr>
+            <a:endParaRPr lang="en-US" dirty="0"/>
+          </a:p>
+        </p:txBody>
+      </p:sp>
+      <p:sp>
+        <p:nvSpPr>
+          <p:cNvPr id="4" name="Date Placeholder 3"/>
           <p:cNvSpPr>
             <a:spLocks noGrp="1"/>
           </p:cNvSpPr>
@@ -765,13 +732,7 @@
       </p:sp>
       <p:sp>
         <p:nvSpPr>
-          <p:cNvPr id="5" name="Footer Placeholder 4">
-            <a:extLst>
-              <a:ext uri="{FF2B5EF4-FFF2-40B4-BE49-F238E27FC236}">
-                <a16:creationId xmlns:a16="http://schemas.microsoft.com/office/drawing/2014/main" id="{4FAAA70D-0969-BD4C-8BAB-89A0AD80C416}"/>
-              </a:ext>
-            </a:extLst>
-          </p:cNvPr>
+          <p:cNvPr id="5" name="Footer Placeholder 4"/>
           <p:cNvSpPr>
             <a:spLocks noGrp="1"/>
           </p:cNvSpPr>
@@ -790,13 +751,7 @@
       </p:sp>
       <p:sp>
         <p:nvSpPr>
-          <p:cNvPr id="6" name="Slide Number Placeholder 5">
-            <a:extLst>
-              <a:ext uri="{FF2B5EF4-FFF2-40B4-BE49-F238E27FC236}">
-                <a16:creationId xmlns:a16="http://schemas.microsoft.com/office/drawing/2014/main" id="{4465BB90-1FAB-E647-BD12-D3D5162799F4}"/>
-              </a:ext>
-            </a:extLst>
-          </p:cNvPr>
+          <p:cNvPr id="6" name="Slide Number Placeholder 5"/>
           <p:cNvSpPr>
             <a:spLocks noGrp="1"/>
           </p:cNvSpPr>
@@ -820,7 +775,7 @@
     </p:spTree>
     <p:extLst>
       <p:ext uri="{BB962C8B-B14F-4D97-AF65-F5344CB8AC3E}">
-        <p14:creationId xmlns:p14="http://schemas.microsoft.com/office/powerpoint/2010/main" val="1822375175"/>
+        <p14:creationId xmlns:p14="http://schemas.microsoft.com/office/powerpoint/2010/main" val="3988429701"/>
       </p:ext>
     </p:extLst>
   </p:cSld>
@@ -849,13 +804,7 @@
       </p:grpSpPr>
       <p:sp>
         <p:nvSpPr>
-          <p:cNvPr id="2" name="Title 1">
-            <a:extLst>
-              <a:ext uri="{FF2B5EF4-FFF2-40B4-BE49-F238E27FC236}">
-                <a16:creationId xmlns:a16="http://schemas.microsoft.com/office/drawing/2014/main" id="{A3B252D0-3979-9941-A24A-B32CDCD29DDD}"/>
-              </a:ext>
-            </a:extLst>
-          </p:cNvPr>
+          <p:cNvPr id="2" name="Title 1"/>
           <p:cNvSpPr>
             <a:spLocks noGrp="1"/>
           </p:cNvSpPr>
@@ -872,18 +821,13 @@
               <a:rPr lang="en-US"/>
               <a:t>Click to edit Master title style</a:t>
             </a:r>
-          </a:p>
-        </p:txBody>
-      </p:sp>
-      <p:sp>
-        <p:nvSpPr>
-          <p:cNvPr id="3" name="Content Placeholder 2">
-            <a:extLst>
-              <a:ext uri="{FF2B5EF4-FFF2-40B4-BE49-F238E27FC236}">
-                <a16:creationId xmlns:a16="http://schemas.microsoft.com/office/drawing/2014/main" id="{73575386-0B34-114D-B7D2-4CA4AA64F49F}"/>
-              </a:ext>
-            </a:extLst>
-          </p:cNvPr>
+            <a:endParaRPr lang="en-US" dirty="0"/>
+          </a:p>
+        </p:txBody>
+      </p:sp>
+      <p:sp>
+        <p:nvSpPr>
+          <p:cNvPr id="3" name="Content Placeholder 2"/>
           <p:cNvSpPr>
             <a:spLocks noGrp="1"/>
           </p:cNvSpPr>
@@ -899,7 +843,7 @@
             <a:pPr lvl="0"/>
             <a:r>
               <a:rPr lang="en-US"/>
-              <a:t>Edit Master text styles</a:t>
+              <a:t>Click to edit Master text styles</a:t>
             </a:r>
           </a:p>
           <a:p>
@@ -929,18 +873,13 @@
               <a:rPr lang="en-US"/>
               <a:t>Fifth level</a:t>
             </a:r>
-          </a:p>
-        </p:txBody>
-      </p:sp>
-      <p:sp>
-        <p:nvSpPr>
-          <p:cNvPr id="4" name="Date Placeholder 3">
-            <a:extLst>
-              <a:ext uri="{FF2B5EF4-FFF2-40B4-BE49-F238E27FC236}">
-                <a16:creationId xmlns:a16="http://schemas.microsoft.com/office/drawing/2014/main" id="{238E3E58-A6D9-C146-946B-E93AB44521E9}"/>
-              </a:ext>
-            </a:extLst>
-          </p:cNvPr>
+            <a:endParaRPr lang="en-US" dirty="0"/>
+          </a:p>
+        </p:txBody>
+      </p:sp>
+      <p:sp>
+        <p:nvSpPr>
+          <p:cNvPr id="4" name="Date Placeholder 3"/>
           <p:cNvSpPr>
             <a:spLocks noGrp="1"/>
           </p:cNvSpPr>
@@ -963,13 +902,7 @@
       </p:sp>
       <p:sp>
         <p:nvSpPr>
-          <p:cNvPr id="5" name="Footer Placeholder 4">
-            <a:extLst>
-              <a:ext uri="{FF2B5EF4-FFF2-40B4-BE49-F238E27FC236}">
-                <a16:creationId xmlns:a16="http://schemas.microsoft.com/office/drawing/2014/main" id="{D1A24DF6-D3EE-A844-AD76-A2EEDDE60B8C}"/>
-              </a:ext>
-            </a:extLst>
-          </p:cNvPr>
+          <p:cNvPr id="5" name="Footer Placeholder 4"/>
           <p:cNvSpPr>
             <a:spLocks noGrp="1"/>
           </p:cNvSpPr>
@@ -988,13 +921,7 @@
       </p:sp>
       <p:sp>
         <p:nvSpPr>
-          <p:cNvPr id="6" name="Slide Number Placeholder 5">
-            <a:extLst>
-              <a:ext uri="{FF2B5EF4-FFF2-40B4-BE49-F238E27FC236}">
-                <a16:creationId xmlns:a16="http://schemas.microsoft.com/office/drawing/2014/main" id="{9074E1A7-FB26-CE48-989A-C30683B97485}"/>
-              </a:ext>
-            </a:extLst>
-          </p:cNvPr>
+          <p:cNvPr id="6" name="Slide Number Placeholder 5"/>
           <p:cNvSpPr>
             <a:spLocks noGrp="1"/>
           </p:cNvSpPr>
@@ -1018,7 +945,7 @@
     </p:spTree>
     <p:extLst>
       <p:ext uri="{BB962C8B-B14F-4D97-AF65-F5344CB8AC3E}">
-        <p14:creationId xmlns:p14="http://schemas.microsoft.com/office/powerpoint/2010/main" val="3545346108"/>
+        <p14:creationId xmlns:p14="http://schemas.microsoft.com/office/powerpoint/2010/main" val="817396627"/>
       </p:ext>
     </p:extLst>
   </p:cSld>
@@ -1047,13 +974,7 @@
       </p:grpSpPr>
       <p:sp>
         <p:nvSpPr>
-          <p:cNvPr id="2" name="Title 1">
-            <a:extLst>
-              <a:ext uri="{FF2B5EF4-FFF2-40B4-BE49-F238E27FC236}">
-                <a16:creationId xmlns:a16="http://schemas.microsoft.com/office/drawing/2014/main" id="{3F4FCB8F-73FF-974D-8519-48E78B4878BF}"/>
-              </a:ext>
-            </a:extLst>
-          </p:cNvPr>
+          <p:cNvPr id="2" name="Title 1"/>
           <p:cNvSpPr>
             <a:spLocks noGrp="1"/>
           </p:cNvSpPr>
@@ -1063,15 +984,15 @@
         </p:nvSpPr>
         <p:spPr>
           <a:xfrm>
-            <a:off x="831850" y="1709738"/>
-            <a:ext cx="10515600" cy="2852737"/>
+            <a:off x="935832" y="2963549"/>
+            <a:ext cx="11830050" cy="4944744"/>
           </a:xfrm>
         </p:spPr>
         <p:txBody>
           <a:bodyPr anchor="b"/>
           <a:lstStyle>
             <a:lvl1pPr>
-              <a:defRPr sz="6000"/>
+              <a:defRPr sz="9000"/>
             </a:lvl1pPr>
           </a:lstStyle>
           <a:p>
@@ -1079,18 +1000,13 @@
               <a:rPr lang="en-US"/>
               <a:t>Click to edit Master title style</a:t>
             </a:r>
-          </a:p>
-        </p:txBody>
-      </p:sp>
-      <p:sp>
-        <p:nvSpPr>
-          <p:cNvPr id="3" name="Text Placeholder 2">
-            <a:extLst>
-              <a:ext uri="{FF2B5EF4-FFF2-40B4-BE49-F238E27FC236}">
-                <a16:creationId xmlns:a16="http://schemas.microsoft.com/office/drawing/2014/main" id="{F0FBFA36-CA5D-F541-AD70-B6DC115D3F97}"/>
-              </a:ext>
-            </a:extLst>
-          </p:cNvPr>
+            <a:endParaRPr lang="en-US" dirty="0"/>
+          </a:p>
+        </p:txBody>
+      </p:sp>
+      <p:sp>
+        <p:nvSpPr>
+          <p:cNvPr id="3" name="Text Placeholder 2"/>
           <p:cNvSpPr>
             <a:spLocks noGrp="1"/>
           </p:cNvSpPr>
@@ -1100,14 +1016,42 @@
         </p:nvSpPr>
         <p:spPr>
           <a:xfrm>
-            <a:off x="831850" y="4589463"/>
-            <a:ext cx="10515600" cy="1500187"/>
+            <a:off x="935832" y="7955072"/>
+            <a:ext cx="11830050" cy="2600324"/>
           </a:xfrm>
         </p:spPr>
         <p:txBody>
           <a:bodyPr/>
           <a:lstStyle>
             <a:lvl1pPr marL="0" indent="0">
+              <a:buNone/>
+              <a:defRPr sz="3600">
+                <a:solidFill>
+                  <a:schemeClr val="tx1"/>
+                </a:solidFill>
+              </a:defRPr>
+            </a:lvl1pPr>
+            <a:lvl2pPr marL="685800" indent="0">
+              <a:buNone/>
+              <a:defRPr sz="3000">
+                <a:solidFill>
+                  <a:schemeClr val="tx1">
+                    <a:tint val="75000"/>
+                  </a:schemeClr>
+                </a:solidFill>
+              </a:defRPr>
+            </a:lvl2pPr>
+            <a:lvl3pPr marL="1371600" indent="0">
+              <a:buNone/>
+              <a:defRPr sz="2700">
+                <a:solidFill>
+                  <a:schemeClr val="tx1">
+                    <a:tint val="75000"/>
+                  </a:schemeClr>
+                </a:solidFill>
+              </a:defRPr>
+            </a:lvl3pPr>
+            <a:lvl4pPr marL="2057400" indent="0">
               <a:buNone/>
               <a:defRPr sz="2400">
                 <a:solidFill>
@@ -1116,40 +1060,10 @@
                   </a:schemeClr>
                 </a:solidFill>
               </a:defRPr>
-            </a:lvl1pPr>
-            <a:lvl2pPr marL="457200" indent="0">
-              <a:buNone/>
-              <a:defRPr sz="2000">
-                <a:solidFill>
-                  <a:schemeClr val="tx1">
-                    <a:tint val="75000"/>
-                  </a:schemeClr>
-                </a:solidFill>
-              </a:defRPr>
-            </a:lvl2pPr>
-            <a:lvl3pPr marL="914400" indent="0">
-              <a:buNone/>
-              <a:defRPr sz="1800">
-                <a:solidFill>
-                  <a:schemeClr val="tx1">
-                    <a:tint val="75000"/>
-                  </a:schemeClr>
-                </a:solidFill>
-              </a:defRPr>
-            </a:lvl3pPr>
-            <a:lvl4pPr marL="1371600" indent="0">
-              <a:buNone/>
-              <a:defRPr sz="1600">
-                <a:solidFill>
-                  <a:schemeClr val="tx1">
-                    <a:tint val="75000"/>
-                  </a:schemeClr>
-                </a:solidFill>
-              </a:defRPr>
             </a:lvl4pPr>
-            <a:lvl5pPr marL="1828800" indent="0">
-              <a:buNone/>
-              <a:defRPr sz="1600">
+            <a:lvl5pPr marL="2743200" indent="0">
+              <a:buNone/>
+              <a:defRPr sz="2400">
                 <a:solidFill>
                   <a:schemeClr val="tx1">
                     <a:tint val="75000"/>
@@ -1157,9 +1071,9 @@
                 </a:solidFill>
               </a:defRPr>
             </a:lvl5pPr>
-            <a:lvl6pPr marL="2286000" indent="0">
-              <a:buNone/>
-              <a:defRPr sz="1600">
+            <a:lvl6pPr marL="3429000" indent="0">
+              <a:buNone/>
+              <a:defRPr sz="2400">
                 <a:solidFill>
                   <a:schemeClr val="tx1">
                     <a:tint val="75000"/>
@@ -1167,9 +1081,9 @@
                 </a:solidFill>
               </a:defRPr>
             </a:lvl6pPr>
-            <a:lvl7pPr marL="2743200" indent="0">
-              <a:buNone/>
-              <a:defRPr sz="1600">
+            <a:lvl7pPr marL="4114800" indent="0">
+              <a:buNone/>
+              <a:defRPr sz="2400">
                 <a:solidFill>
                   <a:schemeClr val="tx1">
                     <a:tint val="75000"/>
@@ -1177,9 +1091,9 @@
                 </a:solidFill>
               </a:defRPr>
             </a:lvl7pPr>
-            <a:lvl8pPr marL="3200400" indent="0">
-              <a:buNone/>
-              <a:defRPr sz="1600">
+            <a:lvl8pPr marL="4800600" indent="0">
+              <a:buNone/>
+              <a:defRPr sz="2400">
                 <a:solidFill>
                   <a:schemeClr val="tx1">
                     <a:tint val="75000"/>
@@ -1187,9 +1101,9 @@
                 </a:solidFill>
               </a:defRPr>
             </a:lvl8pPr>
-            <a:lvl9pPr marL="3657600" indent="0">
-              <a:buNone/>
-              <a:defRPr sz="1600">
+            <a:lvl9pPr marL="5486400" indent="0">
+              <a:buNone/>
+              <a:defRPr sz="2400">
                 <a:solidFill>
                   <a:schemeClr val="tx1">
                     <a:tint val="75000"/>
@@ -1202,20 +1116,14 @@
             <a:pPr lvl="0"/>
             <a:r>
               <a:rPr lang="en-US"/>
-              <a:t>Edit Master text styles</a:t>
-            </a:r>
-          </a:p>
-        </p:txBody>
-      </p:sp>
-      <p:sp>
-        <p:nvSpPr>
-          <p:cNvPr id="4" name="Date Placeholder 3">
-            <a:extLst>
-              <a:ext uri="{FF2B5EF4-FFF2-40B4-BE49-F238E27FC236}">
-                <a16:creationId xmlns:a16="http://schemas.microsoft.com/office/drawing/2014/main" id="{17185B00-E2D9-064F-8127-9EE35838BCF3}"/>
-              </a:ext>
-            </a:extLst>
-          </p:cNvPr>
+              <a:t>Click to edit Master text styles</a:t>
+            </a:r>
+          </a:p>
+        </p:txBody>
+      </p:sp>
+      <p:sp>
+        <p:nvSpPr>
+          <p:cNvPr id="4" name="Date Placeholder 3"/>
           <p:cNvSpPr>
             <a:spLocks noGrp="1"/>
           </p:cNvSpPr>
@@ -1238,13 +1146,7 @@
       </p:sp>
       <p:sp>
         <p:nvSpPr>
-          <p:cNvPr id="5" name="Footer Placeholder 4">
-            <a:extLst>
-              <a:ext uri="{FF2B5EF4-FFF2-40B4-BE49-F238E27FC236}">
-                <a16:creationId xmlns:a16="http://schemas.microsoft.com/office/drawing/2014/main" id="{1194C603-909E-7C47-9DBF-D4A20FC4CD45}"/>
-              </a:ext>
-            </a:extLst>
-          </p:cNvPr>
+          <p:cNvPr id="5" name="Footer Placeholder 4"/>
           <p:cNvSpPr>
             <a:spLocks noGrp="1"/>
           </p:cNvSpPr>
@@ -1263,13 +1165,7 @@
       </p:sp>
       <p:sp>
         <p:nvSpPr>
-          <p:cNvPr id="6" name="Slide Number Placeholder 5">
-            <a:extLst>
-              <a:ext uri="{FF2B5EF4-FFF2-40B4-BE49-F238E27FC236}">
-                <a16:creationId xmlns:a16="http://schemas.microsoft.com/office/drawing/2014/main" id="{E7CA6C3D-1939-0B47-A115-960DD20211A9}"/>
-              </a:ext>
-            </a:extLst>
-          </p:cNvPr>
+          <p:cNvPr id="6" name="Slide Number Placeholder 5"/>
           <p:cNvSpPr>
             <a:spLocks noGrp="1"/>
           </p:cNvSpPr>
@@ -1293,7 +1189,7 @@
     </p:spTree>
     <p:extLst>
       <p:ext uri="{BB962C8B-B14F-4D97-AF65-F5344CB8AC3E}">
-        <p14:creationId xmlns:p14="http://schemas.microsoft.com/office/powerpoint/2010/main" val="749945113"/>
+        <p14:creationId xmlns:p14="http://schemas.microsoft.com/office/powerpoint/2010/main" val="4039061512"/>
       </p:ext>
     </p:extLst>
   </p:cSld>
@@ -1322,13 +1218,7 @@
       </p:grpSpPr>
       <p:sp>
         <p:nvSpPr>
-          <p:cNvPr id="2" name="Title 1">
-            <a:extLst>
-              <a:ext uri="{FF2B5EF4-FFF2-40B4-BE49-F238E27FC236}">
-                <a16:creationId xmlns:a16="http://schemas.microsoft.com/office/drawing/2014/main" id="{22D783F0-B7B1-7E4E-93F3-788F129567EF}"/>
-              </a:ext>
-            </a:extLst>
-          </p:cNvPr>
+          <p:cNvPr id="2" name="Title 1"/>
           <p:cNvSpPr>
             <a:spLocks noGrp="1"/>
           </p:cNvSpPr>
@@ -1345,18 +1235,13 @@
               <a:rPr lang="en-US"/>
               <a:t>Click to edit Master title style</a:t>
             </a:r>
-          </a:p>
-        </p:txBody>
-      </p:sp>
-      <p:sp>
-        <p:nvSpPr>
-          <p:cNvPr id="3" name="Content Placeholder 2">
-            <a:extLst>
-              <a:ext uri="{FF2B5EF4-FFF2-40B4-BE49-F238E27FC236}">
-                <a16:creationId xmlns:a16="http://schemas.microsoft.com/office/drawing/2014/main" id="{A01D3E8E-4619-6845-9A51-255FAD51CCBC}"/>
-              </a:ext>
-            </a:extLst>
-          </p:cNvPr>
+            <a:endParaRPr lang="en-US" dirty="0"/>
+          </a:p>
+        </p:txBody>
+      </p:sp>
+      <p:sp>
+        <p:nvSpPr>
+          <p:cNvPr id="3" name="Content Placeholder 2"/>
           <p:cNvSpPr>
             <a:spLocks noGrp="1"/>
           </p:cNvSpPr>
@@ -1366,8 +1251,8 @@
         </p:nvSpPr>
         <p:spPr>
           <a:xfrm>
-            <a:off x="838200" y="1825625"/>
-            <a:ext cx="5181600" cy="4351338"/>
+            <a:off x="942975" y="3164417"/>
+            <a:ext cx="5829300" cy="7542319"/>
           </a:xfrm>
         </p:spPr>
         <p:txBody>
@@ -1377,7 +1262,7 @@
             <a:pPr lvl="0"/>
             <a:r>
               <a:rPr lang="en-US"/>
-              <a:t>Edit Master text styles</a:t>
+              <a:t>Click to edit Master text styles</a:t>
             </a:r>
           </a:p>
           <a:p>
@@ -1407,18 +1292,13 @@
               <a:rPr lang="en-US"/>
               <a:t>Fifth level</a:t>
             </a:r>
-          </a:p>
-        </p:txBody>
-      </p:sp>
-      <p:sp>
-        <p:nvSpPr>
-          <p:cNvPr id="4" name="Content Placeholder 3">
-            <a:extLst>
-              <a:ext uri="{FF2B5EF4-FFF2-40B4-BE49-F238E27FC236}">
-                <a16:creationId xmlns:a16="http://schemas.microsoft.com/office/drawing/2014/main" id="{C9196A7C-70A8-3840-A879-062C27C1DA6B}"/>
-              </a:ext>
-            </a:extLst>
-          </p:cNvPr>
+            <a:endParaRPr lang="en-US" dirty="0"/>
+          </a:p>
+        </p:txBody>
+      </p:sp>
+      <p:sp>
+        <p:nvSpPr>
+          <p:cNvPr id="4" name="Content Placeholder 3"/>
           <p:cNvSpPr>
             <a:spLocks noGrp="1"/>
           </p:cNvSpPr>
@@ -1428,8 +1308,8 @@
         </p:nvSpPr>
         <p:spPr>
           <a:xfrm>
-            <a:off x="6172200" y="1825625"/>
-            <a:ext cx="5181600" cy="4351338"/>
+            <a:off x="6943725" y="3164417"/>
+            <a:ext cx="5829300" cy="7542319"/>
           </a:xfrm>
         </p:spPr>
         <p:txBody>
@@ -1439,7 +1319,7 @@
             <a:pPr lvl="0"/>
             <a:r>
               <a:rPr lang="en-US"/>
-              <a:t>Edit Master text styles</a:t>
+              <a:t>Click to edit Master text styles</a:t>
             </a:r>
           </a:p>
           <a:p>
@@ -1469,18 +1349,13 @@
               <a:rPr lang="en-US"/>
               <a:t>Fifth level</a:t>
             </a:r>
-          </a:p>
-        </p:txBody>
-      </p:sp>
-      <p:sp>
-        <p:nvSpPr>
-          <p:cNvPr id="5" name="Date Placeholder 4">
-            <a:extLst>
-              <a:ext uri="{FF2B5EF4-FFF2-40B4-BE49-F238E27FC236}">
-                <a16:creationId xmlns:a16="http://schemas.microsoft.com/office/drawing/2014/main" id="{6D3D0C60-C8B3-6A44-BB80-C7D8E1780367}"/>
-              </a:ext>
-            </a:extLst>
-          </p:cNvPr>
+            <a:endParaRPr lang="en-US" dirty="0"/>
+          </a:p>
+        </p:txBody>
+      </p:sp>
+      <p:sp>
+        <p:nvSpPr>
+          <p:cNvPr id="5" name="Date Placeholder 4"/>
           <p:cNvSpPr>
             <a:spLocks noGrp="1"/>
           </p:cNvSpPr>
@@ -1503,13 +1378,7 @@
       </p:sp>
       <p:sp>
         <p:nvSpPr>
-          <p:cNvPr id="6" name="Footer Placeholder 5">
-            <a:extLst>
-              <a:ext uri="{FF2B5EF4-FFF2-40B4-BE49-F238E27FC236}">
-                <a16:creationId xmlns:a16="http://schemas.microsoft.com/office/drawing/2014/main" id="{95F2FDCE-08C4-7649-9A2A-E62A419859EF}"/>
-              </a:ext>
-            </a:extLst>
-          </p:cNvPr>
+          <p:cNvPr id="6" name="Footer Placeholder 5"/>
           <p:cNvSpPr>
             <a:spLocks noGrp="1"/>
           </p:cNvSpPr>
@@ -1528,13 +1397,7 @@
       </p:sp>
       <p:sp>
         <p:nvSpPr>
-          <p:cNvPr id="7" name="Slide Number Placeholder 6">
-            <a:extLst>
-              <a:ext uri="{FF2B5EF4-FFF2-40B4-BE49-F238E27FC236}">
-                <a16:creationId xmlns:a16="http://schemas.microsoft.com/office/drawing/2014/main" id="{A164D137-62F8-D44F-91EE-3CB3A75CCDED}"/>
-              </a:ext>
-            </a:extLst>
-          </p:cNvPr>
+          <p:cNvPr id="7" name="Slide Number Placeholder 6"/>
           <p:cNvSpPr>
             <a:spLocks noGrp="1"/>
           </p:cNvSpPr>
@@ -1558,7 +1421,7 @@
     </p:spTree>
     <p:extLst>
       <p:ext uri="{BB962C8B-B14F-4D97-AF65-F5344CB8AC3E}">
-        <p14:creationId xmlns:p14="http://schemas.microsoft.com/office/powerpoint/2010/main" val="3441110128"/>
+        <p14:creationId xmlns:p14="http://schemas.microsoft.com/office/powerpoint/2010/main" val="1281123395"/>
       </p:ext>
     </p:extLst>
   </p:cSld>
@@ -1587,13 +1450,7 @@
       </p:grpSpPr>
       <p:sp>
         <p:nvSpPr>
-          <p:cNvPr id="2" name="Title 1">
-            <a:extLst>
-              <a:ext uri="{FF2B5EF4-FFF2-40B4-BE49-F238E27FC236}">
-                <a16:creationId xmlns:a16="http://schemas.microsoft.com/office/drawing/2014/main" id="{9766EB72-06DB-6046-B279-6BC6F53D9A30}"/>
-              </a:ext>
-            </a:extLst>
-          </p:cNvPr>
+          <p:cNvPr id="2" name="Title 1"/>
           <p:cNvSpPr>
             <a:spLocks noGrp="1"/>
           </p:cNvSpPr>
@@ -1603,8 +1460,8 @@
         </p:nvSpPr>
         <p:spPr>
           <a:xfrm>
-            <a:off x="839788" y="365125"/>
-            <a:ext cx="10515600" cy="1325563"/>
+            <a:off x="944762" y="632886"/>
+            <a:ext cx="11830050" cy="2297643"/>
           </a:xfrm>
         </p:spPr>
         <p:txBody>
@@ -1615,18 +1472,13 @@
               <a:rPr lang="en-US"/>
               <a:t>Click to edit Master title style</a:t>
             </a:r>
-          </a:p>
-        </p:txBody>
-      </p:sp>
-      <p:sp>
-        <p:nvSpPr>
-          <p:cNvPr id="3" name="Text Placeholder 2">
-            <a:extLst>
-              <a:ext uri="{FF2B5EF4-FFF2-40B4-BE49-F238E27FC236}">
-                <a16:creationId xmlns:a16="http://schemas.microsoft.com/office/drawing/2014/main" id="{2E016984-B8B7-7046-8650-29AA9C543A7C}"/>
-              </a:ext>
-            </a:extLst>
-          </p:cNvPr>
+            <a:endParaRPr lang="en-US" dirty="0"/>
+          </a:p>
+        </p:txBody>
+      </p:sp>
+      <p:sp>
+        <p:nvSpPr>
+          <p:cNvPr id="3" name="Text Placeholder 2"/>
           <p:cNvSpPr>
             <a:spLocks noGrp="1"/>
           </p:cNvSpPr>
@@ -1636,8 +1488,8 @@
         </p:nvSpPr>
         <p:spPr>
           <a:xfrm>
-            <a:off x="839788" y="1681163"/>
-            <a:ext cx="5157787" cy="823912"/>
+            <a:off x="944763" y="2914016"/>
+            <a:ext cx="5802510" cy="1428114"/>
           </a:xfrm>
         </p:spPr>
         <p:txBody>
@@ -1645,59 +1497,53 @@
           <a:lstStyle>
             <a:lvl1pPr marL="0" indent="0">
               <a:buNone/>
+              <a:defRPr sz="3600" b="1"/>
+            </a:lvl1pPr>
+            <a:lvl2pPr marL="685800" indent="0">
+              <a:buNone/>
+              <a:defRPr sz="3000" b="1"/>
+            </a:lvl2pPr>
+            <a:lvl3pPr marL="1371600" indent="0">
+              <a:buNone/>
+              <a:defRPr sz="2700" b="1"/>
+            </a:lvl3pPr>
+            <a:lvl4pPr marL="2057400" indent="0">
+              <a:buNone/>
               <a:defRPr sz="2400" b="1"/>
-            </a:lvl1pPr>
-            <a:lvl2pPr marL="457200" indent="0">
-              <a:buNone/>
-              <a:defRPr sz="2000" b="1"/>
-            </a:lvl2pPr>
-            <a:lvl3pPr marL="914400" indent="0">
-              <a:buNone/>
-              <a:defRPr sz="1800" b="1"/>
-            </a:lvl3pPr>
-            <a:lvl4pPr marL="1371600" indent="0">
-              <a:buNone/>
-              <a:defRPr sz="1600" b="1"/>
             </a:lvl4pPr>
-            <a:lvl5pPr marL="1828800" indent="0">
-              <a:buNone/>
-              <a:defRPr sz="1600" b="1"/>
+            <a:lvl5pPr marL="2743200" indent="0">
+              <a:buNone/>
+              <a:defRPr sz="2400" b="1"/>
             </a:lvl5pPr>
-            <a:lvl6pPr marL="2286000" indent="0">
-              <a:buNone/>
-              <a:defRPr sz="1600" b="1"/>
+            <a:lvl6pPr marL="3429000" indent="0">
+              <a:buNone/>
+              <a:defRPr sz="2400" b="1"/>
             </a:lvl6pPr>
-            <a:lvl7pPr marL="2743200" indent="0">
-              <a:buNone/>
-              <a:defRPr sz="1600" b="1"/>
+            <a:lvl7pPr marL="4114800" indent="0">
+              <a:buNone/>
+              <a:defRPr sz="2400" b="1"/>
             </a:lvl7pPr>
-            <a:lvl8pPr marL="3200400" indent="0">
-              <a:buNone/>
-              <a:defRPr sz="1600" b="1"/>
+            <a:lvl8pPr marL="4800600" indent="0">
+              <a:buNone/>
+              <a:defRPr sz="2400" b="1"/>
             </a:lvl8pPr>
-            <a:lvl9pPr marL="3657600" indent="0">
-              <a:buNone/>
-              <a:defRPr sz="1600" b="1"/>
+            <a:lvl9pPr marL="5486400" indent="0">
+              <a:buNone/>
+              <a:defRPr sz="2400" b="1"/>
             </a:lvl9pPr>
           </a:lstStyle>
           <a:p>
             <a:pPr lvl="0"/>
             <a:r>
               <a:rPr lang="en-US"/>
-              <a:t>Edit Master text styles</a:t>
-            </a:r>
-          </a:p>
-        </p:txBody>
-      </p:sp>
-      <p:sp>
-        <p:nvSpPr>
-          <p:cNvPr id="4" name="Content Placeholder 3">
-            <a:extLst>
-              <a:ext uri="{FF2B5EF4-FFF2-40B4-BE49-F238E27FC236}">
-                <a16:creationId xmlns:a16="http://schemas.microsoft.com/office/drawing/2014/main" id="{AC2805C1-129F-5746-BFEA-2011D3D16CB1}"/>
-              </a:ext>
-            </a:extLst>
-          </p:cNvPr>
+              <a:t>Click to edit Master text styles</a:t>
+            </a:r>
+          </a:p>
+        </p:txBody>
+      </p:sp>
+      <p:sp>
+        <p:nvSpPr>
+          <p:cNvPr id="4" name="Content Placeholder 3"/>
           <p:cNvSpPr>
             <a:spLocks noGrp="1"/>
           </p:cNvSpPr>
@@ -1707,8 +1553,8 @@
         </p:nvSpPr>
         <p:spPr>
           <a:xfrm>
-            <a:off x="839788" y="2505075"/>
-            <a:ext cx="5157787" cy="3684588"/>
+            <a:off x="944763" y="4342130"/>
+            <a:ext cx="5802510" cy="6386619"/>
           </a:xfrm>
         </p:spPr>
         <p:txBody>
@@ -1718,7 +1564,7 @@
             <a:pPr lvl="0"/>
             <a:r>
               <a:rPr lang="en-US"/>
-              <a:t>Edit Master text styles</a:t>
+              <a:t>Click to edit Master text styles</a:t>
             </a:r>
           </a:p>
           <a:p>
@@ -1748,18 +1594,13 @@
               <a:rPr lang="en-US"/>
               <a:t>Fifth level</a:t>
             </a:r>
-          </a:p>
-        </p:txBody>
-      </p:sp>
-      <p:sp>
-        <p:nvSpPr>
-          <p:cNvPr id="5" name="Text Placeholder 4">
-            <a:extLst>
-              <a:ext uri="{FF2B5EF4-FFF2-40B4-BE49-F238E27FC236}">
-                <a16:creationId xmlns:a16="http://schemas.microsoft.com/office/drawing/2014/main" id="{CDC972A5-364D-9049-891E-A481DA3FAFCE}"/>
-              </a:ext>
-            </a:extLst>
-          </p:cNvPr>
+            <a:endParaRPr lang="en-US" dirty="0"/>
+          </a:p>
+        </p:txBody>
+      </p:sp>
+      <p:sp>
+        <p:nvSpPr>
+          <p:cNvPr id="5" name="Text Placeholder 4"/>
           <p:cNvSpPr>
             <a:spLocks noGrp="1"/>
           </p:cNvSpPr>
@@ -1769,8 +1610,8 @@
         </p:nvSpPr>
         <p:spPr>
           <a:xfrm>
-            <a:off x="6172200" y="1681163"/>
-            <a:ext cx="5183188" cy="823912"/>
+            <a:off x="6943726" y="2914016"/>
+            <a:ext cx="5831087" cy="1428114"/>
           </a:xfrm>
         </p:spPr>
         <p:txBody>
@@ -1778,59 +1619,53 @@
           <a:lstStyle>
             <a:lvl1pPr marL="0" indent="0">
               <a:buNone/>
+              <a:defRPr sz="3600" b="1"/>
+            </a:lvl1pPr>
+            <a:lvl2pPr marL="685800" indent="0">
+              <a:buNone/>
+              <a:defRPr sz="3000" b="1"/>
+            </a:lvl2pPr>
+            <a:lvl3pPr marL="1371600" indent="0">
+              <a:buNone/>
+              <a:defRPr sz="2700" b="1"/>
+            </a:lvl3pPr>
+            <a:lvl4pPr marL="2057400" indent="0">
+              <a:buNone/>
               <a:defRPr sz="2400" b="1"/>
-            </a:lvl1pPr>
-            <a:lvl2pPr marL="457200" indent="0">
-              <a:buNone/>
-              <a:defRPr sz="2000" b="1"/>
-            </a:lvl2pPr>
-            <a:lvl3pPr marL="914400" indent="0">
-              <a:buNone/>
-              <a:defRPr sz="1800" b="1"/>
-            </a:lvl3pPr>
-            <a:lvl4pPr marL="1371600" indent="0">
-              <a:buNone/>
-              <a:defRPr sz="1600" b="1"/>
             </a:lvl4pPr>
-            <a:lvl5pPr marL="1828800" indent="0">
-              <a:buNone/>
-              <a:defRPr sz="1600" b="1"/>
+            <a:lvl5pPr marL="2743200" indent="0">
+              <a:buNone/>
+              <a:defRPr sz="2400" b="1"/>
             </a:lvl5pPr>
-            <a:lvl6pPr marL="2286000" indent="0">
-              <a:buNone/>
-              <a:defRPr sz="1600" b="1"/>
+            <a:lvl6pPr marL="3429000" indent="0">
+              <a:buNone/>
+              <a:defRPr sz="2400" b="1"/>
             </a:lvl6pPr>
-            <a:lvl7pPr marL="2743200" indent="0">
-              <a:buNone/>
-              <a:defRPr sz="1600" b="1"/>
+            <a:lvl7pPr marL="4114800" indent="0">
+              <a:buNone/>
+              <a:defRPr sz="2400" b="1"/>
             </a:lvl7pPr>
-            <a:lvl8pPr marL="3200400" indent="0">
-              <a:buNone/>
-              <a:defRPr sz="1600" b="1"/>
+            <a:lvl8pPr marL="4800600" indent="0">
+              <a:buNone/>
+              <a:defRPr sz="2400" b="1"/>
             </a:lvl8pPr>
-            <a:lvl9pPr marL="3657600" indent="0">
-              <a:buNone/>
-              <a:defRPr sz="1600" b="1"/>
+            <a:lvl9pPr marL="5486400" indent="0">
+              <a:buNone/>
+              <a:defRPr sz="2400" b="1"/>
             </a:lvl9pPr>
           </a:lstStyle>
           <a:p>
             <a:pPr lvl="0"/>
             <a:r>
               <a:rPr lang="en-US"/>
-              <a:t>Edit Master text styles</a:t>
-            </a:r>
-          </a:p>
-        </p:txBody>
-      </p:sp>
-      <p:sp>
-        <p:nvSpPr>
-          <p:cNvPr id="6" name="Content Placeholder 5">
-            <a:extLst>
-              <a:ext uri="{FF2B5EF4-FFF2-40B4-BE49-F238E27FC236}">
-                <a16:creationId xmlns:a16="http://schemas.microsoft.com/office/drawing/2014/main" id="{B0CD5873-EEA6-F449-A699-ACC03E81C3F9}"/>
-              </a:ext>
-            </a:extLst>
-          </p:cNvPr>
+              <a:t>Click to edit Master text styles</a:t>
+            </a:r>
+          </a:p>
+        </p:txBody>
+      </p:sp>
+      <p:sp>
+        <p:nvSpPr>
+          <p:cNvPr id="6" name="Content Placeholder 5"/>
           <p:cNvSpPr>
             <a:spLocks noGrp="1"/>
           </p:cNvSpPr>
@@ -1840,8 +1675,8 @@
         </p:nvSpPr>
         <p:spPr>
           <a:xfrm>
-            <a:off x="6172200" y="2505075"/>
-            <a:ext cx="5183188" cy="3684588"/>
+            <a:off x="6943726" y="4342130"/>
+            <a:ext cx="5831087" cy="6386619"/>
           </a:xfrm>
         </p:spPr>
         <p:txBody>
@@ -1851,7 +1686,7 @@
             <a:pPr lvl="0"/>
             <a:r>
               <a:rPr lang="en-US"/>
-              <a:t>Edit Master text styles</a:t>
+              <a:t>Click to edit Master text styles</a:t>
             </a:r>
           </a:p>
           <a:p>
@@ -1881,18 +1716,13 @@
               <a:rPr lang="en-US"/>
               <a:t>Fifth level</a:t>
             </a:r>
-          </a:p>
-        </p:txBody>
-      </p:sp>
-      <p:sp>
-        <p:nvSpPr>
-          <p:cNvPr id="7" name="Date Placeholder 6">
-            <a:extLst>
-              <a:ext uri="{FF2B5EF4-FFF2-40B4-BE49-F238E27FC236}">
-                <a16:creationId xmlns:a16="http://schemas.microsoft.com/office/drawing/2014/main" id="{8405FE68-6557-E74C-A268-579F5637BD4C}"/>
-              </a:ext>
-            </a:extLst>
-          </p:cNvPr>
+            <a:endParaRPr lang="en-US" dirty="0"/>
+          </a:p>
+        </p:txBody>
+      </p:sp>
+      <p:sp>
+        <p:nvSpPr>
+          <p:cNvPr id="7" name="Date Placeholder 6"/>
           <p:cNvSpPr>
             <a:spLocks noGrp="1"/>
           </p:cNvSpPr>
@@ -1915,13 +1745,7 @@
       </p:sp>
       <p:sp>
         <p:nvSpPr>
-          <p:cNvPr id="8" name="Footer Placeholder 7">
-            <a:extLst>
-              <a:ext uri="{FF2B5EF4-FFF2-40B4-BE49-F238E27FC236}">
-                <a16:creationId xmlns:a16="http://schemas.microsoft.com/office/drawing/2014/main" id="{8D19859B-8414-6048-ACCF-879CD3BC1425}"/>
-              </a:ext>
-            </a:extLst>
-          </p:cNvPr>
+          <p:cNvPr id="8" name="Footer Placeholder 7"/>
           <p:cNvSpPr>
             <a:spLocks noGrp="1"/>
           </p:cNvSpPr>
@@ -1940,13 +1764,7 @@
       </p:sp>
       <p:sp>
         <p:nvSpPr>
-          <p:cNvPr id="9" name="Slide Number Placeholder 8">
-            <a:extLst>
-              <a:ext uri="{FF2B5EF4-FFF2-40B4-BE49-F238E27FC236}">
-                <a16:creationId xmlns:a16="http://schemas.microsoft.com/office/drawing/2014/main" id="{224EB1D0-65F5-6E44-9DC7-A04CCB0817B2}"/>
-              </a:ext>
-            </a:extLst>
-          </p:cNvPr>
+          <p:cNvPr id="9" name="Slide Number Placeholder 8"/>
           <p:cNvSpPr>
             <a:spLocks noGrp="1"/>
           </p:cNvSpPr>
@@ -1970,7 +1788,7 @@
     </p:spTree>
     <p:extLst>
       <p:ext uri="{BB962C8B-B14F-4D97-AF65-F5344CB8AC3E}">
-        <p14:creationId xmlns:p14="http://schemas.microsoft.com/office/powerpoint/2010/main" val="1176559970"/>
+        <p14:creationId xmlns:p14="http://schemas.microsoft.com/office/powerpoint/2010/main" val="1779457648"/>
       </p:ext>
     </p:extLst>
   </p:cSld>
@@ -1999,13 +1817,7 @@
       </p:grpSpPr>
       <p:sp>
         <p:nvSpPr>
-          <p:cNvPr id="2" name="Title 1">
-            <a:extLst>
-              <a:ext uri="{FF2B5EF4-FFF2-40B4-BE49-F238E27FC236}">
-                <a16:creationId xmlns:a16="http://schemas.microsoft.com/office/drawing/2014/main" id="{6A000DC1-2EA7-2243-8A36-D3A7356E5649}"/>
-              </a:ext>
-            </a:extLst>
-          </p:cNvPr>
+          <p:cNvPr id="2" name="Title 1"/>
           <p:cNvSpPr>
             <a:spLocks noGrp="1"/>
           </p:cNvSpPr>
@@ -2022,18 +1834,13 @@
               <a:rPr lang="en-US"/>
               <a:t>Click to edit Master title style</a:t>
             </a:r>
-          </a:p>
-        </p:txBody>
-      </p:sp>
-      <p:sp>
-        <p:nvSpPr>
-          <p:cNvPr id="3" name="Date Placeholder 2">
-            <a:extLst>
-              <a:ext uri="{FF2B5EF4-FFF2-40B4-BE49-F238E27FC236}">
-                <a16:creationId xmlns:a16="http://schemas.microsoft.com/office/drawing/2014/main" id="{B3789F8C-AAB9-324B-924A-E9088E0D607D}"/>
-              </a:ext>
-            </a:extLst>
-          </p:cNvPr>
+            <a:endParaRPr lang="en-US" dirty="0"/>
+          </a:p>
+        </p:txBody>
+      </p:sp>
+      <p:sp>
+        <p:nvSpPr>
+          <p:cNvPr id="3" name="Date Placeholder 2"/>
           <p:cNvSpPr>
             <a:spLocks noGrp="1"/>
           </p:cNvSpPr>
@@ -2056,13 +1863,7 @@
       </p:sp>
       <p:sp>
         <p:nvSpPr>
-          <p:cNvPr id="4" name="Footer Placeholder 3">
-            <a:extLst>
-              <a:ext uri="{FF2B5EF4-FFF2-40B4-BE49-F238E27FC236}">
-                <a16:creationId xmlns:a16="http://schemas.microsoft.com/office/drawing/2014/main" id="{801EE56D-0597-6140-8485-B89DE77DD9DD}"/>
-              </a:ext>
-            </a:extLst>
-          </p:cNvPr>
+          <p:cNvPr id="4" name="Footer Placeholder 3"/>
           <p:cNvSpPr>
             <a:spLocks noGrp="1"/>
           </p:cNvSpPr>
@@ -2081,13 +1882,7 @@
       </p:sp>
       <p:sp>
         <p:nvSpPr>
-          <p:cNvPr id="5" name="Slide Number Placeholder 4">
-            <a:extLst>
-              <a:ext uri="{FF2B5EF4-FFF2-40B4-BE49-F238E27FC236}">
-                <a16:creationId xmlns:a16="http://schemas.microsoft.com/office/drawing/2014/main" id="{0E2FA879-016C-5840-9C5B-226E715F842F}"/>
-              </a:ext>
-            </a:extLst>
-          </p:cNvPr>
+          <p:cNvPr id="5" name="Slide Number Placeholder 4"/>
           <p:cNvSpPr>
             <a:spLocks noGrp="1"/>
           </p:cNvSpPr>
@@ -2111,7 +1906,7 @@
     </p:spTree>
     <p:extLst>
       <p:ext uri="{BB962C8B-B14F-4D97-AF65-F5344CB8AC3E}">
-        <p14:creationId xmlns:p14="http://schemas.microsoft.com/office/powerpoint/2010/main" val="1112211366"/>
+        <p14:creationId xmlns:p14="http://schemas.microsoft.com/office/powerpoint/2010/main" val="2694327497"/>
       </p:ext>
     </p:extLst>
   </p:cSld>
@@ -2140,13 +1935,7 @@
       </p:grpSpPr>
       <p:sp>
         <p:nvSpPr>
-          <p:cNvPr id="2" name="Date Placeholder 1">
-            <a:extLst>
-              <a:ext uri="{FF2B5EF4-FFF2-40B4-BE49-F238E27FC236}">
-                <a16:creationId xmlns:a16="http://schemas.microsoft.com/office/drawing/2014/main" id="{FDA49A32-0A8D-5B4C-AAF9-4791D1364101}"/>
-              </a:ext>
-            </a:extLst>
-          </p:cNvPr>
+          <p:cNvPr id="2" name="Date Placeholder 1"/>
           <p:cNvSpPr>
             <a:spLocks noGrp="1"/>
           </p:cNvSpPr>
@@ -2169,13 +1958,7 @@
       </p:sp>
       <p:sp>
         <p:nvSpPr>
-          <p:cNvPr id="3" name="Footer Placeholder 2">
-            <a:extLst>
-              <a:ext uri="{FF2B5EF4-FFF2-40B4-BE49-F238E27FC236}">
-                <a16:creationId xmlns:a16="http://schemas.microsoft.com/office/drawing/2014/main" id="{CC41DA65-E1E3-0A48-81F1-4D2A970CADD7}"/>
-              </a:ext>
-            </a:extLst>
-          </p:cNvPr>
+          <p:cNvPr id="3" name="Footer Placeholder 2"/>
           <p:cNvSpPr>
             <a:spLocks noGrp="1"/>
           </p:cNvSpPr>
@@ -2194,13 +1977,7 @@
       </p:sp>
       <p:sp>
         <p:nvSpPr>
-          <p:cNvPr id="4" name="Slide Number Placeholder 3">
-            <a:extLst>
-              <a:ext uri="{FF2B5EF4-FFF2-40B4-BE49-F238E27FC236}">
-                <a16:creationId xmlns:a16="http://schemas.microsoft.com/office/drawing/2014/main" id="{B2765A6A-9B42-364C-ADBE-232DF5B29B5D}"/>
-              </a:ext>
-            </a:extLst>
-          </p:cNvPr>
+          <p:cNvPr id="4" name="Slide Number Placeholder 3"/>
           <p:cNvSpPr>
             <a:spLocks noGrp="1"/>
           </p:cNvSpPr>
@@ -2224,7 +2001,7 @@
     </p:spTree>
     <p:extLst>
       <p:ext uri="{BB962C8B-B14F-4D97-AF65-F5344CB8AC3E}">
-        <p14:creationId xmlns:p14="http://schemas.microsoft.com/office/powerpoint/2010/main" val="2618727886"/>
+        <p14:creationId xmlns:p14="http://schemas.microsoft.com/office/powerpoint/2010/main" val="448591572"/>
       </p:ext>
     </p:extLst>
   </p:cSld>
@@ -2253,13 +2030,7 @@
       </p:grpSpPr>
       <p:sp>
         <p:nvSpPr>
-          <p:cNvPr id="2" name="Title 1">
-            <a:extLst>
-              <a:ext uri="{FF2B5EF4-FFF2-40B4-BE49-F238E27FC236}">
-                <a16:creationId xmlns:a16="http://schemas.microsoft.com/office/drawing/2014/main" id="{D08E046F-2C14-A447-A8BC-C20475A6657B}"/>
-              </a:ext>
-            </a:extLst>
-          </p:cNvPr>
+          <p:cNvPr id="2" name="Title 1"/>
           <p:cNvSpPr>
             <a:spLocks noGrp="1"/>
           </p:cNvSpPr>
@@ -2269,15 +2040,15 @@
         </p:nvSpPr>
         <p:spPr>
           <a:xfrm>
-            <a:off x="839788" y="457200"/>
-            <a:ext cx="3932237" cy="1600200"/>
+            <a:off x="944762" y="792480"/>
+            <a:ext cx="4423767" cy="2773680"/>
           </a:xfrm>
         </p:spPr>
         <p:txBody>
           <a:bodyPr anchor="b"/>
           <a:lstStyle>
             <a:lvl1pPr>
-              <a:defRPr sz="3200"/>
+              <a:defRPr sz="4800"/>
             </a:lvl1pPr>
           </a:lstStyle>
           <a:p>
@@ -2285,18 +2056,13 @@
               <a:rPr lang="en-US"/>
               <a:t>Click to edit Master title style</a:t>
             </a:r>
-          </a:p>
-        </p:txBody>
-      </p:sp>
-      <p:sp>
-        <p:nvSpPr>
-          <p:cNvPr id="3" name="Content Placeholder 2">
-            <a:extLst>
-              <a:ext uri="{FF2B5EF4-FFF2-40B4-BE49-F238E27FC236}">
-                <a16:creationId xmlns:a16="http://schemas.microsoft.com/office/drawing/2014/main" id="{5E423171-0BA3-D64A-A529-A47F0CF0862E}"/>
-              </a:ext>
-            </a:extLst>
-          </p:cNvPr>
+            <a:endParaRPr lang="en-US" dirty="0"/>
+          </a:p>
+        </p:txBody>
+      </p:sp>
+      <p:sp>
+        <p:nvSpPr>
+          <p:cNvPr id="3" name="Content Placeholder 2"/>
           <p:cNvSpPr>
             <a:spLocks noGrp="1"/>
           </p:cNvSpPr>
@@ -2306,46 +2072,46 @@
         </p:nvSpPr>
         <p:spPr>
           <a:xfrm>
-            <a:off x="5183188" y="987425"/>
-            <a:ext cx="6172200" cy="4873625"/>
+            <a:off x="5831087" y="1711539"/>
+            <a:ext cx="6943725" cy="8447617"/>
           </a:xfrm>
         </p:spPr>
         <p:txBody>
           <a:bodyPr/>
           <a:lstStyle>
             <a:lvl1pPr>
-              <a:defRPr sz="3200"/>
+              <a:defRPr sz="4800"/>
             </a:lvl1pPr>
             <a:lvl2pPr>
-              <a:defRPr sz="2800"/>
+              <a:defRPr sz="4200"/>
             </a:lvl2pPr>
             <a:lvl3pPr>
-              <a:defRPr sz="2400"/>
+              <a:defRPr sz="3600"/>
             </a:lvl3pPr>
             <a:lvl4pPr>
-              <a:defRPr sz="2000"/>
+              <a:defRPr sz="3000"/>
             </a:lvl4pPr>
             <a:lvl5pPr>
-              <a:defRPr sz="2000"/>
+              <a:defRPr sz="3000"/>
             </a:lvl5pPr>
             <a:lvl6pPr>
-              <a:defRPr sz="2000"/>
+              <a:defRPr sz="3000"/>
             </a:lvl6pPr>
             <a:lvl7pPr>
-              <a:defRPr sz="2000"/>
+              <a:defRPr sz="3000"/>
             </a:lvl7pPr>
             <a:lvl8pPr>
-              <a:defRPr sz="2000"/>
+              <a:defRPr sz="3000"/>
             </a:lvl8pPr>
             <a:lvl9pPr>
-              <a:defRPr sz="2000"/>
+              <a:defRPr sz="3000"/>
             </a:lvl9pPr>
           </a:lstStyle>
           <a:p>
             <a:pPr lvl="0"/>
             <a:r>
               <a:rPr lang="en-US"/>
-              <a:t>Edit Master text styles</a:t>
+              <a:t>Click to edit Master text styles</a:t>
             </a:r>
           </a:p>
           <a:p>
@@ -2375,18 +2141,13 @@
               <a:rPr lang="en-US"/>
               <a:t>Fifth level</a:t>
             </a:r>
-          </a:p>
-        </p:txBody>
-      </p:sp>
-      <p:sp>
-        <p:nvSpPr>
-          <p:cNvPr id="4" name="Text Placeholder 3">
-            <a:extLst>
-              <a:ext uri="{FF2B5EF4-FFF2-40B4-BE49-F238E27FC236}">
-                <a16:creationId xmlns:a16="http://schemas.microsoft.com/office/drawing/2014/main" id="{8EEE36D6-9991-AD46-B781-0E908AA9DD3D}"/>
-              </a:ext>
-            </a:extLst>
-          </p:cNvPr>
+            <a:endParaRPr lang="en-US" dirty="0"/>
+          </a:p>
+        </p:txBody>
+      </p:sp>
+      <p:sp>
+        <p:nvSpPr>
+          <p:cNvPr id="4" name="Text Placeholder 3"/>
           <p:cNvSpPr>
             <a:spLocks noGrp="1"/>
           </p:cNvSpPr>
@@ -2396,8 +2157,8 @@
         </p:nvSpPr>
         <p:spPr>
           <a:xfrm>
-            <a:off x="839788" y="2057400"/>
-            <a:ext cx="3932237" cy="3811588"/>
+            <a:off x="944762" y="3566160"/>
+            <a:ext cx="4423767" cy="6606753"/>
           </a:xfrm>
         </p:spPr>
         <p:txBody>
@@ -2405,59 +2166,53 @@
           <a:lstStyle>
             <a:lvl1pPr marL="0" indent="0">
               <a:buNone/>
-              <a:defRPr sz="1600"/>
+              <a:defRPr sz="2400"/>
             </a:lvl1pPr>
-            <a:lvl2pPr marL="457200" indent="0">
-              <a:buNone/>
-              <a:defRPr sz="1400"/>
+            <a:lvl2pPr marL="685800" indent="0">
+              <a:buNone/>
+              <a:defRPr sz="2100"/>
             </a:lvl2pPr>
-            <a:lvl3pPr marL="914400" indent="0">
-              <a:buNone/>
-              <a:defRPr sz="1200"/>
+            <a:lvl3pPr marL="1371600" indent="0">
+              <a:buNone/>
+              <a:defRPr sz="1800"/>
             </a:lvl3pPr>
-            <a:lvl4pPr marL="1371600" indent="0">
-              <a:buNone/>
-              <a:defRPr sz="1000"/>
+            <a:lvl4pPr marL="2057400" indent="0">
+              <a:buNone/>
+              <a:defRPr sz="1500"/>
             </a:lvl4pPr>
-            <a:lvl5pPr marL="1828800" indent="0">
-              <a:buNone/>
-              <a:defRPr sz="1000"/>
+            <a:lvl5pPr marL="2743200" indent="0">
+              <a:buNone/>
+              <a:defRPr sz="1500"/>
             </a:lvl5pPr>
-            <a:lvl6pPr marL="2286000" indent="0">
-              <a:buNone/>
-              <a:defRPr sz="1000"/>
+            <a:lvl6pPr marL="3429000" indent="0">
+              <a:buNone/>
+              <a:defRPr sz="1500"/>
             </a:lvl6pPr>
-            <a:lvl7pPr marL="2743200" indent="0">
-              <a:buNone/>
-              <a:defRPr sz="1000"/>
+            <a:lvl7pPr marL="4114800" indent="0">
+              <a:buNone/>
+              <a:defRPr sz="1500"/>
             </a:lvl7pPr>
-            <a:lvl8pPr marL="3200400" indent="0">
-              <a:buNone/>
-              <a:defRPr sz="1000"/>
+            <a:lvl8pPr marL="4800600" indent="0">
+              <a:buNone/>
+              <a:defRPr sz="1500"/>
             </a:lvl8pPr>
-            <a:lvl9pPr marL="3657600" indent="0">
-              <a:buNone/>
-              <a:defRPr sz="1000"/>
+            <a:lvl9pPr marL="5486400" indent="0">
+              <a:buNone/>
+              <a:defRPr sz="1500"/>
             </a:lvl9pPr>
           </a:lstStyle>
           <a:p>
             <a:pPr lvl="0"/>
             <a:r>
               <a:rPr lang="en-US"/>
-              <a:t>Edit Master text styles</a:t>
-            </a:r>
-          </a:p>
-        </p:txBody>
-      </p:sp>
-      <p:sp>
-        <p:nvSpPr>
-          <p:cNvPr id="5" name="Date Placeholder 4">
-            <a:extLst>
-              <a:ext uri="{FF2B5EF4-FFF2-40B4-BE49-F238E27FC236}">
-                <a16:creationId xmlns:a16="http://schemas.microsoft.com/office/drawing/2014/main" id="{2B00E6AE-61BF-B240-AA3D-CE90B0EE3046}"/>
-              </a:ext>
-            </a:extLst>
-          </p:cNvPr>
+              <a:t>Click to edit Master text styles</a:t>
+            </a:r>
+          </a:p>
+        </p:txBody>
+      </p:sp>
+      <p:sp>
+        <p:nvSpPr>
+          <p:cNvPr id="5" name="Date Placeholder 4"/>
           <p:cNvSpPr>
             <a:spLocks noGrp="1"/>
           </p:cNvSpPr>
@@ -2480,13 +2235,7 @@
       </p:sp>
       <p:sp>
         <p:nvSpPr>
-          <p:cNvPr id="6" name="Footer Placeholder 5">
-            <a:extLst>
-              <a:ext uri="{FF2B5EF4-FFF2-40B4-BE49-F238E27FC236}">
-                <a16:creationId xmlns:a16="http://schemas.microsoft.com/office/drawing/2014/main" id="{74A25338-DF6F-404E-A6A3-568B08D167D6}"/>
-              </a:ext>
-            </a:extLst>
-          </p:cNvPr>
+          <p:cNvPr id="6" name="Footer Placeholder 5"/>
           <p:cNvSpPr>
             <a:spLocks noGrp="1"/>
           </p:cNvSpPr>
@@ -2505,13 +2254,7 @@
       </p:sp>
       <p:sp>
         <p:nvSpPr>
-          <p:cNvPr id="7" name="Slide Number Placeholder 6">
-            <a:extLst>
-              <a:ext uri="{FF2B5EF4-FFF2-40B4-BE49-F238E27FC236}">
-                <a16:creationId xmlns:a16="http://schemas.microsoft.com/office/drawing/2014/main" id="{6B65D1D5-BF02-8D4F-A954-56B16E199A20}"/>
-              </a:ext>
-            </a:extLst>
-          </p:cNvPr>
+          <p:cNvPr id="7" name="Slide Number Placeholder 6"/>
           <p:cNvSpPr>
             <a:spLocks noGrp="1"/>
           </p:cNvSpPr>
@@ -2535,7 +2278,7 @@
     </p:spTree>
     <p:extLst>
       <p:ext uri="{BB962C8B-B14F-4D97-AF65-F5344CB8AC3E}">
-        <p14:creationId xmlns:p14="http://schemas.microsoft.com/office/powerpoint/2010/main" val="1978532903"/>
+        <p14:creationId xmlns:p14="http://schemas.microsoft.com/office/powerpoint/2010/main" val="1308301890"/>
       </p:ext>
     </p:extLst>
   </p:cSld>
@@ -2564,13 +2307,7 @@
       </p:grpSpPr>
       <p:sp>
         <p:nvSpPr>
-          <p:cNvPr id="2" name="Title 1">
-            <a:extLst>
-              <a:ext uri="{FF2B5EF4-FFF2-40B4-BE49-F238E27FC236}">
-                <a16:creationId xmlns:a16="http://schemas.microsoft.com/office/drawing/2014/main" id="{DE4D4BD4-7B32-F742-A259-E8C97224AF33}"/>
-              </a:ext>
-            </a:extLst>
-          </p:cNvPr>
+          <p:cNvPr id="2" name="Title 1"/>
           <p:cNvSpPr>
             <a:spLocks noGrp="1"/>
           </p:cNvSpPr>
@@ -2580,15 +2317,15 @@
         </p:nvSpPr>
         <p:spPr>
           <a:xfrm>
-            <a:off x="839788" y="457200"/>
-            <a:ext cx="3932237" cy="1600200"/>
+            <a:off x="944762" y="792480"/>
+            <a:ext cx="4423767" cy="2773680"/>
           </a:xfrm>
         </p:spPr>
         <p:txBody>
           <a:bodyPr anchor="b"/>
           <a:lstStyle>
             <a:lvl1pPr>
-              <a:defRPr sz="3200"/>
+              <a:defRPr sz="4800"/>
             </a:lvl1pPr>
           </a:lstStyle>
           <a:p>
@@ -2596,20 +2333,15 @@
               <a:rPr lang="en-US"/>
               <a:t>Click to edit Master title style</a:t>
             </a:r>
-          </a:p>
-        </p:txBody>
-      </p:sp>
-      <p:sp>
-        <p:nvSpPr>
-          <p:cNvPr id="3" name="Picture Placeholder 2">
-            <a:extLst>
-              <a:ext uri="{FF2B5EF4-FFF2-40B4-BE49-F238E27FC236}">
-                <a16:creationId xmlns:a16="http://schemas.microsoft.com/office/drawing/2014/main" id="{0D3050B1-79EE-D040-9FF4-E44D7D6E51B5}"/>
-              </a:ext>
-            </a:extLst>
-          </p:cNvPr>
-          <p:cNvSpPr>
-            <a:spLocks noGrp="1"/>
+            <a:endParaRPr lang="en-US" dirty="0"/>
+          </a:p>
+        </p:txBody>
+      </p:sp>
+      <p:sp>
+        <p:nvSpPr>
+          <p:cNvPr id="3" name="Picture Placeholder 2"/>
+          <p:cNvSpPr>
+            <a:spLocks noGrp="1" noChangeAspect="1"/>
           </p:cNvSpPr>
           <p:nvPr>
             <p:ph type="pic" idx="1"/>
@@ -2617,64 +2349,62 @@
         </p:nvSpPr>
         <p:spPr>
           <a:xfrm>
-            <a:off x="5183188" y="987425"/>
-            <a:ext cx="6172200" cy="4873625"/>
+            <a:off x="5831087" y="1711539"/>
+            <a:ext cx="6943725" cy="8447617"/>
           </a:xfrm>
         </p:spPr>
         <p:txBody>
-          <a:bodyPr/>
+          <a:bodyPr anchor="t"/>
           <a:lstStyle>
             <a:lvl1pPr marL="0" indent="0">
               <a:buNone/>
-              <a:defRPr sz="3200"/>
+              <a:defRPr sz="4800"/>
             </a:lvl1pPr>
-            <a:lvl2pPr marL="457200" indent="0">
-              <a:buNone/>
-              <a:defRPr sz="2800"/>
+            <a:lvl2pPr marL="685800" indent="0">
+              <a:buNone/>
+              <a:defRPr sz="4200"/>
             </a:lvl2pPr>
-            <a:lvl3pPr marL="914400" indent="0">
-              <a:buNone/>
-              <a:defRPr sz="2400"/>
+            <a:lvl3pPr marL="1371600" indent="0">
+              <a:buNone/>
+              <a:defRPr sz="3600"/>
             </a:lvl3pPr>
-            <a:lvl4pPr marL="1371600" indent="0">
-              <a:buNone/>
-              <a:defRPr sz="2000"/>
+            <a:lvl4pPr marL="2057400" indent="0">
+              <a:buNone/>
+              <a:defRPr sz="3000"/>
             </a:lvl4pPr>
-            <a:lvl5pPr marL="1828800" indent="0">
-              <a:buNone/>
-              <a:defRPr sz="2000"/>
+            <a:lvl5pPr marL="2743200" indent="0">
+              <a:buNone/>
+              <a:defRPr sz="3000"/>
             </a:lvl5pPr>
-            <a:lvl6pPr marL="2286000" indent="0">
-              <a:buNone/>
-              <a:defRPr sz="2000"/>
+            <a:lvl6pPr marL="3429000" indent="0">
+              <a:buNone/>
+              <a:defRPr sz="3000"/>
             </a:lvl6pPr>
-            <a:lvl7pPr marL="2743200" indent="0">
-              <a:buNone/>
-              <a:defRPr sz="2000"/>
+            <a:lvl7pPr marL="4114800" indent="0">
+              <a:buNone/>
+              <a:defRPr sz="3000"/>
             </a:lvl7pPr>
-            <a:lvl8pPr marL="3200400" indent="0">
-              <a:buNone/>
-              <a:defRPr sz="2000"/>
+            <a:lvl8pPr marL="4800600" indent="0">
+              <a:buNone/>
+              <a:defRPr sz="3000"/>
             </a:lvl8pPr>
-            <a:lvl9pPr marL="3657600" indent="0">
-              <a:buNone/>
-              <a:defRPr sz="2000"/>
+            <a:lvl9pPr marL="5486400" indent="0">
+              <a:buNone/>
+              <a:defRPr sz="3000"/>
             </a:lvl9pPr>
           </a:lstStyle>
           <a:p>
-            <a:endParaRPr lang="en-US"/>
-          </a:p>
-        </p:txBody>
-      </p:sp>
-      <p:sp>
-        <p:nvSpPr>
-          <p:cNvPr id="4" name="Text Placeholder 3">
-            <a:extLst>
-              <a:ext uri="{FF2B5EF4-FFF2-40B4-BE49-F238E27FC236}">
-                <a16:creationId xmlns:a16="http://schemas.microsoft.com/office/drawing/2014/main" id="{96E8C28C-70A4-8845-A22B-7A2869E35BFD}"/>
-              </a:ext>
-            </a:extLst>
-          </p:cNvPr>
+            <a:r>
+              <a:rPr lang="en-US"/>
+              <a:t>Click icon to add picture</a:t>
+            </a:r>
+            <a:endParaRPr lang="en-US" dirty="0"/>
+          </a:p>
+        </p:txBody>
+      </p:sp>
+      <p:sp>
+        <p:nvSpPr>
+          <p:cNvPr id="4" name="Text Placeholder 3"/>
           <p:cNvSpPr>
             <a:spLocks noGrp="1"/>
           </p:cNvSpPr>
@@ -2684,8 +2414,8 @@
         </p:nvSpPr>
         <p:spPr>
           <a:xfrm>
-            <a:off x="839788" y="2057400"/>
-            <a:ext cx="3932237" cy="3811588"/>
+            <a:off x="944762" y="3566160"/>
+            <a:ext cx="4423767" cy="6606753"/>
           </a:xfrm>
         </p:spPr>
         <p:txBody>
@@ -2693,59 +2423,53 @@
           <a:lstStyle>
             <a:lvl1pPr marL="0" indent="0">
               <a:buNone/>
-              <a:defRPr sz="1600"/>
+              <a:defRPr sz="2400"/>
             </a:lvl1pPr>
-            <a:lvl2pPr marL="457200" indent="0">
-              <a:buNone/>
-              <a:defRPr sz="1400"/>
+            <a:lvl2pPr marL="685800" indent="0">
+              <a:buNone/>
+              <a:defRPr sz="2100"/>
             </a:lvl2pPr>
-            <a:lvl3pPr marL="914400" indent="0">
-              <a:buNone/>
-              <a:defRPr sz="1200"/>
+            <a:lvl3pPr marL="1371600" indent="0">
+              <a:buNone/>
+              <a:defRPr sz="1800"/>
             </a:lvl3pPr>
-            <a:lvl4pPr marL="1371600" indent="0">
-              <a:buNone/>
-              <a:defRPr sz="1000"/>
+            <a:lvl4pPr marL="2057400" indent="0">
+              <a:buNone/>
+              <a:defRPr sz="1500"/>
             </a:lvl4pPr>
-            <a:lvl5pPr marL="1828800" indent="0">
-              <a:buNone/>
-              <a:defRPr sz="1000"/>
+            <a:lvl5pPr marL="2743200" indent="0">
+              <a:buNone/>
+              <a:defRPr sz="1500"/>
             </a:lvl5pPr>
-            <a:lvl6pPr marL="2286000" indent="0">
-              <a:buNone/>
-              <a:defRPr sz="1000"/>
+            <a:lvl6pPr marL="3429000" indent="0">
+              <a:buNone/>
+              <a:defRPr sz="1500"/>
             </a:lvl6pPr>
-            <a:lvl7pPr marL="2743200" indent="0">
-              <a:buNone/>
-              <a:defRPr sz="1000"/>
+            <a:lvl7pPr marL="4114800" indent="0">
+              <a:buNone/>
+              <a:defRPr sz="1500"/>
             </a:lvl7pPr>
-            <a:lvl8pPr marL="3200400" indent="0">
-              <a:buNone/>
-              <a:defRPr sz="1000"/>
+            <a:lvl8pPr marL="4800600" indent="0">
+              <a:buNone/>
+              <a:defRPr sz="1500"/>
             </a:lvl8pPr>
-            <a:lvl9pPr marL="3657600" indent="0">
-              <a:buNone/>
-              <a:defRPr sz="1000"/>
+            <a:lvl9pPr marL="5486400" indent="0">
+              <a:buNone/>
+              <a:defRPr sz="1500"/>
             </a:lvl9pPr>
           </a:lstStyle>
           <a:p>
             <a:pPr lvl="0"/>
             <a:r>
               <a:rPr lang="en-US"/>
-              <a:t>Edit Master text styles</a:t>
-            </a:r>
-          </a:p>
-        </p:txBody>
-      </p:sp>
-      <p:sp>
-        <p:nvSpPr>
-          <p:cNvPr id="5" name="Date Placeholder 4">
-            <a:extLst>
-              <a:ext uri="{FF2B5EF4-FFF2-40B4-BE49-F238E27FC236}">
-                <a16:creationId xmlns:a16="http://schemas.microsoft.com/office/drawing/2014/main" id="{636DCAA9-6067-0443-8DF6-7AAABFB42A61}"/>
-              </a:ext>
-            </a:extLst>
-          </p:cNvPr>
+              <a:t>Click to edit Master text styles</a:t>
+            </a:r>
+          </a:p>
+        </p:txBody>
+      </p:sp>
+      <p:sp>
+        <p:nvSpPr>
+          <p:cNvPr id="5" name="Date Placeholder 4"/>
           <p:cNvSpPr>
             <a:spLocks noGrp="1"/>
           </p:cNvSpPr>
@@ -2768,13 +2492,7 @@
       </p:sp>
       <p:sp>
         <p:nvSpPr>
-          <p:cNvPr id="6" name="Footer Placeholder 5">
-            <a:extLst>
-              <a:ext uri="{FF2B5EF4-FFF2-40B4-BE49-F238E27FC236}">
-                <a16:creationId xmlns:a16="http://schemas.microsoft.com/office/drawing/2014/main" id="{448897E8-74FC-C147-BCA2-7A3B997D4DA8}"/>
-              </a:ext>
-            </a:extLst>
-          </p:cNvPr>
+          <p:cNvPr id="6" name="Footer Placeholder 5"/>
           <p:cNvSpPr>
             <a:spLocks noGrp="1"/>
           </p:cNvSpPr>
@@ -2793,13 +2511,7 @@
       </p:sp>
       <p:sp>
         <p:nvSpPr>
-          <p:cNvPr id="7" name="Slide Number Placeholder 6">
-            <a:extLst>
-              <a:ext uri="{FF2B5EF4-FFF2-40B4-BE49-F238E27FC236}">
-                <a16:creationId xmlns:a16="http://schemas.microsoft.com/office/drawing/2014/main" id="{B5CB87A6-A673-B048-8385-BB971B44ECC3}"/>
-              </a:ext>
-            </a:extLst>
-          </p:cNvPr>
+          <p:cNvPr id="7" name="Slide Number Placeholder 6"/>
           <p:cNvSpPr>
             <a:spLocks noGrp="1"/>
           </p:cNvSpPr>
@@ -2823,7 +2535,7 @@
     </p:spTree>
     <p:extLst>
       <p:ext uri="{BB962C8B-B14F-4D97-AF65-F5344CB8AC3E}">
-        <p14:creationId xmlns:p14="http://schemas.microsoft.com/office/powerpoint/2010/main" val="105000185"/>
+        <p14:creationId xmlns:p14="http://schemas.microsoft.com/office/powerpoint/2010/main" val="4136144125"/>
       </p:ext>
     </p:extLst>
   </p:cSld>
@@ -2857,13 +2569,7 @@
       </p:grpSpPr>
       <p:sp>
         <p:nvSpPr>
-          <p:cNvPr id="2" name="Title Placeholder 1">
-            <a:extLst>
-              <a:ext uri="{FF2B5EF4-FFF2-40B4-BE49-F238E27FC236}">
-                <a16:creationId xmlns:a16="http://schemas.microsoft.com/office/drawing/2014/main" id="{B9B295B0-1D88-9647-A42E-3C99134042B3}"/>
-              </a:ext>
-            </a:extLst>
-          </p:cNvPr>
+          <p:cNvPr id="2" name="Title Placeholder 1"/>
           <p:cNvSpPr>
             <a:spLocks noGrp="1"/>
           </p:cNvSpPr>
@@ -2873,8 +2579,8 @@
         </p:nvSpPr>
         <p:spPr>
           <a:xfrm>
-            <a:off x="838200" y="365125"/>
-            <a:ext cx="10515600" cy="1325563"/>
+            <a:off x="942975" y="632886"/>
+            <a:ext cx="11830050" cy="2297643"/>
           </a:xfrm>
           <a:prstGeom prst="rect">
             <a:avLst/>
@@ -2890,18 +2596,13 @@
               <a:rPr lang="en-US"/>
               <a:t>Click to edit Master title style</a:t>
             </a:r>
-          </a:p>
-        </p:txBody>
-      </p:sp>
-      <p:sp>
-        <p:nvSpPr>
-          <p:cNvPr id="3" name="Text Placeholder 2">
-            <a:extLst>
-              <a:ext uri="{FF2B5EF4-FFF2-40B4-BE49-F238E27FC236}">
-                <a16:creationId xmlns:a16="http://schemas.microsoft.com/office/drawing/2014/main" id="{7E1B56D7-1EC1-A34F-B8A3-6580D0321B14}"/>
-              </a:ext>
-            </a:extLst>
-          </p:cNvPr>
+            <a:endParaRPr lang="en-US" dirty="0"/>
+          </a:p>
+        </p:txBody>
+      </p:sp>
+      <p:sp>
+        <p:nvSpPr>
+          <p:cNvPr id="3" name="Text Placeholder 2"/>
           <p:cNvSpPr>
             <a:spLocks noGrp="1"/>
           </p:cNvSpPr>
@@ -2911,8 +2612,8 @@
         </p:nvSpPr>
         <p:spPr>
           <a:xfrm>
-            <a:off x="838200" y="1825625"/>
-            <a:ext cx="10515600" cy="4351338"/>
+            <a:off x="942975" y="3164417"/>
+            <a:ext cx="11830050" cy="7542319"/>
           </a:xfrm>
           <a:prstGeom prst="rect">
             <a:avLst/>
@@ -2927,7 +2628,7 @@
             <a:pPr lvl="0"/>
             <a:r>
               <a:rPr lang="en-US"/>
-              <a:t>Edit Master text styles</a:t>
+              <a:t>Click to edit Master text styles</a:t>
             </a:r>
           </a:p>
           <a:p>
@@ -2957,18 +2658,13 @@
               <a:rPr lang="en-US"/>
               <a:t>Fifth level</a:t>
             </a:r>
-          </a:p>
-        </p:txBody>
-      </p:sp>
-      <p:sp>
-        <p:nvSpPr>
-          <p:cNvPr id="4" name="Date Placeholder 3">
-            <a:extLst>
-              <a:ext uri="{FF2B5EF4-FFF2-40B4-BE49-F238E27FC236}">
-                <a16:creationId xmlns:a16="http://schemas.microsoft.com/office/drawing/2014/main" id="{49FFB18E-4932-ED40-8EDD-A7A4ADA2706E}"/>
-              </a:ext>
-            </a:extLst>
-          </p:cNvPr>
+            <a:endParaRPr lang="en-US" dirty="0"/>
+          </a:p>
+        </p:txBody>
+      </p:sp>
+      <p:sp>
+        <p:nvSpPr>
+          <p:cNvPr id="4" name="Date Placeholder 3"/>
           <p:cNvSpPr>
             <a:spLocks noGrp="1"/>
           </p:cNvSpPr>
@@ -2978,8 +2674,8 @@
         </p:nvSpPr>
         <p:spPr>
           <a:xfrm>
-            <a:off x="838200" y="6356350"/>
-            <a:ext cx="2743200" cy="365125"/>
+            <a:off x="942975" y="11017676"/>
+            <a:ext cx="3086100" cy="632883"/>
           </a:xfrm>
           <a:prstGeom prst="rect">
             <a:avLst/>
@@ -2989,7 +2685,7 @@
           <a:bodyPr vert="horz" lIns="91440" tIns="45720" rIns="91440" bIns="45720" rtlCol="0" anchor="ctr"/>
           <a:lstStyle>
             <a:lvl1pPr algn="l">
-              <a:defRPr sz="1200">
+              <a:defRPr sz="1800">
                 <a:solidFill>
                   <a:schemeClr val="tx1">
                     <a:tint val="75000"/>
@@ -3009,13 +2705,7 @@
       </p:sp>
       <p:sp>
         <p:nvSpPr>
-          <p:cNvPr id="5" name="Footer Placeholder 4">
-            <a:extLst>
-              <a:ext uri="{FF2B5EF4-FFF2-40B4-BE49-F238E27FC236}">
-                <a16:creationId xmlns:a16="http://schemas.microsoft.com/office/drawing/2014/main" id="{6D0404A4-9777-484C-9646-FA1FA153E3F6}"/>
-              </a:ext>
-            </a:extLst>
-          </p:cNvPr>
+          <p:cNvPr id="5" name="Footer Placeholder 4"/>
           <p:cNvSpPr>
             <a:spLocks noGrp="1"/>
           </p:cNvSpPr>
@@ -3025,8 +2715,8 @@
         </p:nvSpPr>
         <p:spPr>
           <a:xfrm>
-            <a:off x="4038600" y="6356350"/>
-            <a:ext cx="4114800" cy="365125"/>
+            <a:off x="4543425" y="11017676"/>
+            <a:ext cx="4629150" cy="632883"/>
           </a:xfrm>
           <a:prstGeom prst="rect">
             <a:avLst/>
@@ -3036,7 +2726,7 @@
           <a:bodyPr vert="horz" lIns="91440" tIns="45720" rIns="91440" bIns="45720" rtlCol="0" anchor="ctr"/>
           <a:lstStyle>
             <a:lvl1pPr algn="ctr">
-              <a:defRPr sz="1200">
+              <a:defRPr sz="1800">
                 <a:solidFill>
                   <a:schemeClr val="tx1">
                     <a:tint val="75000"/>
@@ -3052,13 +2742,7 @@
       </p:sp>
       <p:sp>
         <p:nvSpPr>
-          <p:cNvPr id="6" name="Slide Number Placeholder 5">
-            <a:extLst>
-              <a:ext uri="{FF2B5EF4-FFF2-40B4-BE49-F238E27FC236}">
-                <a16:creationId xmlns:a16="http://schemas.microsoft.com/office/drawing/2014/main" id="{3FB8C862-D871-BB43-81F2-808EB0347FA6}"/>
-              </a:ext>
-            </a:extLst>
-          </p:cNvPr>
+          <p:cNvPr id="6" name="Slide Number Placeholder 5"/>
           <p:cNvSpPr>
             <a:spLocks noGrp="1"/>
           </p:cNvSpPr>
@@ -3068,8 +2752,8 @@
         </p:nvSpPr>
         <p:spPr>
           <a:xfrm>
-            <a:off x="8610600" y="6356350"/>
-            <a:ext cx="2743200" cy="365125"/>
+            <a:off x="9686925" y="11017676"/>
+            <a:ext cx="3086100" cy="632883"/>
           </a:xfrm>
           <a:prstGeom prst="rect">
             <a:avLst/>
@@ -3079,7 +2763,7 @@
           <a:bodyPr vert="horz" lIns="91440" tIns="45720" rIns="91440" bIns="45720" rtlCol="0" anchor="ctr"/>
           <a:lstStyle>
             <a:lvl1pPr algn="r">
-              <a:defRPr sz="1200">
+              <a:defRPr sz="1800">
                 <a:solidFill>
                   <a:schemeClr val="tx1">
                     <a:tint val="75000"/>
@@ -3100,27 +2784,27 @@
     </p:spTree>
     <p:extLst>
       <p:ext uri="{BB962C8B-B14F-4D97-AF65-F5344CB8AC3E}">
-        <p14:creationId xmlns:p14="http://schemas.microsoft.com/office/powerpoint/2010/main" val="2793381485"/>
+        <p14:creationId xmlns:p14="http://schemas.microsoft.com/office/powerpoint/2010/main" val="2386552761"/>
       </p:ext>
     </p:extLst>
   </p:cSld>
   <p:clrMap bg1="lt1" tx1="dk1" bg2="lt2" tx2="dk2" accent1="accent1" accent2="accent2" accent3="accent3" accent4="accent4" accent5="accent5" accent6="accent6" hlink="hlink" folHlink="folHlink"/>
   <p:sldLayoutIdLst>
-    <p:sldLayoutId id="2147483649" r:id="rId1"/>
-    <p:sldLayoutId id="2147483650" r:id="rId2"/>
-    <p:sldLayoutId id="2147483651" r:id="rId3"/>
-    <p:sldLayoutId id="2147483652" r:id="rId4"/>
-    <p:sldLayoutId id="2147483653" r:id="rId5"/>
-    <p:sldLayoutId id="2147483654" r:id="rId6"/>
-    <p:sldLayoutId id="2147483655" r:id="rId7"/>
-    <p:sldLayoutId id="2147483656" r:id="rId8"/>
-    <p:sldLayoutId id="2147483657" r:id="rId9"/>
-    <p:sldLayoutId id="2147483658" r:id="rId10"/>
-    <p:sldLayoutId id="2147483659" r:id="rId11"/>
+    <p:sldLayoutId id="2147483661" r:id="rId1"/>
+    <p:sldLayoutId id="2147483662" r:id="rId2"/>
+    <p:sldLayoutId id="2147483663" r:id="rId3"/>
+    <p:sldLayoutId id="2147483664" r:id="rId4"/>
+    <p:sldLayoutId id="2147483665" r:id="rId5"/>
+    <p:sldLayoutId id="2147483666" r:id="rId6"/>
+    <p:sldLayoutId id="2147483667" r:id="rId7"/>
+    <p:sldLayoutId id="2147483668" r:id="rId8"/>
+    <p:sldLayoutId id="2147483669" r:id="rId9"/>
+    <p:sldLayoutId id="2147483670" r:id="rId10"/>
+    <p:sldLayoutId id="2147483671" r:id="rId11"/>
   </p:sldLayoutIdLst>
   <p:txStyles>
     <p:titleStyle>
-      <a:lvl1pPr algn="l" defTabSz="914400" rtl="0" eaLnBrk="1" latinLnBrk="0" hangingPunct="1">
+      <a:lvl1pPr algn="l" defTabSz="1371600" rtl="0" eaLnBrk="1" latinLnBrk="0" hangingPunct="1">
         <a:lnSpc>
           <a:spcPct val="90000"/>
         </a:lnSpc>
@@ -3128,7 +2812,7 @@
           <a:spcPct val="0"/>
         </a:spcBef>
         <a:buNone/>
-        <a:defRPr sz="4400" kern="1200">
+        <a:defRPr sz="6600" kern="1200">
           <a:solidFill>
             <a:schemeClr val="tx1"/>
           </a:solidFill>
@@ -3139,16 +2823,16 @@
       </a:lvl1pPr>
     </p:titleStyle>
     <p:bodyStyle>
-      <a:lvl1pPr marL="228600" indent="-228600" algn="l" defTabSz="914400" rtl="0" eaLnBrk="1" latinLnBrk="0" hangingPunct="1">
+      <a:lvl1pPr marL="342900" indent="-342900" algn="l" defTabSz="1371600" rtl="0" eaLnBrk="1" latinLnBrk="0" hangingPunct="1">
         <a:lnSpc>
           <a:spcPct val="90000"/>
         </a:lnSpc>
         <a:spcBef>
-          <a:spcPts val="1000"/>
+          <a:spcPts val="1500"/>
         </a:spcBef>
         <a:buFont typeface="Arial" panose="020B0604020202020204" pitchFamily="34" charset="0"/>
         <a:buChar char="•"/>
-        <a:defRPr sz="2800" kern="1200">
+        <a:defRPr sz="4200" kern="1200">
           <a:solidFill>
             <a:schemeClr val="tx1"/>
           </a:solidFill>
@@ -3157,16 +2841,16 @@
           <a:cs typeface="+mn-cs"/>
         </a:defRPr>
       </a:lvl1pPr>
-      <a:lvl2pPr marL="685800" indent="-228600" algn="l" defTabSz="914400" rtl="0" eaLnBrk="1" latinLnBrk="0" hangingPunct="1">
+      <a:lvl2pPr marL="1028700" indent="-342900" algn="l" defTabSz="1371600" rtl="0" eaLnBrk="1" latinLnBrk="0" hangingPunct="1">
         <a:lnSpc>
           <a:spcPct val="90000"/>
         </a:lnSpc>
         <a:spcBef>
-          <a:spcPts val="500"/>
+          <a:spcPts val="750"/>
         </a:spcBef>
         <a:buFont typeface="Arial" panose="020B0604020202020204" pitchFamily="34" charset="0"/>
         <a:buChar char="•"/>
-        <a:defRPr sz="2400" kern="1200">
+        <a:defRPr sz="3600" kern="1200">
           <a:solidFill>
             <a:schemeClr val="tx1"/>
           </a:solidFill>
@@ -3175,16 +2859,16 @@
           <a:cs typeface="+mn-cs"/>
         </a:defRPr>
       </a:lvl2pPr>
-      <a:lvl3pPr marL="1143000" indent="-228600" algn="l" defTabSz="914400" rtl="0" eaLnBrk="1" latinLnBrk="0" hangingPunct="1">
+      <a:lvl3pPr marL="1714500" indent="-342900" algn="l" defTabSz="1371600" rtl="0" eaLnBrk="1" latinLnBrk="0" hangingPunct="1">
         <a:lnSpc>
           <a:spcPct val="90000"/>
         </a:lnSpc>
         <a:spcBef>
-          <a:spcPts val="500"/>
+          <a:spcPts val="750"/>
         </a:spcBef>
         <a:buFont typeface="Arial" panose="020B0604020202020204" pitchFamily="34" charset="0"/>
         <a:buChar char="•"/>
-        <a:defRPr sz="2000" kern="1200">
+        <a:defRPr sz="3000" kern="1200">
           <a:solidFill>
             <a:schemeClr val="tx1"/>
           </a:solidFill>
@@ -3193,16 +2877,16 @@
           <a:cs typeface="+mn-cs"/>
         </a:defRPr>
       </a:lvl3pPr>
-      <a:lvl4pPr marL="1600200" indent="-228600" algn="l" defTabSz="914400" rtl="0" eaLnBrk="1" latinLnBrk="0" hangingPunct="1">
+      <a:lvl4pPr marL="2400300" indent="-342900" algn="l" defTabSz="1371600" rtl="0" eaLnBrk="1" latinLnBrk="0" hangingPunct="1">
         <a:lnSpc>
           <a:spcPct val="90000"/>
         </a:lnSpc>
         <a:spcBef>
-          <a:spcPts val="500"/>
+          <a:spcPts val="750"/>
         </a:spcBef>
         <a:buFont typeface="Arial" panose="020B0604020202020204" pitchFamily="34" charset="0"/>
         <a:buChar char="•"/>
-        <a:defRPr sz="1800" kern="1200">
+        <a:defRPr sz="2700" kern="1200">
           <a:solidFill>
             <a:schemeClr val="tx1"/>
           </a:solidFill>
@@ -3211,16 +2895,16 @@
           <a:cs typeface="+mn-cs"/>
         </a:defRPr>
       </a:lvl4pPr>
-      <a:lvl5pPr marL="2057400" indent="-228600" algn="l" defTabSz="914400" rtl="0" eaLnBrk="1" latinLnBrk="0" hangingPunct="1">
+      <a:lvl5pPr marL="3086100" indent="-342900" algn="l" defTabSz="1371600" rtl="0" eaLnBrk="1" latinLnBrk="0" hangingPunct="1">
         <a:lnSpc>
           <a:spcPct val="90000"/>
         </a:lnSpc>
         <a:spcBef>
-          <a:spcPts val="500"/>
+          <a:spcPts val="750"/>
         </a:spcBef>
         <a:buFont typeface="Arial" panose="020B0604020202020204" pitchFamily="34" charset="0"/>
         <a:buChar char="•"/>
-        <a:defRPr sz="1800" kern="1200">
+        <a:defRPr sz="2700" kern="1200">
           <a:solidFill>
             <a:schemeClr val="tx1"/>
           </a:solidFill>
@@ -3229,16 +2913,16 @@
           <a:cs typeface="+mn-cs"/>
         </a:defRPr>
       </a:lvl5pPr>
-      <a:lvl6pPr marL="2514600" indent="-228600" algn="l" defTabSz="914400" rtl="0" eaLnBrk="1" latinLnBrk="0" hangingPunct="1">
+      <a:lvl6pPr marL="3771900" indent="-342900" algn="l" defTabSz="1371600" rtl="0" eaLnBrk="1" latinLnBrk="0" hangingPunct="1">
         <a:lnSpc>
           <a:spcPct val="90000"/>
         </a:lnSpc>
         <a:spcBef>
-          <a:spcPts val="500"/>
+          <a:spcPts val="750"/>
         </a:spcBef>
         <a:buFont typeface="Arial" panose="020B0604020202020204" pitchFamily="34" charset="0"/>
         <a:buChar char="•"/>
-        <a:defRPr sz="1800" kern="1200">
+        <a:defRPr sz="2700" kern="1200">
           <a:solidFill>
             <a:schemeClr val="tx1"/>
           </a:solidFill>
@@ -3247,16 +2931,16 @@
           <a:cs typeface="+mn-cs"/>
         </a:defRPr>
       </a:lvl6pPr>
-      <a:lvl7pPr marL="2971800" indent="-228600" algn="l" defTabSz="914400" rtl="0" eaLnBrk="1" latinLnBrk="0" hangingPunct="1">
+      <a:lvl7pPr marL="4457700" indent="-342900" algn="l" defTabSz="1371600" rtl="0" eaLnBrk="1" latinLnBrk="0" hangingPunct="1">
         <a:lnSpc>
           <a:spcPct val="90000"/>
         </a:lnSpc>
         <a:spcBef>
-          <a:spcPts val="500"/>
+          <a:spcPts val="750"/>
         </a:spcBef>
         <a:buFont typeface="Arial" panose="020B0604020202020204" pitchFamily="34" charset="0"/>
         <a:buChar char="•"/>
-        <a:defRPr sz="1800" kern="1200">
+        <a:defRPr sz="2700" kern="1200">
           <a:solidFill>
             <a:schemeClr val="tx1"/>
           </a:solidFill>
@@ -3265,16 +2949,16 @@
           <a:cs typeface="+mn-cs"/>
         </a:defRPr>
       </a:lvl7pPr>
-      <a:lvl8pPr marL="3429000" indent="-228600" algn="l" defTabSz="914400" rtl="0" eaLnBrk="1" latinLnBrk="0" hangingPunct="1">
+      <a:lvl8pPr marL="5143500" indent="-342900" algn="l" defTabSz="1371600" rtl="0" eaLnBrk="1" latinLnBrk="0" hangingPunct="1">
         <a:lnSpc>
           <a:spcPct val="90000"/>
         </a:lnSpc>
         <a:spcBef>
-          <a:spcPts val="500"/>
+          <a:spcPts val="750"/>
         </a:spcBef>
         <a:buFont typeface="Arial" panose="020B0604020202020204" pitchFamily="34" charset="0"/>
         <a:buChar char="•"/>
-        <a:defRPr sz="1800" kern="1200">
+        <a:defRPr sz="2700" kern="1200">
           <a:solidFill>
             <a:schemeClr val="tx1"/>
           </a:solidFill>
@@ -3283,16 +2967,16 @@
           <a:cs typeface="+mn-cs"/>
         </a:defRPr>
       </a:lvl8pPr>
-      <a:lvl9pPr marL="3886200" indent="-228600" algn="l" defTabSz="914400" rtl="0" eaLnBrk="1" latinLnBrk="0" hangingPunct="1">
+      <a:lvl9pPr marL="5829300" indent="-342900" algn="l" defTabSz="1371600" rtl="0" eaLnBrk="1" latinLnBrk="0" hangingPunct="1">
         <a:lnSpc>
           <a:spcPct val="90000"/>
         </a:lnSpc>
         <a:spcBef>
-          <a:spcPts val="500"/>
+          <a:spcPts val="750"/>
         </a:spcBef>
         <a:buFont typeface="Arial" panose="020B0604020202020204" pitchFamily="34" charset="0"/>
         <a:buChar char="•"/>
-        <a:defRPr sz="1800" kern="1200">
+        <a:defRPr sz="2700" kern="1200">
           <a:solidFill>
             <a:schemeClr val="tx1"/>
           </a:solidFill>
@@ -3306,8 +2990,8 @@
       <a:defPPr>
         <a:defRPr lang="en-US"/>
       </a:defPPr>
-      <a:lvl1pPr marL="0" algn="l" defTabSz="914400" rtl="0" eaLnBrk="1" latinLnBrk="0" hangingPunct="1">
-        <a:defRPr sz="1800" kern="1200">
+      <a:lvl1pPr marL="0" algn="l" defTabSz="1371600" rtl="0" eaLnBrk="1" latinLnBrk="0" hangingPunct="1">
+        <a:defRPr sz="2700" kern="1200">
           <a:solidFill>
             <a:schemeClr val="tx1"/>
           </a:solidFill>
@@ -3316,8 +3000,8 @@
           <a:cs typeface="+mn-cs"/>
         </a:defRPr>
       </a:lvl1pPr>
-      <a:lvl2pPr marL="457200" algn="l" defTabSz="914400" rtl="0" eaLnBrk="1" latinLnBrk="0" hangingPunct="1">
-        <a:defRPr sz="1800" kern="1200">
+      <a:lvl2pPr marL="685800" algn="l" defTabSz="1371600" rtl="0" eaLnBrk="1" latinLnBrk="0" hangingPunct="1">
+        <a:defRPr sz="2700" kern="1200">
           <a:solidFill>
             <a:schemeClr val="tx1"/>
           </a:solidFill>
@@ -3326,8 +3010,8 @@
           <a:cs typeface="+mn-cs"/>
         </a:defRPr>
       </a:lvl2pPr>
-      <a:lvl3pPr marL="914400" algn="l" defTabSz="914400" rtl="0" eaLnBrk="1" latinLnBrk="0" hangingPunct="1">
-        <a:defRPr sz="1800" kern="1200">
+      <a:lvl3pPr marL="1371600" algn="l" defTabSz="1371600" rtl="0" eaLnBrk="1" latinLnBrk="0" hangingPunct="1">
+        <a:defRPr sz="2700" kern="1200">
           <a:solidFill>
             <a:schemeClr val="tx1"/>
           </a:solidFill>
@@ -3336,8 +3020,8 @@
           <a:cs typeface="+mn-cs"/>
         </a:defRPr>
       </a:lvl3pPr>
-      <a:lvl4pPr marL="1371600" algn="l" defTabSz="914400" rtl="0" eaLnBrk="1" latinLnBrk="0" hangingPunct="1">
-        <a:defRPr sz="1800" kern="1200">
+      <a:lvl4pPr marL="2057400" algn="l" defTabSz="1371600" rtl="0" eaLnBrk="1" latinLnBrk="0" hangingPunct="1">
+        <a:defRPr sz="2700" kern="1200">
           <a:solidFill>
             <a:schemeClr val="tx1"/>
           </a:solidFill>
@@ -3346,8 +3030,8 @@
           <a:cs typeface="+mn-cs"/>
         </a:defRPr>
       </a:lvl4pPr>
-      <a:lvl5pPr marL="1828800" algn="l" defTabSz="914400" rtl="0" eaLnBrk="1" latinLnBrk="0" hangingPunct="1">
-        <a:defRPr sz="1800" kern="1200">
+      <a:lvl5pPr marL="2743200" algn="l" defTabSz="1371600" rtl="0" eaLnBrk="1" latinLnBrk="0" hangingPunct="1">
+        <a:defRPr sz="2700" kern="1200">
           <a:solidFill>
             <a:schemeClr val="tx1"/>
           </a:solidFill>
@@ -3356,8 +3040,8 @@
           <a:cs typeface="+mn-cs"/>
         </a:defRPr>
       </a:lvl5pPr>
-      <a:lvl6pPr marL="2286000" algn="l" defTabSz="914400" rtl="0" eaLnBrk="1" latinLnBrk="0" hangingPunct="1">
-        <a:defRPr sz="1800" kern="1200">
+      <a:lvl6pPr marL="3429000" algn="l" defTabSz="1371600" rtl="0" eaLnBrk="1" latinLnBrk="0" hangingPunct="1">
+        <a:defRPr sz="2700" kern="1200">
           <a:solidFill>
             <a:schemeClr val="tx1"/>
           </a:solidFill>
@@ -3366,8 +3050,8 @@
           <a:cs typeface="+mn-cs"/>
         </a:defRPr>
       </a:lvl6pPr>
-      <a:lvl7pPr marL="2743200" algn="l" defTabSz="914400" rtl="0" eaLnBrk="1" latinLnBrk="0" hangingPunct="1">
-        <a:defRPr sz="1800" kern="1200">
+      <a:lvl7pPr marL="4114800" algn="l" defTabSz="1371600" rtl="0" eaLnBrk="1" latinLnBrk="0" hangingPunct="1">
+        <a:defRPr sz="2700" kern="1200">
           <a:solidFill>
             <a:schemeClr val="tx1"/>
           </a:solidFill>
@@ -3376,8 +3060,8 @@
           <a:cs typeface="+mn-cs"/>
         </a:defRPr>
       </a:lvl7pPr>
-      <a:lvl8pPr marL="3200400" algn="l" defTabSz="914400" rtl="0" eaLnBrk="1" latinLnBrk="0" hangingPunct="1">
-        <a:defRPr sz="1800" kern="1200">
+      <a:lvl8pPr marL="4800600" algn="l" defTabSz="1371600" rtl="0" eaLnBrk="1" latinLnBrk="0" hangingPunct="1">
+        <a:defRPr sz="2700" kern="1200">
           <a:solidFill>
             <a:schemeClr val="tx1"/>
           </a:solidFill>
@@ -3386,8 +3070,8 @@
           <a:cs typeface="+mn-cs"/>
         </a:defRPr>
       </a:lvl8pPr>
-      <a:lvl9pPr marL="3657600" algn="l" defTabSz="914400" rtl="0" eaLnBrk="1" latinLnBrk="0" hangingPunct="1">
-        <a:defRPr sz="1800" kern="1200">
+      <a:lvl9pPr marL="5486400" algn="l" defTabSz="1371600" rtl="0" eaLnBrk="1" latinLnBrk="0" hangingPunct="1">
+        <a:defRPr sz="2700" kern="1200">
           <a:solidFill>
             <a:schemeClr val="tx1"/>
           </a:solidFill>
@@ -3420,10 +3104,10 @@
       </p:grpSpPr>
       <p:grpSp>
         <p:nvGrpSpPr>
-          <p:cNvPr id="7" name="Group 6">
+          <p:cNvPr id="2" name="Group 1">
             <a:extLst>
               <a:ext uri="{FF2B5EF4-FFF2-40B4-BE49-F238E27FC236}">
-                <a16:creationId xmlns:a16="http://schemas.microsoft.com/office/drawing/2014/main" id="{366D63F2-DF08-43E8-99BA-64E52DF74371}"/>
+                <a16:creationId xmlns:a16="http://schemas.microsoft.com/office/drawing/2014/main" id="{4B026DEC-198C-4418-A5FC-C9266422815D}"/>
               </a:ext>
             </a:extLst>
           </p:cNvPr>
@@ -3432,18 +3116,18 @@
         </p:nvGrpSpPr>
         <p:grpSpPr>
           <a:xfrm>
-            <a:off x="4167679" y="1771537"/>
-            <a:ext cx="2721600" cy="2369034"/>
-            <a:chOff x="4167679" y="1771537"/>
-            <a:chExt cx="2721600" cy="2369034"/>
+            <a:off x="312256" y="233196"/>
+            <a:ext cx="13111946" cy="11413371"/>
+            <a:chOff x="312256" y="233196"/>
+            <a:chExt cx="13111946" cy="11413371"/>
           </a:xfrm>
         </p:grpSpPr>
         <p:sp>
           <p:nvSpPr>
-            <p:cNvPr id="8" name="Hexagon 7">
+            <p:cNvPr id="9" name="Hexagon 8">
               <a:extLst>
                 <a:ext uri="{FF2B5EF4-FFF2-40B4-BE49-F238E27FC236}">
-                  <a16:creationId xmlns:a16="http://schemas.microsoft.com/office/drawing/2014/main" id="{816E20B4-6423-4EFC-AA9A-D0579356B306}"/>
+                  <a16:creationId xmlns:a16="http://schemas.microsoft.com/office/drawing/2014/main" id="{D0AEC54C-17B0-4C78-B5AA-80C421B7570B}"/>
                 </a:ext>
               </a:extLst>
             </p:cNvPr>
@@ -3454,8 +3138,8 @@
           </p:nvSpPr>
           <p:spPr>
             <a:xfrm>
-              <a:off x="4167679" y="1771537"/>
-              <a:ext cx="2721600" cy="2369033"/>
+              <a:off x="312256" y="233196"/>
+              <a:ext cx="13111946" cy="11413371"/>
             </a:xfrm>
             <a:prstGeom prst="hexagon">
               <a:avLst>
@@ -3464,15 +3148,15 @@
               </a:avLst>
             </a:prstGeom>
             <a:solidFill>
-              <a:schemeClr val="accent4">
-                <a:lumMod val="40000"/>
-                <a:lumOff val="60000"/>
+              <a:schemeClr val="accent6">
+                <a:lumMod val="60000"/>
+                <a:lumOff val="40000"/>
               </a:schemeClr>
             </a:solidFill>
-            <a:ln w="69850">
+            <a:ln w="381000">
               <a:solidFill>
                 <a:schemeClr val="bg2">
-                  <a:lumMod val="50000"/>
+                  <a:lumMod val="90000"/>
                 </a:schemeClr>
               </a:solidFill>
             </a:ln>
@@ -3509,78 +3193,10 @@
         </p:sp>
         <p:sp>
           <p:nvSpPr>
-            <p:cNvPr id="4" name="Hexagon 3">
+            <p:cNvPr id="10" name="TextBox 9">
               <a:extLst>
                 <a:ext uri="{FF2B5EF4-FFF2-40B4-BE49-F238E27FC236}">
-                  <a16:creationId xmlns:a16="http://schemas.microsoft.com/office/drawing/2014/main" id="{02A6A822-DE95-4A46-98DF-148844E13C2F}"/>
-                </a:ext>
-              </a:extLst>
-            </p:cNvPr>
-            <p:cNvSpPr>
-              <a:spLocks noChangeAspect="1"/>
-            </p:cNvSpPr>
-            <p:nvPr/>
-          </p:nvSpPr>
-          <p:spPr>
-            <a:xfrm>
-              <a:off x="4167679" y="1771538"/>
-              <a:ext cx="2721600" cy="2369033"/>
-            </a:xfrm>
-            <a:prstGeom prst="hexagon">
-              <a:avLst>
-                <a:gd name="adj" fmla="val 28372"/>
-                <a:gd name="vf" fmla="val 115470"/>
-              </a:avLst>
-            </a:prstGeom>
-            <a:blipFill dpi="0" rotWithShape="0">
-              <a:blip r:embed="rId2">
-                <a:alphaModFix amt="42000"/>
-              </a:blip>
-              <a:srcRect/>
-              <a:tile tx="0" ty="0" sx="100000" sy="100000" flip="none" algn="ctr"/>
-            </a:blipFill>
-            <a:ln w="69850">
-              <a:solidFill>
-                <a:srgbClr val="00B050"/>
-              </a:solidFill>
-            </a:ln>
-          </p:spPr>
-          <p:style>
-            <a:lnRef idx="2">
-              <a:schemeClr val="accent1">
-                <a:shade val="50000"/>
-              </a:schemeClr>
-            </a:lnRef>
-            <a:fillRef idx="1">
-              <a:schemeClr val="accent1"/>
-            </a:fillRef>
-            <a:effectRef idx="0">
-              <a:schemeClr val="accent1"/>
-            </a:effectRef>
-            <a:fontRef idx="minor">
-              <a:schemeClr val="lt1"/>
-            </a:fontRef>
-          </p:style>
-          <p:txBody>
-            <a:bodyPr rtlCol="0" anchor="ctr"/>
-            <a:lstStyle/>
-            <a:p>
-              <a:pPr algn="ctr"/>
-              <a:endParaRPr lang="en-US" sz="5400" b="1" dirty="0">
-                <a:solidFill>
-                  <a:schemeClr val="tx1"/>
-                </a:solidFill>
-                <a:latin typeface="Goudy Old Style" panose="02020502050305020303" pitchFamily="18" charset="0"/>
-              </a:endParaRPr>
-            </a:p>
-          </p:txBody>
-        </p:sp>
-        <p:sp>
-          <p:nvSpPr>
-            <p:cNvPr id="6" name="TextBox 5">
-              <a:extLst>
-                <a:ext uri="{FF2B5EF4-FFF2-40B4-BE49-F238E27FC236}">
-                  <a16:creationId xmlns:a16="http://schemas.microsoft.com/office/drawing/2014/main" id="{87B42EAA-A9C1-4FBB-B6E7-5F75C58C20F2}"/>
+                  <a16:creationId xmlns:a16="http://schemas.microsoft.com/office/drawing/2014/main" id="{C733DCEC-3D79-4993-8DFA-7197C679A59B}"/>
                 </a:ext>
               </a:extLst>
             </p:cNvPr>
@@ -3589,8 +3205,8 @@
           </p:nvSpPr>
           <p:spPr>
             <a:xfrm>
-              <a:off x="4237028" y="2321004"/>
-              <a:ext cx="2582901" cy="1107996"/>
+              <a:off x="573284" y="3326728"/>
+              <a:ext cx="12748063" cy="4508925"/>
             </a:xfrm>
             <a:prstGeom prst="rect">
               <a:avLst/>
@@ -3605,19 +3221,19 @@
             <a:p>
               <a:pPr algn="ctr"/>
               <a:r>
-                <a:rPr lang="en-US" sz="6600" b="1" dirty="0" err="1">
+                <a:rPr lang="en-US" sz="28700" b="1" dirty="0" err="1">
                   <a:solidFill>
-                    <a:srgbClr val="00B050"/>
+                    <a:schemeClr val="accent6"/>
                   </a:solidFill>
-                  <a:latin typeface="Abadi" panose="020B0604020202020204" pitchFamily="34" charset="0"/>
+                  <a:latin typeface="Avenir Next LT Pro Demi" panose="020B0604020202020204" pitchFamily="34" charset="0"/>
                 </a:rPr>
                 <a:t>ineqx</a:t>
               </a:r>
-              <a:endParaRPr lang="en-US" sz="6600" b="1" dirty="0">
+              <a:endParaRPr lang="en-US" sz="34400" b="1" dirty="0">
                 <a:solidFill>
-                  <a:srgbClr val="00B050"/>
+                  <a:schemeClr val="accent6"/>
                 </a:solidFill>
-                <a:latin typeface="Abadi" panose="020B0604020202020204" pitchFamily="34" charset="0"/>
+                <a:latin typeface="Avenir Next LT Pro Demi" panose="020B0604020202020204" pitchFamily="34" charset="0"/>
               </a:endParaRPr>
             </a:p>
           </p:txBody>
@@ -3639,7 +3255,7 @@
 <file path=ppt/theme/theme1.xml><?xml version="1.0" encoding="utf-8"?>
 <a:theme xmlns:a="http://schemas.openxmlformats.org/drawingml/2006/main" name="Office Theme">
   <a:themeElements>
-    <a:clrScheme name="Office">
+    <a:clrScheme name="Office Theme">
       <a:dk1>
         <a:sysClr val="windowText" lastClr="000000"/>
       </a:dk1>
@@ -3677,7 +3293,7 @@
         <a:srgbClr val="954F72"/>
       </a:folHlink>
     </a:clrScheme>
-    <a:fontScheme name="Office">
+    <a:fontScheme name="Office Theme">
       <a:majorFont>
         <a:latin typeface="Calibri Light" panose="020F0302020204030204"/>
         <a:ea typeface=""/>
@@ -3712,23 +3328,6 @@
         <a:font script="Viet" typeface="Times New Roman"/>
         <a:font script="Uigh" typeface="Microsoft Uighur"/>
         <a:font script="Geor" typeface="Sylfaen"/>
-        <a:font script="Armn" typeface="Arial"/>
-        <a:font script="Bugi" typeface="Leelawadee UI"/>
-        <a:font script="Bopo" typeface="Microsoft JhengHei"/>
-        <a:font script="Java" typeface="Javanese Text"/>
-        <a:font script="Lisu" typeface="Segoe UI"/>
-        <a:font script="Mymr" typeface="Myanmar Text"/>
-        <a:font script="Nkoo" typeface="Ebrima"/>
-        <a:font script="Olck" typeface="Nirmala UI"/>
-        <a:font script="Osma" typeface="Ebrima"/>
-        <a:font script="Phag" typeface="Phagspa"/>
-        <a:font script="Syrn" typeface="Estrangelo Edessa"/>
-        <a:font script="Syrj" typeface="Estrangelo Edessa"/>
-        <a:font script="Syre" typeface="Estrangelo Edessa"/>
-        <a:font script="Sora" typeface="Nirmala UI"/>
-        <a:font script="Tale" typeface="Microsoft Tai Le"/>
-        <a:font script="Talu" typeface="Microsoft New Tai Lue"/>
-        <a:font script="Tfng" typeface="Ebrima"/>
       </a:majorFont>
       <a:minorFont>
         <a:latin typeface="Calibri" panose="020F0502020204030204"/>
@@ -3764,26 +3363,9 @@
         <a:font script="Viet" typeface="Arial"/>
         <a:font script="Uigh" typeface="Microsoft Uighur"/>
         <a:font script="Geor" typeface="Sylfaen"/>
-        <a:font script="Armn" typeface="Arial"/>
-        <a:font script="Bugi" typeface="Leelawadee UI"/>
-        <a:font script="Bopo" typeface="Microsoft JhengHei"/>
-        <a:font script="Java" typeface="Javanese Text"/>
-        <a:font script="Lisu" typeface="Segoe UI"/>
-        <a:font script="Mymr" typeface="Myanmar Text"/>
-        <a:font script="Nkoo" typeface="Ebrima"/>
-        <a:font script="Olck" typeface="Nirmala UI"/>
-        <a:font script="Osma" typeface="Ebrima"/>
-        <a:font script="Phag" typeface="Phagspa"/>
-        <a:font script="Syrn" typeface="Estrangelo Edessa"/>
-        <a:font script="Syrj" typeface="Estrangelo Edessa"/>
-        <a:font script="Syre" typeface="Estrangelo Edessa"/>
-        <a:font script="Sora" typeface="Nirmala UI"/>
-        <a:font script="Tale" typeface="Microsoft Tai Le"/>
-        <a:font script="Talu" typeface="Microsoft New Tai Lue"/>
-        <a:font script="Tfng" typeface="Ebrima"/>
       </a:minorFont>
     </a:fontScheme>
-    <a:fmtScheme name="Office">
+    <a:fmtScheme name="Office Theme">
       <a:fillStyleLst>
         <a:solidFill>
           <a:schemeClr val="phClr"/>

--- a/create/hexsticker.pptx
+++ b/create/hexsticker.pptx
@@ -2,12 +2,12 @@
 <file path=ppt/presentation.xml><?xml version="1.0" encoding="utf-8"?>
 <p:presentation xmlns:a="http://schemas.openxmlformats.org/drawingml/2006/main" xmlns:r="http://schemas.openxmlformats.org/officeDocument/2006/relationships" xmlns:p="http://schemas.openxmlformats.org/presentationml/2006/main" saveSubsetFonts="1" autoCompressPictures="0">
   <p:sldMasterIdLst>
-    <p:sldMasterId id="2147483660" r:id="rId1"/>
+    <p:sldMasterId id="2147483672" r:id="rId1"/>
   </p:sldMasterIdLst>
   <p:sldIdLst>
     <p:sldId id="257" r:id="rId2"/>
   </p:sldIdLst>
-  <p:sldSz cx="13716000" cy="11887200"/>
+  <p:sldSz cx="1371600" cy="1189038"/>
   <p:notesSz cx="6858000" cy="9144000"/>
   <p:defaultTextStyle>
     <a:defPPr>
@@ -115,7 +115,7 @@
 <file path=ppt/revisionInfo.xml><?xml version="1.0" encoding="utf-8"?>
 <p1510:revInfo xmlns:a="http://schemas.openxmlformats.org/drawingml/2006/main" xmlns:r="http://schemas.openxmlformats.org/officeDocument/2006/relationships" xmlns:p1510="http://schemas.microsoft.com/office/powerpoint/2015/10/main">
   <p1510:revLst>
-    <p1510:client id="{0158EF1D-F1AB-40A2-AB4A-FBF247975588}" v="40" dt="2022-02-17T22:21:03.705"/>
+    <p1510:client id="{0158EF1D-F1AB-40A2-AB4A-FBF247975588}" v="47" dt="2022-02-17T22:28:51.331"/>
   </p1510:revLst>
 </p1510:revInfo>
 </file>
@@ -124,8 +124,8 @@
 <pc:chgInfo xmlns:a="http://schemas.openxmlformats.org/drawingml/2006/main" xmlns:r="http://schemas.openxmlformats.org/officeDocument/2006/relationships" xmlns:ac="http://schemas.microsoft.com/office/drawing/2013/main/command" xmlns:pc="http://schemas.microsoft.com/office/powerpoint/2013/main/command">
   <pc:docChgLst>
     <pc:chgData name="Benjamin Rosche" userId="91e47f4c-6c5a-4596-978d-e5f81e0e88aa" providerId="ADAL" clId="{0158EF1D-F1AB-40A2-AB4A-FBF247975588}"/>
-    <pc:docChg chg="undo redo custSel addSld delSld modSld">
-      <pc:chgData name="Benjamin Rosche" userId="91e47f4c-6c5a-4596-978d-e5f81e0e88aa" providerId="ADAL" clId="{0158EF1D-F1AB-40A2-AB4A-FBF247975588}" dt="2022-02-17T22:21:03.705" v="259" actId="164"/>
+    <pc:docChg chg="undo redo custSel addSld delSld modSld modMainMaster">
+      <pc:chgData name="Benjamin Rosche" userId="91e47f4c-6c5a-4596-978d-e5f81e0e88aa" providerId="ADAL" clId="{0158EF1D-F1AB-40A2-AB4A-FBF247975588}" dt="2022-02-17T22:31:00.867" v="328" actId="1076"/>
       <pc:docMkLst>
         <pc:docMk/>
       </pc:docMkLst>
@@ -137,7 +137,7 @@
         </pc:sldMkLst>
       </pc:sldChg>
       <pc:sldChg chg="addSp delSp modSp new mod setBg modClrScheme chgLayout">
-        <pc:chgData name="Benjamin Rosche" userId="91e47f4c-6c5a-4596-978d-e5f81e0e88aa" providerId="ADAL" clId="{0158EF1D-F1AB-40A2-AB4A-FBF247975588}" dt="2022-02-17T22:21:03.705" v="259" actId="164"/>
+        <pc:chgData name="Benjamin Rosche" userId="91e47f4c-6c5a-4596-978d-e5f81e0e88aa" providerId="ADAL" clId="{0158EF1D-F1AB-40A2-AB4A-FBF247975588}" dt="2022-02-17T22:31:00.867" v="328" actId="1076"/>
         <pc:sldMkLst>
           <pc:docMk/>
           <pc:sldMk cId="3870151541" sldId="257"/>
@@ -183,7 +183,7 @@
           </ac:spMkLst>
         </pc:spChg>
         <pc:spChg chg="add mod">
-          <ac:chgData name="Benjamin Rosche" userId="91e47f4c-6c5a-4596-978d-e5f81e0e88aa" providerId="ADAL" clId="{0158EF1D-F1AB-40A2-AB4A-FBF247975588}" dt="2022-02-17T22:21:03.705" v="259" actId="164"/>
+          <ac:chgData name="Benjamin Rosche" userId="91e47f4c-6c5a-4596-978d-e5f81e0e88aa" providerId="ADAL" clId="{0158EF1D-F1AB-40A2-AB4A-FBF247975588}" dt="2022-02-17T22:30:44.465" v="327" actId="14861"/>
           <ac:spMkLst>
             <pc:docMk/>
             <pc:sldMk cId="3870151541" sldId="257"/>
@@ -191,7 +191,7 @@
           </ac:spMkLst>
         </pc:spChg>
         <pc:spChg chg="add mod">
-          <ac:chgData name="Benjamin Rosche" userId="91e47f4c-6c5a-4596-978d-e5f81e0e88aa" providerId="ADAL" clId="{0158EF1D-F1AB-40A2-AB4A-FBF247975588}" dt="2022-02-17T22:21:03.705" v="259" actId="164"/>
+          <ac:chgData name="Benjamin Rosche" userId="91e47f4c-6c5a-4596-978d-e5f81e0e88aa" providerId="ADAL" clId="{0158EF1D-F1AB-40A2-AB4A-FBF247975588}" dt="2022-02-17T22:31:00.867" v="328" actId="1076"/>
           <ac:spMkLst>
             <pc:docMk/>
             <pc:sldMk cId="3870151541" sldId="257"/>
@@ -199,7 +199,7 @@
           </ac:spMkLst>
         </pc:spChg>
         <pc:grpChg chg="add mod">
-          <ac:chgData name="Benjamin Rosche" userId="91e47f4c-6c5a-4596-978d-e5f81e0e88aa" providerId="ADAL" clId="{0158EF1D-F1AB-40A2-AB4A-FBF247975588}" dt="2022-02-17T22:21:03.705" v="259" actId="164"/>
+          <ac:chgData name="Benjamin Rosche" userId="91e47f4c-6c5a-4596-978d-e5f81e0e88aa" providerId="ADAL" clId="{0158EF1D-F1AB-40A2-AB4A-FBF247975588}" dt="2022-02-17T22:28:39.207" v="262"/>
           <ac:grpSpMkLst>
             <pc:docMk/>
             <pc:sldMk cId="3870151541" sldId="257"/>
@@ -238,6 +238,554 @@
           </ac:spMkLst>
         </pc:spChg>
       </pc:sldChg>
+      <pc:sldMasterChg chg="modSp modSldLayout">
+        <pc:chgData name="Benjamin Rosche" userId="91e47f4c-6c5a-4596-978d-e5f81e0e88aa" providerId="ADAL" clId="{0158EF1D-F1AB-40A2-AB4A-FBF247975588}" dt="2022-02-17T22:28:39.207" v="262"/>
+        <pc:sldMasterMkLst>
+          <pc:docMk/>
+          <pc:sldMasterMk cId="2386552761" sldId="2147483660"/>
+        </pc:sldMasterMkLst>
+        <pc:spChg chg="mod">
+          <ac:chgData name="Benjamin Rosche" userId="91e47f4c-6c5a-4596-978d-e5f81e0e88aa" providerId="ADAL" clId="{0158EF1D-F1AB-40A2-AB4A-FBF247975588}" dt="2022-02-17T22:28:39.207" v="262"/>
+          <ac:spMkLst>
+            <pc:docMk/>
+            <pc:sldMasterMk cId="2386552761" sldId="2147483660"/>
+            <ac:spMk id="2" creationId="{00000000-0000-0000-0000-000000000000}"/>
+          </ac:spMkLst>
+        </pc:spChg>
+        <pc:spChg chg="mod">
+          <ac:chgData name="Benjamin Rosche" userId="91e47f4c-6c5a-4596-978d-e5f81e0e88aa" providerId="ADAL" clId="{0158EF1D-F1AB-40A2-AB4A-FBF247975588}" dt="2022-02-17T22:28:39.207" v="262"/>
+          <ac:spMkLst>
+            <pc:docMk/>
+            <pc:sldMasterMk cId="2386552761" sldId="2147483660"/>
+            <ac:spMk id="3" creationId="{00000000-0000-0000-0000-000000000000}"/>
+          </ac:spMkLst>
+        </pc:spChg>
+        <pc:spChg chg="mod">
+          <ac:chgData name="Benjamin Rosche" userId="91e47f4c-6c5a-4596-978d-e5f81e0e88aa" providerId="ADAL" clId="{0158EF1D-F1AB-40A2-AB4A-FBF247975588}" dt="2022-02-17T22:28:39.207" v="262"/>
+          <ac:spMkLst>
+            <pc:docMk/>
+            <pc:sldMasterMk cId="2386552761" sldId="2147483660"/>
+            <ac:spMk id="4" creationId="{00000000-0000-0000-0000-000000000000}"/>
+          </ac:spMkLst>
+        </pc:spChg>
+        <pc:spChg chg="mod">
+          <ac:chgData name="Benjamin Rosche" userId="91e47f4c-6c5a-4596-978d-e5f81e0e88aa" providerId="ADAL" clId="{0158EF1D-F1AB-40A2-AB4A-FBF247975588}" dt="2022-02-17T22:28:39.207" v="262"/>
+          <ac:spMkLst>
+            <pc:docMk/>
+            <pc:sldMasterMk cId="2386552761" sldId="2147483660"/>
+            <ac:spMk id="5" creationId="{00000000-0000-0000-0000-000000000000}"/>
+          </ac:spMkLst>
+        </pc:spChg>
+        <pc:spChg chg="mod">
+          <ac:chgData name="Benjamin Rosche" userId="91e47f4c-6c5a-4596-978d-e5f81e0e88aa" providerId="ADAL" clId="{0158EF1D-F1AB-40A2-AB4A-FBF247975588}" dt="2022-02-17T22:28:39.207" v="262"/>
+          <ac:spMkLst>
+            <pc:docMk/>
+            <pc:sldMasterMk cId="2386552761" sldId="2147483660"/>
+            <ac:spMk id="6" creationId="{00000000-0000-0000-0000-000000000000}"/>
+          </ac:spMkLst>
+        </pc:spChg>
+        <pc:sldLayoutChg chg="modSp">
+          <pc:chgData name="Benjamin Rosche" userId="91e47f4c-6c5a-4596-978d-e5f81e0e88aa" providerId="ADAL" clId="{0158EF1D-F1AB-40A2-AB4A-FBF247975588}" dt="2022-02-17T22:28:39.207" v="262"/>
+          <pc:sldLayoutMkLst>
+            <pc:docMk/>
+            <pc:sldMasterMk cId="2386552761" sldId="2147483660"/>
+            <pc:sldLayoutMk cId="3886294188" sldId="2147483661"/>
+          </pc:sldLayoutMkLst>
+          <pc:spChg chg="mod">
+            <ac:chgData name="Benjamin Rosche" userId="91e47f4c-6c5a-4596-978d-e5f81e0e88aa" providerId="ADAL" clId="{0158EF1D-F1AB-40A2-AB4A-FBF247975588}" dt="2022-02-17T22:28:39.207" v="262"/>
+            <ac:spMkLst>
+              <pc:docMk/>
+              <pc:sldMasterMk cId="2386552761" sldId="2147483660"/>
+              <pc:sldLayoutMk cId="3886294188" sldId="2147483661"/>
+              <ac:spMk id="2" creationId="{00000000-0000-0000-0000-000000000000}"/>
+            </ac:spMkLst>
+          </pc:spChg>
+          <pc:spChg chg="mod">
+            <ac:chgData name="Benjamin Rosche" userId="91e47f4c-6c5a-4596-978d-e5f81e0e88aa" providerId="ADAL" clId="{0158EF1D-F1AB-40A2-AB4A-FBF247975588}" dt="2022-02-17T22:28:39.207" v="262"/>
+            <ac:spMkLst>
+              <pc:docMk/>
+              <pc:sldMasterMk cId="2386552761" sldId="2147483660"/>
+              <pc:sldLayoutMk cId="3886294188" sldId="2147483661"/>
+              <ac:spMk id="3" creationId="{00000000-0000-0000-0000-000000000000}"/>
+            </ac:spMkLst>
+          </pc:spChg>
+        </pc:sldLayoutChg>
+        <pc:sldLayoutChg chg="modSp">
+          <pc:chgData name="Benjamin Rosche" userId="91e47f4c-6c5a-4596-978d-e5f81e0e88aa" providerId="ADAL" clId="{0158EF1D-F1AB-40A2-AB4A-FBF247975588}" dt="2022-02-17T22:28:39.207" v="262"/>
+          <pc:sldLayoutMkLst>
+            <pc:docMk/>
+            <pc:sldMasterMk cId="2386552761" sldId="2147483660"/>
+            <pc:sldLayoutMk cId="4039061512" sldId="2147483663"/>
+          </pc:sldLayoutMkLst>
+          <pc:spChg chg="mod">
+            <ac:chgData name="Benjamin Rosche" userId="91e47f4c-6c5a-4596-978d-e5f81e0e88aa" providerId="ADAL" clId="{0158EF1D-F1AB-40A2-AB4A-FBF247975588}" dt="2022-02-17T22:28:39.207" v="262"/>
+            <ac:spMkLst>
+              <pc:docMk/>
+              <pc:sldMasterMk cId="2386552761" sldId="2147483660"/>
+              <pc:sldLayoutMk cId="4039061512" sldId="2147483663"/>
+              <ac:spMk id="2" creationId="{00000000-0000-0000-0000-000000000000}"/>
+            </ac:spMkLst>
+          </pc:spChg>
+          <pc:spChg chg="mod">
+            <ac:chgData name="Benjamin Rosche" userId="91e47f4c-6c5a-4596-978d-e5f81e0e88aa" providerId="ADAL" clId="{0158EF1D-F1AB-40A2-AB4A-FBF247975588}" dt="2022-02-17T22:28:39.207" v="262"/>
+            <ac:spMkLst>
+              <pc:docMk/>
+              <pc:sldMasterMk cId="2386552761" sldId="2147483660"/>
+              <pc:sldLayoutMk cId="4039061512" sldId="2147483663"/>
+              <ac:spMk id="3" creationId="{00000000-0000-0000-0000-000000000000}"/>
+            </ac:spMkLst>
+          </pc:spChg>
+        </pc:sldLayoutChg>
+        <pc:sldLayoutChg chg="modSp">
+          <pc:chgData name="Benjamin Rosche" userId="91e47f4c-6c5a-4596-978d-e5f81e0e88aa" providerId="ADAL" clId="{0158EF1D-F1AB-40A2-AB4A-FBF247975588}" dt="2022-02-17T22:28:39.207" v="262"/>
+          <pc:sldLayoutMkLst>
+            <pc:docMk/>
+            <pc:sldMasterMk cId="2386552761" sldId="2147483660"/>
+            <pc:sldLayoutMk cId="1281123395" sldId="2147483664"/>
+          </pc:sldLayoutMkLst>
+          <pc:spChg chg="mod">
+            <ac:chgData name="Benjamin Rosche" userId="91e47f4c-6c5a-4596-978d-e5f81e0e88aa" providerId="ADAL" clId="{0158EF1D-F1AB-40A2-AB4A-FBF247975588}" dt="2022-02-17T22:28:39.207" v="262"/>
+            <ac:spMkLst>
+              <pc:docMk/>
+              <pc:sldMasterMk cId="2386552761" sldId="2147483660"/>
+              <pc:sldLayoutMk cId="1281123395" sldId="2147483664"/>
+              <ac:spMk id="3" creationId="{00000000-0000-0000-0000-000000000000}"/>
+            </ac:spMkLst>
+          </pc:spChg>
+          <pc:spChg chg="mod">
+            <ac:chgData name="Benjamin Rosche" userId="91e47f4c-6c5a-4596-978d-e5f81e0e88aa" providerId="ADAL" clId="{0158EF1D-F1AB-40A2-AB4A-FBF247975588}" dt="2022-02-17T22:28:39.207" v="262"/>
+            <ac:spMkLst>
+              <pc:docMk/>
+              <pc:sldMasterMk cId="2386552761" sldId="2147483660"/>
+              <pc:sldLayoutMk cId="1281123395" sldId="2147483664"/>
+              <ac:spMk id="4" creationId="{00000000-0000-0000-0000-000000000000}"/>
+            </ac:spMkLst>
+          </pc:spChg>
+        </pc:sldLayoutChg>
+        <pc:sldLayoutChg chg="modSp">
+          <pc:chgData name="Benjamin Rosche" userId="91e47f4c-6c5a-4596-978d-e5f81e0e88aa" providerId="ADAL" clId="{0158EF1D-F1AB-40A2-AB4A-FBF247975588}" dt="2022-02-17T22:28:39.207" v="262"/>
+          <pc:sldLayoutMkLst>
+            <pc:docMk/>
+            <pc:sldMasterMk cId="2386552761" sldId="2147483660"/>
+            <pc:sldLayoutMk cId="1779457648" sldId="2147483665"/>
+          </pc:sldLayoutMkLst>
+          <pc:spChg chg="mod">
+            <ac:chgData name="Benjamin Rosche" userId="91e47f4c-6c5a-4596-978d-e5f81e0e88aa" providerId="ADAL" clId="{0158EF1D-F1AB-40A2-AB4A-FBF247975588}" dt="2022-02-17T22:28:39.207" v="262"/>
+            <ac:spMkLst>
+              <pc:docMk/>
+              <pc:sldMasterMk cId="2386552761" sldId="2147483660"/>
+              <pc:sldLayoutMk cId="1779457648" sldId="2147483665"/>
+              <ac:spMk id="2" creationId="{00000000-0000-0000-0000-000000000000}"/>
+            </ac:spMkLst>
+          </pc:spChg>
+          <pc:spChg chg="mod">
+            <ac:chgData name="Benjamin Rosche" userId="91e47f4c-6c5a-4596-978d-e5f81e0e88aa" providerId="ADAL" clId="{0158EF1D-F1AB-40A2-AB4A-FBF247975588}" dt="2022-02-17T22:28:39.207" v="262"/>
+            <ac:spMkLst>
+              <pc:docMk/>
+              <pc:sldMasterMk cId="2386552761" sldId="2147483660"/>
+              <pc:sldLayoutMk cId="1779457648" sldId="2147483665"/>
+              <ac:spMk id="3" creationId="{00000000-0000-0000-0000-000000000000}"/>
+            </ac:spMkLst>
+          </pc:spChg>
+          <pc:spChg chg="mod">
+            <ac:chgData name="Benjamin Rosche" userId="91e47f4c-6c5a-4596-978d-e5f81e0e88aa" providerId="ADAL" clId="{0158EF1D-F1AB-40A2-AB4A-FBF247975588}" dt="2022-02-17T22:28:39.207" v="262"/>
+            <ac:spMkLst>
+              <pc:docMk/>
+              <pc:sldMasterMk cId="2386552761" sldId="2147483660"/>
+              <pc:sldLayoutMk cId="1779457648" sldId="2147483665"/>
+              <ac:spMk id="4" creationId="{00000000-0000-0000-0000-000000000000}"/>
+            </ac:spMkLst>
+          </pc:spChg>
+          <pc:spChg chg="mod">
+            <ac:chgData name="Benjamin Rosche" userId="91e47f4c-6c5a-4596-978d-e5f81e0e88aa" providerId="ADAL" clId="{0158EF1D-F1AB-40A2-AB4A-FBF247975588}" dt="2022-02-17T22:28:39.207" v="262"/>
+            <ac:spMkLst>
+              <pc:docMk/>
+              <pc:sldMasterMk cId="2386552761" sldId="2147483660"/>
+              <pc:sldLayoutMk cId="1779457648" sldId="2147483665"/>
+              <ac:spMk id="5" creationId="{00000000-0000-0000-0000-000000000000}"/>
+            </ac:spMkLst>
+          </pc:spChg>
+          <pc:spChg chg="mod">
+            <ac:chgData name="Benjamin Rosche" userId="91e47f4c-6c5a-4596-978d-e5f81e0e88aa" providerId="ADAL" clId="{0158EF1D-F1AB-40A2-AB4A-FBF247975588}" dt="2022-02-17T22:28:39.207" v="262"/>
+            <ac:spMkLst>
+              <pc:docMk/>
+              <pc:sldMasterMk cId="2386552761" sldId="2147483660"/>
+              <pc:sldLayoutMk cId="1779457648" sldId="2147483665"/>
+              <ac:spMk id="6" creationId="{00000000-0000-0000-0000-000000000000}"/>
+            </ac:spMkLst>
+          </pc:spChg>
+        </pc:sldLayoutChg>
+        <pc:sldLayoutChg chg="modSp">
+          <pc:chgData name="Benjamin Rosche" userId="91e47f4c-6c5a-4596-978d-e5f81e0e88aa" providerId="ADAL" clId="{0158EF1D-F1AB-40A2-AB4A-FBF247975588}" dt="2022-02-17T22:28:39.207" v="262"/>
+          <pc:sldLayoutMkLst>
+            <pc:docMk/>
+            <pc:sldMasterMk cId="2386552761" sldId="2147483660"/>
+            <pc:sldLayoutMk cId="1308301890" sldId="2147483668"/>
+          </pc:sldLayoutMkLst>
+          <pc:spChg chg="mod">
+            <ac:chgData name="Benjamin Rosche" userId="91e47f4c-6c5a-4596-978d-e5f81e0e88aa" providerId="ADAL" clId="{0158EF1D-F1AB-40A2-AB4A-FBF247975588}" dt="2022-02-17T22:28:39.207" v="262"/>
+            <ac:spMkLst>
+              <pc:docMk/>
+              <pc:sldMasterMk cId="2386552761" sldId="2147483660"/>
+              <pc:sldLayoutMk cId="1308301890" sldId="2147483668"/>
+              <ac:spMk id="2" creationId="{00000000-0000-0000-0000-000000000000}"/>
+            </ac:spMkLst>
+          </pc:spChg>
+          <pc:spChg chg="mod">
+            <ac:chgData name="Benjamin Rosche" userId="91e47f4c-6c5a-4596-978d-e5f81e0e88aa" providerId="ADAL" clId="{0158EF1D-F1AB-40A2-AB4A-FBF247975588}" dt="2022-02-17T22:28:39.207" v="262"/>
+            <ac:spMkLst>
+              <pc:docMk/>
+              <pc:sldMasterMk cId="2386552761" sldId="2147483660"/>
+              <pc:sldLayoutMk cId="1308301890" sldId="2147483668"/>
+              <ac:spMk id="3" creationId="{00000000-0000-0000-0000-000000000000}"/>
+            </ac:spMkLst>
+          </pc:spChg>
+          <pc:spChg chg="mod">
+            <ac:chgData name="Benjamin Rosche" userId="91e47f4c-6c5a-4596-978d-e5f81e0e88aa" providerId="ADAL" clId="{0158EF1D-F1AB-40A2-AB4A-FBF247975588}" dt="2022-02-17T22:28:39.207" v="262"/>
+            <ac:spMkLst>
+              <pc:docMk/>
+              <pc:sldMasterMk cId="2386552761" sldId="2147483660"/>
+              <pc:sldLayoutMk cId="1308301890" sldId="2147483668"/>
+              <ac:spMk id="4" creationId="{00000000-0000-0000-0000-000000000000}"/>
+            </ac:spMkLst>
+          </pc:spChg>
+        </pc:sldLayoutChg>
+        <pc:sldLayoutChg chg="modSp">
+          <pc:chgData name="Benjamin Rosche" userId="91e47f4c-6c5a-4596-978d-e5f81e0e88aa" providerId="ADAL" clId="{0158EF1D-F1AB-40A2-AB4A-FBF247975588}" dt="2022-02-17T22:28:39.207" v="262"/>
+          <pc:sldLayoutMkLst>
+            <pc:docMk/>
+            <pc:sldMasterMk cId="2386552761" sldId="2147483660"/>
+            <pc:sldLayoutMk cId="4136144125" sldId="2147483669"/>
+          </pc:sldLayoutMkLst>
+          <pc:spChg chg="mod">
+            <ac:chgData name="Benjamin Rosche" userId="91e47f4c-6c5a-4596-978d-e5f81e0e88aa" providerId="ADAL" clId="{0158EF1D-F1AB-40A2-AB4A-FBF247975588}" dt="2022-02-17T22:28:39.207" v="262"/>
+            <ac:spMkLst>
+              <pc:docMk/>
+              <pc:sldMasterMk cId="2386552761" sldId="2147483660"/>
+              <pc:sldLayoutMk cId="4136144125" sldId="2147483669"/>
+              <ac:spMk id="2" creationId="{00000000-0000-0000-0000-000000000000}"/>
+            </ac:spMkLst>
+          </pc:spChg>
+          <pc:spChg chg="mod">
+            <ac:chgData name="Benjamin Rosche" userId="91e47f4c-6c5a-4596-978d-e5f81e0e88aa" providerId="ADAL" clId="{0158EF1D-F1AB-40A2-AB4A-FBF247975588}" dt="2022-02-17T22:28:39.207" v="262"/>
+            <ac:spMkLst>
+              <pc:docMk/>
+              <pc:sldMasterMk cId="2386552761" sldId="2147483660"/>
+              <pc:sldLayoutMk cId="4136144125" sldId="2147483669"/>
+              <ac:spMk id="3" creationId="{00000000-0000-0000-0000-000000000000}"/>
+            </ac:spMkLst>
+          </pc:spChg>
+          <pc:spChg chg="mod">
+            <ac:chgData name="Benjamin Rosche" userId="91e47f4c-6c5a-4596-978d-e5f81e0e88aa" providerId="ADAL" clId="{0158EF1D-F1AB-40A2-AB4A-FBF247975588}" dt="2022-02-17T22:28:39.207" v="262"/>
+            <ac:spMkLst>
+              <pc:docMk/>
+              <pc:sldMasterMk cId="2386552761" sldId="2147483660"/>
+              <pc:sldLayoutMk cId="4136144125" sldId="2147483669"/>
+              <ac:spMk id="4" creationId="{00000000-0000-0000-0000-000000000000}"/>
+            </ac:spMkLst>
+          </pc:spChg>
+        </pc:sldLayoutChg>
+        <pc:sldLayoutChg chg="modSp">
+          <pc:chgData name="Benjamin Rosche" userId="91e47f4c-6c5a-4596-978d-e5f81e0e88aa" providerId="ADAL" clId="{0158EF1D-F1AB-40A2-AB4A-FBF247975588}" dt="2022-02-17T22:28:39.207" v="262"/>
+          <pc:sldLayoutMkLst>
+            <pc:docMk/>
+            <pc:sldMasterMk cId="2386552761" sldId="2147483660"/>
+            <pc:sldLayoutMk cId="3988429701" sldId="2147483671"/>
+          </pc:sldLayoutMkLst>
+          <pc:spChg chg="mod">
+            <ac:chgData name="Benjamin Rosche" userId="91e47f4c-6c5a-4596-978d-e5f81e0e88aa" providerId="ADAL" clId="{0158EF1D-F1AB-40A2-AB4A-FBF247975588}" dt="2022-02-17T22:28:39.207" v="262"/>
+            <ac:spMkLst>
+              <pc:docMk/>
+              <pc:sldMasterMk cId="2386552761" sldId="2147483660"/>
+              <pc:sldLayoutMk cId="3988429701" sldId="2147483671"/>
+              <ac:spMk id="2" creationId="{00000000-0000-0000-0000-000000000000}"/>
+            </ac:spMkLst>
+          </pc:spChg>
+          <pc:spChg chg="mod">
+            <ac:chgData name="Benjamin Rosche" userId="91e47f4c-6c5a-4596-978d-e5f81e0e88aa" providerId="ADAL" clId="{0158EF1D-F1AB-40A2-AB4A-FBF247975588}" dt="2022-02-17T22:28:39.207" v="262"/>
+            <ac:spMkLst>
+              <pc:docMk/>
+              <pc:sldMasterMk cId="2386552761" sldId="2147483660"/>
+              <pc:sldLayoutMk cId="3988429701" sldId="2147483671"/>
+              <ac:spMk id="3" creationId="{00000000-0000-0000-0000-000000000000}"/>
+            </ac:spMkLst>
+          </pc:spChg>
+        </pc:sldLayoutChg>
+      </pc:sldMasterChg>
+      <pc:sldMasterChg chg="modSp modSldLayout">
+        <pc:chgData name="Benjamin Rosche" userId="91e47f4c-6c5a-4596-978d-e5f81e0e88aa" providerId="ADAL" clId="{0158EF1D-F1AB-40A2-AB4A-FBF247975588}" dt="2022-02-17T22:28:17.364" v="260"/>
+        <pc:sldMasterMkLst>
+          <pc:docMk/>
+          <pc:sldMasterMk cId="341422369" sldId="2147483672"/>
+        </pc:sldMasterMkLst>
+        <pc:spChg chg="mod">
+          <ac:chgData name="Benjamin Rosche" userId="91e47f4c-6c5a-4596-978d-e5f81e0e88aa" providerId="ADAL" clId="{0158EF1D-F1AB-40A2-AB4A-FBF247975588}" dt="2022-02-17T22:28:17.364" v="260"/>
+          <ac:spMkLst>
+            <pc:docMk/>
+            <pc:sldMasterMk cId="341422369" sldId="2147483672"/>
+            <ac:spMk id="2" creationId="{00000000-0000-0000-0000-000000000000}"/>
+          </ac:spMkLst>
+        </pc:spChg>
+        <pc:spChg chg="mod">
+          <ac:chgData name="Benjamin Rosche" userId="91e47f4c-6c5a-4596-978d-e5f81e0e88aa" providerId="ADAL" clId="{0158EF1D-F1AB-40A2-AB4A-FBF247975588}" dt="2022-02-17T22:28:17.364" v="260"/>
+          <ac:spMkLst>
+            <pc:docMk/>
+            <pc:sldMasterMk cId="341422369" sldId="2147483672"/>
+            <ac:spMk id="3" creationId="{00000000-0000-0000-0000-000000000000}"/>
+          </ac:spMkLst>
+        </pc:spChg>
+        <pc:spChg chg="mod">
+          <ac:chgData name="Benjamin Rosche" userId="91e47f4c-6c5a-4596-978d-e5f81e0e88aa" providerId="ADAL" clId="{0158EF1D-F1AB-40A2-AB4A-FBF247975588}" dt="2022-02-17T22:28:17.364" v="260"/>
+          <ac:spMkLst>
+            <pc:docMk/>
+            <pc:sldMasterMk cId="341422369" sldId="2147483672"/>
+            <ac:spMk id="4" creationId="{00000000-0000-0000-0000-000000000000}"/>
+          </ac:spMkLst>
+        </pc:spChg>
+        <pc:spChg chg="mod">
+          <ac:chgData name="Benjamin Rosche" userId="91e47f4c-6c5a-4596-978d-e5f81e0e88aa" providerId="ADAL" clId="{0158EF1D-F1AB-40A2-AB4A-FBF247975588}" dt="2022-02-17T22:28:17.364" v="260"/>
+          <ac:spMkLst>
+            <pc:docMk/>
+            <pc:sldMasterMk cId="341422369" sldId="2147483672"/>
+            <ac:spMk id="5" creationId="{00000000-0000-0000-0000-000000000000}"/>
+          </ac:spMkLst>
+        </pc:spChg>
+        <pc:spChg chg="mod">
+          <ac:chgData name="Benjamin Rosche" userId="91e47f4c-6c5a-4596-978d-e5f81e0e88aa" providerId="ADAL" clId="{0158EF1D-F1AB-40A2-AB4A-FBF247975588}" dt="2022-02-17T22:28:17.364" v="260"/>
+          <ac:spMkLst>
+            <pc:docMk/>
+            <pc:sldMasterMk cId="341422369" sldId="2147483672"/>
+            <ac:spMk id="6" creationId="{00000000-0000-0000-0000-000000000000}"/>
+          </ac:spMkLst>
+        </pc:spChg>
+        <pc:sldLayoutChg chg="modSp">
+          <pc:chgData name="Benjamin Rosche" userId="91e47f4c-6c5a-4596-978d-e5f81e0e88aa" providerId="ADAL" clId="{0158EF1D-F1AB-40A2-AB4A-FBF247975588}" dt="2022-02-17T22:28:17.364" v="260"/>
+          <pc:sldLayoutMkLst>
+            <pc:docMk/>
+            <pc:sldMasterMk cId="341422369" sldId="2147483672"/>
+            <pc:sldLayoutMk cId="907127070" sldId="2147483673"/>
+          </pc:sldLayoutMkLst>
+          <pc:spChg chg="mod">
+            <ac:chgData name="Benjamin Rosche" userId="91e47f4c-6c5a-4596-978d-e5f81e0e88aa" providerId="ADAL" clId="{0158EF1D-F1AB-40A2-AB4A-FBF247975588}" dt="2022-02-17T22:28:17.364" v="260"/>
+            <ac:spMkLst>
+              <pc:docMk/>
+              <pc:sldMasterMk cId="341422369" sldId="2147483672"/>
+              <pc:sldLayoutMk cId="907127070" sldId="2147483673"/>
+              <ac:spMk id="2" creationId="{00000000-0000-0000-0000-000000000000}"/>
+            </ac:spMkLst>
+          </pc:spChg>
+          <pc:spChg chg="mod">
+            <ac:chgData name="Benjamin Rosche" userId="91e47f4c-6c5a-4596-978d-e5f81e0e88aa" providerId="ADAL" clId="{0158EF1D-F1AB-40A2-AB4A-FBF247975588}" dt="2022-02-17T22:28:17.364" v="260"/>
+            <ac:spMkLst>
+              <pc:docMk/>
+              <pc:sldMasterMk cId="341422369" sldId="2147483672"/>
+              <pc:sldLayoutMk cId="907127070" sldId="2147483673"/>
+              <ac:spMk id="3" creationId="{00000000-0000-0000-0000-000000000000}"/>
+            </ac:spMkLst>
+          </pc:spChg>
+        </pc:sldLayoutChg>
+        <pc:sldLayoutChg chg="modSp">
+          <pc:chgData name="Benjamin Rosche" userId="91e47f4c-6c5a-4596-978d-e5f81e0e88aa" providerId="ADAL" clId="{0158EF1D-F1AB-40A2-AB4A-FBF247975588}" dt="2022-02-17T22:28:17.364" v="260"/>
+          <pc:sldLayoutMkLst>
+            <pc:docMk/>
+            <pc:sldMasterMk cId="341422369" sldId="2147483672"/>
+            <pc:sldLayoutMk cId="187886841" sldId="2147483675"/>
+          </pc:sldLayoutMkLst>
+          <pc:spChg chg="mod">
+            <ac:chgData name="Benjamin Rosche" userId="91e47f4c-6c5a-4596-978d-e5f81e0e88aa" providerId="ADAL" clId="{0158EF1D-F1AB-40A2-AB4A-FBF247975588}" dt="2022-02-17T22:28:17.364" v="260"/>
+            <ac:spMkLst>
+              <pc:docMk/>
+              <pc:sldMasterMk cId="341422369" sldId="2147483672"/>
+              <pc:sldLayoutMk cId="187886841" sldId="2147483675"/>
+              <ac:spMk id="2" creationId="{00000000-0000-0000-0000-000000000000}"/>
+            </ac:spMkLst>
+          </pc:spChg>
+          <pc:spChg chg="mod">
+            <ac:chgData name="Benjamin Rosche" userId="91e47f4c-6c5a-4596-978d-e5f81e0e88aa" providerId="ADAL" clId="{0158EF1D-F1AB-40A2-AB4A-FBF247975588}" dt="2022-02-17T22:28:17.364" v="260"/>
+            <ac:spMkLst>
+              <pc:docMk/>
+              <pc:sldMasterMk cId="341422369" sldId="2147483672"/>
+              <pc:sldLayoutMk cId="187886841" sldId="2147483675"/>
+              <ac:spMk id="3" creationId="{00000000-0000-0000-0000-000000000000}"/>
+            </ac:spMkLst>
+          </pc:spChg>
+        </pc:sldLayoutChg>
+        <pc:sldLayoutChg chg="modSp">
+          <pc:chgData name="Benjamin Rosche" userId="91e47f4c-6c5a-4596-978d-e5f81e0e88aa" providerId="ADAL" clId="{0158EF1D-F1AB-40A2-AB4A-FBF247975588}" dt="2022-02-17T22:28:17.364" v="260"/>
+          <pc:sldLayoutMkLst>
+            <pc:docMk/>
+            <pc:sldMasterMk cId="341422369" sldId="2147483672"/>
+            <pc:sldLayoutMk cId="4011691730" sldId="2147483676"/>
+          </pc:sldLayoutMkLst>
+          <pc:spChg chg="mod">
+            <ac:chgData name="Benjamin Rosche" userId="91e47f4c-6c5a-4596-978d-e5f81e0e88aa" providerId="ADAL" clId="{0158EF1D-F1AB-40A2-AB4A-FBF247975588}" dt="2022-02-17T22:28:17.364" v="260"/>
+            <ac:spMkLst>
+              <pc:docMk/>
+              <pc:sldMasterMk cId="341422369" sldId="2147483672"/>
+              <pc:sldLayoutMk cId="4011691730" sldId="2147483676"/>
+              <ac:spMk id="3" creationId="{00000000-0000-0000-0000-000000000000}"/>
+            </ac:spMkLst>
+          </pc:spChg>
+          <pc:spChg chg="mod">
+            <ac:chgData name="Benjamin Rosche" userId="91e47f4c-6c5a-4596-978d-e5f81e0e88aa" providerId="ADAL" clId="{0158EF1D-F1AB-40A2-AB4A-FBF247975588}" dt="2022-02-17T22:28:17.364" v="260"/>
+            <ac:spMkLst>
+              <pc:docMk/>
+              <pc:sldMasterMk cId="341422369" sldId="2147483672"/>
+              <pc:sldLayoutMk cId="4011691730" sldId="2147483676"/>
+              <ac:spMk id="4" creationId="{00000000-0000-0000-0000-000000000000}"/>
+            </ac:spMkLst>
+          </pc:spChg>
+        </pc:sldLayoutChg>
+        <pc:sldLayoutChg chg="modSp">
+          <pc:chgData name="Benjamin Rosche" userId="91e47f4c-6c5a-4596-978d-e5f81e0e88aa" providerId="ADAL" clId="{0158EF1D-F1AB-40A2-AB4A-FBF247975588}" dt="2022-02-17T22:28:17.364" v="260"/>
+          <pc:sldLayoutMkLst>
+            <pc:docMk/>
+            <pc:sldMasterMk cId="341422369" sldId="2147483672"/>
+            <pc:sldLayoutMk cId="153745537" sldId="2147483677"/>
+          </pc:sldLayoutMkLst>
+          <pc:spChg chg="mod">
+            <ac:chgData name="Benjamin Rosche" userId="91e47f4c-6c5a-4596-978d-e5f81e0e88aa" providerId="ADAL" clId="{0158EF1D-F1AB-40A2-AB4A-FBF247975588}" dt="2022-02-17T22:28:17.364" v="260"/>
+            <ac:spMkLst>
+              <pc:docMk/>
+              <pc:sldMasterMk cId="341422369" sldId="2147483672"/>
+              <pc:sldLayoutMk cId="153745537" sldId="2147483677"/>
+              <ac:spMk id="2" creationId="{00000000-0000-0000-0000-000000000000}"/>
+            </ac:spMkLst>
+          </pc:spChg>
+          <pc:spChg chg="mod">
+            <ac:chgData name="Benjamin Rosche" userId="91e47f4c-6c5a-4596-978d-e5f81e0e88aa" providerId="ADAL" clId="{0158EF1D-F1AB-40A2-AB4A-FBF247975588}" dt="2022-02-17T22:28:17.364" v="260"/>
+            <ac:spMkLst>
+              <pc:docMk/>
+              <pc:sldMasterMk cId="341422369" sldId="2147483672"/>
+              <pc:sldLayoutMk cId="153745537" sldId="2147483677"/>
+              <ac:spMk id="3" creationId="{00000000-0000-0000-0000-000000000000}"/>
+            </ac:spMkLst>
+          </pc:spChg>
+          <pc:spChg chg="mod">
+            <ac:chgData name="Benjamin Rosche" userId="91e47f4c-6c5a-4596-978d-e5f81e0e88aa" providerId="ADAL" clId="{0158EF1D-F1AB-40A2-AB4A-FBF247975588}" dt="2022-02-17T22:28:17.364" v="260"/>
+            <ac:spMkLst>
+              <pc:docMk/>
+              <pc:sldMasterMk cId="341422369" sldId="2147483672"/>
+              <pc:sldLayoutMk cId="153745537" sldId="2147483677"/>
+              <ac:spMk id="4" creationId="{00000000-0000-0000-0000-000000000000}"/>
+            </ac:spMkLst>
+          </pc:spChg>
+          <pc:spChg chg="mod">
+            <ac:chgData name="Benjamin Rosche" userId="91e47f4c-6c5a-4596-978d-e5f81e0e88aa" providerId="ADAL" clId="{0158EF1D-F1AB-40A2-AB4A-FBF247975588}" dt="2022-02-17T22:28:17.364" v="260"/>
+            <ac:spMkLst>
+              <pc:docMk/>
+              <pc:sldMasterMk cId="341422369" sldId="2147483672"/>
+              <pc:sldLayoutMk cId="153745537" sldId="2147483677"/>
+              <ac:spMk id="5" creationId="{00000000-0000-0000-0000-000000000000}"/>
+            </ac:spMkLst>
+          </pc:spChg>
+          <pc:spChg chg="mod">
+            <ac:chgData name="Benjamin Rosche" userId="91e47f4c-6c5a-4596-978d-e5f81e0e88aa" providerId="ADAL" clId="{0158EF1D-F1AB-40A2-AB4A-FBF247975588}" dt="2022-02-17T22:28:17.364" v="260"/>
+            <ac:spMkLst>
+              <pc:docMk/>
+              <pc:sldMasterMk cId="341422369" sldId="2147483672"/>
+              <pc:sldLayoutMk cId="153745537" sldId="2147483677"/>
+              <ac:spMk id="6" creationId="{00000000-0000-0000-0000-000000000000}"/>
+            </ac:spMkLst>
+          </pc:spChg>
+        </pc:sldLayoutChg>
+        <pc:sldLayoutChg chg="modSp">
+          <pc:chgData name="Benjamin Rosche" userId="91e47f4c-6c5a-4596-978d-e5f81e0e88aa" providerId="ADAL" clId="{0158EF1D-F1AB-40A2-AB4A-FBF247975588}" dt="2022-02-17T22:28:17.364" v="260"/>
+          <pc:sldLayoutMkLst>
+            <pc:docMk/>
+            <pc:sldMasterMk cId="341422369" sldId="2147483672"/>
+            <pc:sldLayoutMk cId="2508407937" sldId="2147483680"/>
+          </pc:sldLayoutMkLst>
+          <pc:spChg chg="mod">
+            <ac:chgData name="Benjamin Rosche" userId="91e47f4c-6c5a-4596-978d-e5f81e0e88aa" providerId="ADAL" clId="{0158EF1D-F1AB-40A2-AB4A-FBF247975588}" dt="2022-02-17T22:28:17.364" v="260"/>
+            <ac:spMkLst>
+              <pc:docMk/>
+              <pc:sldMasterMk cId="341422369" sldId="2147483672"/>
+              <pc:sldLayoutMk cId="2508407937" sldId="2147483680"/>
+              <ac:spMk id="2" creationId="{00000000-0000-0000-0000-000000000000}"/>
+            </ac:spMkLst>
+          </pc:spChg>
+          <pc:spChg chg="mod">
+            <ac:chgData name="Benjamin Rosche" userId="91e47f4c-6c5a-4596-978d-e5f81e0e88aa" providerId="ADAL" clId="{0158EF1D-F1AB-40A2-AB4A-FBF247975588}" dt="2022-02-17T22:28:17.364" v="260"/>
+            <ac:spMkLst>
+              <pc:docMk/>
+              <pc:sldMasterMk cId="341422369" sldId="2147483672"/>
+              <pc:sldLayoutMk cId="2508407937" sldId="2147483680"/>
+              <ac:spMk id="3" creationId="{00000000-0000-0000-0000-000000000000}"/>
+            </ac:spMkLst>
+          </pc:spChg>
+          <pc:spChg chg="mod">
+            <ac:chgData name="Benjamin Rosche" userId="91e47f4c-6c5a-4596-978d-e5f81e0e88aa" providerId="ADAL" clId="{0158EF1D-F1AB-40A2-AB4A-FBF247975588}" dt="2022-02-17T22:28:17.364" v="260"/>
+            <ac:spMkLst>
+              <pc:docMk/>
+              <pc:sldMasterMk cId="341422369" sldId="2147483672"/>
+              <pc:sldLayoutMk cId="2508407937" sldId="2147483680"/>
+              <ac:spMk id="4" creationId="{00000000-0000-0000-0000-000000000000}"/>
+            </ac:spMkLst>
+          </pc:spChg>
+        </pc:sldLayoutChg>
+        <pc:sldLayoutChg chg="modSp">
+          <pc:chgData name="Benjamin Rosche" userId="91e47f4c-6c5a-4596-978d-e5f81e0e88aa" providerId="ADAL" clId="{0158EF1D-F1AB-40A2-AB4A-FBF247975588}" dt="2022-02-17T22:28:17.364" v="260"/>
+          <pc:sldLayoutMkLst>
+            <pc:docMk/>
+            <pc:sldMasterMk cId="341422369" sldId="2147483672"/>
+            <pc:sldLayoutMk cId="4130740539" sldId="2147483681"/>
+          </pc:sldLayoutMkLst>
+          <pc:spChg chg="mod">
+            <ac:chgData name="Benjamin Rosche" userId="91e47f4c-6c5a-4596-978d-e5f81e0e88aa" providerId="ADAL" clId="{0158EF1D-F1AB-40A2-AB4A-FBF247975588}" dt="2022-02-17T22:28:17.364" v="260"/>
+            <ac:spMkLst>
+              <pc:docMk/>
+              <pc:sldMasterMk cId="341422369" sldId="2147483672"/>
+              <pc:sldLayoutMk cId="4130740539" sldId="2147483681"/>
+              <ac:spMk id="2" creationId="{00000000-0000-0000-0000-000000000000}"/>
+            </ac:spMkLst>
+          </pc:spChg>
+          <pc:spChg chg="mod">
+            <ac:chgData name="Benjamin Rosche" userId="91e47f4c-6c5a-4596-978d-e5f81e0e88aa" providerId="ADAL" clId="{0158EF1D-F1AB-40A2-AB4A-FBF247975588}" dt="2022-02-17T22:28:17.364" v="260"/>
+            <ac:spMkLst>
+              <pc:docMk/>
+              <pc:sldMasterMk cId="341422369" sldId="2147483672"/>
+              <pc:sldLayoutMk cId="4130740539" sldId="2147483681"/>
+              <ac:spMk id="3" creationId="{00000000-0000-0000-0000-000000000000}"/>
+            </ac:spMkLst>
+          </pc:spChg>
+          <pc:spChg chg="mod">
+            <ac:chgData name="Benjamin Rosche" userId="91e47f4c-6c5a-4596-978d-e5f81e0e88aa" providerId="ADAL" clId="{0158EF1D-F1AB-40A2-AB4A-FBF247975588}" dt="2022-02-17T22:28:17.364" v="260"/>
+            <ac:spMkLst>
+              <pc:docMk/>
+              <pc:sldMasterMk cId="341422369" sldId="2147483672"/>
+              <pc:sldLayoutMk cId="4130740539" sldId="2147483681"/>
+              <ac:spMk id="4" creationId="{00000000-0000-0000-0000-000000000000}"/>
+            </ac:spMkLst>
+          </pc:spChg>
+        </pc:sldLayoutChg>
+        <pc:sldLayoutChg chg="modSp">
+          <pc:chgData name="Benjamin Rosche" userId="91e47f4c-6c5a-4596-978d-e5f81e0e88aa" providerId="ADAL" clId="{0158EF1D-F1AB-40A2-AB4A-FBF247975588}" dt="2022-02-17T22:28:17.364" v="260"/>
+          <pc:sldLayoutMkLst>
+            <pc:docMk/>
+            <pc:sldMasterMk cId="341422369" sldId="2147483672"/>
+            <pc:sldLayoutMk cId="1350054996" sldId="2147483683"/>
+          </pc:sldLayoutMkLst>
+          <pc:spChg chg="mod">
+            <ac:chgData name="Benjamin Rosche" userId="91e47f4c-6c5a-4596-978d-e5f81e0e88aa" providerId="ADAL" clId="{0158EF1D-F1AB-40A2-AB4A-FBF247975588}" dt="2022-02-17T22:28:17.364" v="260"/>
+            <ac:spMkLst>
+              <pc:docMk/>
+              <pc:sldMasterMk cId="341422369" sldId="2147483672"/>
+              <pc:sldLayoutMk cId="1350054996" sldId="2147483683"/>
+              <ac:spMk id="2" creationId="{00000000-0000-0000-0000-000000000000}"/>
+            </ac:spMkLst>
+          </pc:spChg>
+          <pc:spChg chg="mod">
+            <ac:chgData name="Benjamin Rosche" userId="91e47f4c-6c5a-4596-978d-e5f81e0e88aa" providerId="ADAL" clId="{0158EF1D-F1AB-40A2-AB4A-FBF247975588}" dt="2022-02-17T22:28:17.364" v="260"/>
+            <ac:spMkLst>
+              <pc:docMk/>
+              <pc:sldMasterMk cId="341422369" sldId="2147483672"/>
+              <pc:sldLayoutMk cId="1350054996" sldId="2147483683"/>
+              <ac:spMk id="3" creationId="{00000000-0000-0000-0000-000000000000}"/>
+            </ac:spMkLst>
+          </pc:spChg>
+        </pc:sldLayoutChg>
+      </pc:sldMasterChg>
     </pc:docChg>
   </pc:docChgLst>
 </pc:chgInfo>
@@ -272,15 +820,15 @@
         </p:nvSpPr>
         <p:spPr>
           <a:xfrm>
-            <a:off x="1028700" y="1945429"/>
-            <a:ext cx="11658600" cy="4138507"/>
+            <a:off x="102870" y="194595"/>
+            <a:ext cx="1165860" cy="413961"/>
           </a:xfrm>
         </p:spPr>
         <p:txBody>
           <a:bodyPr anchor="b"/>
           <a:lstStyle>
             <a:lvl1pPr algn="ctr">
-              <a:defRPr sz="9000"/>
+              <a:defRPr sz="900"/>
             </a:lvl1pPr>
           </a:lstStyle>
           <a:p>
@@ -304,8 +852,8 @@
         </p:nvSpPr>
         <p:spPr>
           <a:xfrm>
-            <a:off x="1714500" y="6243533"/>
-            <a:ext cx="10287000" cy="2869987"/>
+            <a:off x="171450" y="624520"/>
+            <a:ext cx="1028700" cy="287076"/>
           </a:xfrm>
         </p:spPr>
         <p:txBody>
@@ -313,39 +861,39 @@
           <a:lstStyle>
             <a:lvl1pPr marL="0" indent="0" algn="ctr">
               <a:buNone/>
-              <a:defRPr sz="3600"/>
+              <a:defRPr sz="360"/>
             </a:lvl1pPr>
-            <a:lvl2pPr marL="685800" indent="0" algn="ctr">
-              <a:buNone/>
-              <a:defRPr sz="3000"/>
+            <a:lvl2pPr marL="68580" indent="0" algn="ctr">
+              <a:buNone/>
+              <a:defRPr sz="300"/>
             </a:lvl2pPr>
-            <a:lvl3pPr marL="1371600" indent="0" algn="ctr">
-              <a:buNone/>
-              <a:defRPr sz="2700"/>
+            <a:lvl3pPr marL="137160" indent="0" algn="ctr">
+              <a:buNone/>
+              <a:defRPr sz="270"/>
             </a:lvl3pPr>
-            <a:lvl4pPr marL="2057400" indent="0" algn="ctr">
-              <a:buNone/>
-              <a:defRPr sz="2400"/>
+            <a:lvl4pPr marL="205740" indent="0" algn="ctr">
+              <a:buNone/>
+              <a:defRPr sz="240"/>
             </a:lvl4pPr>
-            <a:lvl5pPr marL="2743200" indent="0" algn="ctr">
-              <a:buNone/>
-              <a:defRPr sz="2400"/>
+            <a:lvl5pPr marL="274320" indent="0" algn="ctr">
+              <a:buNone/>
+              <a:defRPr sz="240"/>
             </a:lvl5pPr>
-            <a:lvl6pPr marL="3429000" indent="0" algn="ctr">
-              <a:buNone/>
-              <a:defRPr sz="2400"/>
+            <a:lvl6pPr marL="342900" indent="0" algn="ctr">
+              <a:buNone/>
+              <a:defRPr sz="240"/>
             </a:lvl6pPr>
-            <a:lvl7pPr marL="4114800" indent="0" algn="ctr">
-              <a:buNone/>
-              <a:defRPr sz="2400"/>
+            <a:lvl7pPr marL="411480" indent="0" algn="ctr">
+              <a:buNone/>
+              <a:defRPr sz="240"/>
             </a:lvl7pPr>
-            <a:lvl8pPr marL="4800600" indent="0" algn="ctr">
-              <a:buNone/>
-              <a:defRPr sz="2400"/>
+            <a:lvl8pPr marL="480060" indent="0" algn="ctr">
+              <a:buNone/>
+              <a:defRPr sz="240"/>
             </a:lvl8pPr>
-            <a:lvl9pPr marL="5486400" indent="0" algn="ctr">
-              <a:buNone/>
-              <a:defRPr sz="2400"/>
+            <a:lvl9pPr marL="548640" indent="0" algn="ctr">
+              <a:buNone/>
+              <a:defRPr sz="240"/>
             </a:lvl9pPr>
           </a:lstStyle>
           <a:p>
@@ -425,7 +973,7 @@
     </p:spTree>
     <p:extLst>
       <p:ext uri="{BB962C8B-B14F-4D97-AF65-F5344CB8AC3E}">
-        <p14:creationId xmlns:p14="http://schemas.microsoft.com/office/powerpoint/2010/main" val="3886294188"/>
+        <p14:creationId xmlns:p14="http://schemas.microsoft.com/office/powerpoint/2010/main" val="7471068"/>
       </p:ext>
     </p:extLst>
   </p:cSld>
@@ -595,7 +1143,7 @@
     </p:spTree>
     <p:extLst>
       <p:ext uri="{BB962C8B-B14F-4D97-AF65-F5344CB8AC3E}">
-        <p14:creationId xmlns:p14="http://schemas.microsoft.com/office/powerpoint/2010/main" val="2071929996"/>
+        <p14:creationId xmlns:p14="http://schemas.microsoft.com/office/powerpoint/2010/main" val="3912765408"/>
       </p:ext>
     </p:extLst>
   </p:cSld>
@@ -634,8 +1182,8 @@
         </p:nvSpPr>
         <p:spPr>
           <a:xfrm>
-            <a:off x="9815513" y="632883"/>
-            <a:ext cx="2957513" cy="10073853"/>
+            <a:off x="981551" y="63305"/>
+            <a:ext cx="295751" cy="1007655"/>
           </a:xfrm>
         </p:spPr>
         <p:txBody>
@@ -662,8 +1210,8 @@
         </p:nvSpPr>
         <p:spPr>
           <a:xfrm>
-            <a:off x="942976" y="632883"/>
-            <a:ext cx="8701088" cy="10073853"/>
+            <a:off x="94297" y="63305"/>
+            <a:ext cx="870109" cy="1007655"/>
           </a:xfrm>
         </p:spPr>
         <p:txBody>
@@ -775,7 +1323,7 @@
     </p:spTree>
     <p:extLst>
       <p:ext uri="{BB962C8B-B14F-4D97-AF65-F5344CB8AC3E}">
-        <p14:creationId xmlns:p14="http://schemas.microsoft.com/office/powerpoint/2010/main" val="3988429701"/>
+        <p14:creationId xmlns:p14="http://schemas.microsoft.com/office/powerpoint/2010/main" val="996600950"/>
       </p:ext>
     </p:extLst>
   </p:cSld>
@@ -945,7 +1493,7 @@
     </p:spTree>
     <p:extLst>
       <p:ext uri="{BB962C8B-B14F-4D97-AF65-F5344CB8AC3E}">
-        <p14:creationId xmlns:p14="http://schemas.microsoft.com/office/powerpoint/2010/main" val="817396627"/>
+        <p14:creationId xmlns:p14="http://schemas.microsoft.com/office/powerpoint/2010/main" val="1820767831"/>
       </p:ext>
     </p:extLst>
   </p:cSld>
@@ -984,15 +1532,15 @@
         </p:nvSpPr>
         <p:spPr>
           <a:xfrm>
-            <a:off x="935832" y="2963549"/>
-            <a:ext cx="11830050" cy="4944744"/>
+            <a:off x="93583" y="296434"/>
+            <a:ext cx="1183005" cy="494607"/>
           </a:xfrm>
         </p:spPr>
         <p:txBody>
           <a:bodyPr anchor="b"/>
           <a:lstStyle>
             <a:lvl1pPr>
-              <a:defRPr sz="9000"/>
+              <a:defRPr sz="900"/>
             </a:lvl1pPr>
           </a:lstStyle>
           <a:p>
@@ -1016,8 +1564,8 @@
         </p:nvSpPr>
         <p:spPr>
           <a:xfrm>
-            <a:off x="935832" y="7955072"/>
-            <a:ext cx="11830050" cy="2600324"/>
+            <a:off x="93583" y="795720"/>
+            <a:ext cx="1183005" cy="260102"/>
           </a:xfrm>
         </p:spPr>
         <p:txBody>
@@ -1025,15 +1573,15 @@
           <a:lstStyle>
             <a:lvl1pPr marL="0" indent="0">
               <a:buNone/>
-              <a:defRPr sz="3600">
+              <a:defRPr sz="360">
                 <a:solidFill>
                   <a:schemeClr val="tx1"/>
                 </a:solidFill>
               </a:defRPr>
             </a:lvl1pPr>
-            <a:lvl2pPr marL="685800" indent="0">
-              <a:buNone/>
-              <a:defRPr sz="3000">
+            <a:lvl2pPr marL="68580" indent="0">
+              <a:buNone/>
+              <a:defRPr sz="300">
                 <a:solidFill>
                   <a:schemeClr val="tx1">
                     <a:tint val="75000"/>
@@ -1041,9 +1589,9 @@
                 </a:solidFill>
               </a:defRPr>
             </a:lvl2pPr>
-            <a:lvl3pPr marL="1371600" indent="0">
-              <a:buNone/>
-              <a:defRPr sz="2700">
+            <a:lvl3pPr marL="137160" indent="0">
+              <a:buNone/>
+              <a:defRPr sz="270">
                 <a:solidFill>
                   <a:schemeClr val="tx1">
                     <a:tint val="75000"/>
@@ -1051,9 +1599,9 @@
                 </a:solidFill>
               </a:defRPr>
             </a:lvl3pPr>
-            <a:lvl4pPr marL="2057400" indent="0">
-              <a:buNone/>
-              <a:defRPr sz="2400">
+            <a:lvl4pPr marL="205740" indent="0">
+              <a:buNone/>
+              <a:defRPr sz="240">
                 <a:solidFill>
                   <a:schemeClr val="tx1">
                     <a:tint val="75000"/>
@@ -1061,9 +1609,9 @@
                 </a:solidFill>
               </a:defRPr>
             </a:lvl4pPr>
-            <a:lvl5pPr marL="2743200" indent="0">
-              <a:buNone/>
-              <a:defRPr sz="2400">
+            <a:lvl5pPr marL="274320" indent="0">
+              <a:buNone/>
+              <a:defRPr sz="240">
                 <a:solidFill>
                   <a:schemeClr val="tx1">
                     <a:tint val="75000"/>
@@ -1071,9 +1619,9 @@
                 </a:solidFill>
               </a:defRPr>
             </a:lvl5pPr>
-            <a:lvl6pPr marL="3429000" indent="0">
-              <a:buNone/>
-              <a:defRPr sz="2400">
+            <a:lvl6pPr marL="342900" indent="0">
+              <a:buNone/>
+              <a:defRPr sz="240">
                 <a:solidFill>
                   <a:schemeClr val="tx1">
                     <a:tint val="75000"/>
@@ -1081,9 +1629,9 @@
                 </a:solidFill>
               </a:defRPr>
             </a:lvl6pPr>
-            <a:lvl7pPr marL="4114800" indent="0">
-              <a:buNone/>
-              <a:defRPr sz="2400">
+            <a:lvl7pPr marL="411480" indent="0">
+              <a:buNone/>
+              <a:defRPr sz="240">
                 <a:solidFill>
                   <a:schemeClr val="tx1">
                     <a:tint val="75000"/>
@@ -1091,9 +1639,9 @@
                 </a:solidFill>
               </a:defRPr>
             </a:lvl7pPr>
-            <a:lvl8pPr marL="4800600" indent="0">
-              <a:buNone/>
-              <a:defRPr sz="2400">
+            <a:lvl8pPr marL="480060" indent="0">
+              <a:buNone/>
+              <a:defRPr sz="240">
                 <a:solidFill>
                   <a:schemeClr val="tx1">
                     <a:tint val="75000"/>
@@ -1101,9 +1649,9 @@
                 </a:solidFill>
               </a:defRPr>
             </a:lvl8pPr>
-            <a:lvl9pPr marL="5486400" indent="0">
-              <a:buNone/>
-              <a:defRPr sz="2400">
+            <a:lvl9pPr marL="548640" indent="0">
+              <a:buNone/>
+              <a:defRPr sz="240">
                 <a:solidFill>
                   <a:schemeClr val="tx1">
                     <a:tint val="75000"/>
@@ -1189,7 +1737,7 @@
     </p:spTree>
     <p:extLst>
       <p:ext uri="{BB962C8B-B14F-4D97-AF65-F5344CB8AC3E}">
-        <p14:creationId xmlns:p14="http://schemas.microsoft.com/office/powerpoint/2010/main" val="4039061512"/>
+        <p14:creationId xmlns:p14="http://schemas.microsoft.com/office/powerpoint/2010/main" val="55823028"/>
       </p:ext>
     </p:extLst>
   </p:cSld>
@@ -1251,8 +1799,8 @@
         </p:nvSpPr>
         <p:spPr>
           <a:xfrm>
-            <a:off x="942975" y="3164417"/>
-            <a:ext cx="5829300" cy="7542319"/>
+            <a:off x="94298" y="316526"/>
+            <a:ext cx="582930" cy="754434"/>
           </a:xfrm>
         </p:spPr>
         <p:txBody>
@@ -1308,8 +1856,8 @@
         </p:nvSpPr>
         <p:spPr>
           <a:xfrm>
-            <a:off x="6943725" y="3164417"/>
-            <a:ext cx="5829300" cy="7542319"/>
+            <a:off x="694373" y="316526"/>
+            <a:ext cx="582930" cy="754434"/>
           </a:xfrm>
         </p:spPr>
         <p:txBody>
@@ -1421,7 +1969,7 @@
     </p:spTree>
     <p:extLst>
       <p:ext uri="{BB962C8B-B14F-4D97-AF65-F5344CB8AC3E}">
-        <p14:creationId xmlns:p14="http://schemas.microsoft.com/office/powerpoint/2010/main" val="1281123395"/>
+        <p14:creationId xmlns:p14="http://schemas.microsoft.com/office/powerpoint/2010/main" val="3546460384"/>
       </p:ext>
     </p:extLst>
   </p:cSld>
@@ -1460,8 +2008,8 @@
         </p:nvSpPr>
         <p:spPr>
           <a:xfrm>
-            <a:off x="944762" y="632886"/>
-            <a:ext cx="11830050" cy="2297643"/>
+            <a:off x="94476" y="63305"/>
+            <a:ext cx="1183005" cy="229826"/>
           </a:xfrm>
         </p:spPr>
         <p:txBody>
@@ -1488,8 +2036,8 @@
         </p:nvSpPr>
         <p:spPr>
           <a:xfrm>
-            <a:off x="944763" y="2914016"/>
-            <a:ext cx="5802510" cy="1428114"/>
+            <a:off x="94476" y="291479"/>
+            <a:ext cx="580251" cy="142850"/>
           </a:xfrm>
         </p:spPr>
         <p:txBody>
@@ -1497,39 +2045,39 @@
           <a:lstStyle>
             <a:lvl1pPr marL="0" indent="0">
               <a:buNone/>
-              <a:defRPr sz="3600" b="1"/>
+              <a:defRPr sz="360" b="1"/>
             </a:lvl1pPr>
-            <a:lvl2pPr marL="685800" indent="0">
-              <a:buNone/>
-              <a:defRPr sz="3000" b="1"/>
+            <a:lvl2pPr marL="68580" indent="0">
+              <a:buNone/>
+              <a:defRPr sz="300" b="1"/>
             </a:lvl2pPr>
-            <a:lvl3pPr marL="1371600" indent="0">
-              <a:buNone/>
-              <a:defRPr sz="2700" b="1"/>
+            <a:lvl3pPr marL="137160" indent="0">
+              <a:buNone/>
+              <a:defRPr sz="270" b="1"/>
             </a:lvl3pPr>
-            <a:lvl4pPr marL="2057400" indent="0">
-              <a:buNone/>
-              <a:defRPr sz="2400" b="1"/>
+            <a:lvl4pPr marL="205740" indent="0">
+              <a:buNone/>
+              <a:defRPr sz="240" b="1"/>
             </a:lvl4pPr>
-            <a:lvl5pPr marL="2743200" indent="0">
-              <a:buNone/>
-              <a:defRPr sz="2400" b="1"/>
+            <a:lvl5pPr marL="274320" indent="0">
+              <a:buNone/>
+              <a:defRPr sz="240" b="1"/>
             </a:lvl5pPr>
-            <a:lvl6pPr marL="3429000" indent="0">
-              <a:buNone/>
-              <a:defRPr sz="2400" b="1"/>
+            <a:lvl6pPr marL="342900" indent="0">
+              <a:buNone/>
+              <a:defRPr sz="240" b="1"/>
             </a:lvl6pPr>
-            <a:lvl7pPr marL="4114800" indent="0">
-              <a:buNone/>
-              <a:defRPr sz="2400" b="1"/>
+            <a:lvl7pPr marL="411480" indent="0">
+              <a:buNone/>
+              <a:defRPr sz="240" b="1"/>
             </a:lvl7pPr>
-            <a:lvl8pPr marL="4800600" indent="0">
-              <a:buNone/>
-              <a:defRPr sz="2400" b="1"/>
+            <a:lvl8pPr marL="480060" indent="0">
+              <a:buNone/>
+              <a:defRPr sz="240" b="1"/>
             </a:lvl8pPr>
-            <a:lvl9pPr marL="5486400" indent="0">
-              <a:buNone/>
-              <a:defRPr sz="2400" b="1"/>
+            <a:lvl9pPr marL="548640" indent="0">
+              <a:buNone/>
+              <a:defRPr sz="240" b="1"/>
             </a:lvl9pPr>
           </a:lstStyle>
           <a:p>
@@ -1553,8 +2101,8 @@
         </p:nvSpPr>
         <p:spPr>
           <a:xfrm>
-            <a:off x="944763" y="4342130"/>
-            <a:ext cx="5802510" cy="6386619"/>
+            <a:off x="94476" y="434329"/>
+            <a:ext cx="580251" cy="638833"/>
           </a:xfrm>
         </p:spPr>
         <p:txBody>
@@ -1610,8 +2158,8 @@
         </p:nvSpPr>
         <p:spPr>
           <a:xfrm>
-            <a:off x="6943726" y="2914016"/>
-            <a:ext cx="5831087" cy="1428114"/>
+            <a:off x="694372" y="291479"/>
+            <a:ext cx="583109" cy="142850"/>
           </a:xfrm>
         </p:spPr>
         <p:txBody>
@@ -1619,39 +2167,39 @@
           <a:lstStyle>
             <a:lvl1pPr marL="0" indent="0">
               <a:buNone/>
-              <a:defRPr sz="3600" b="1"/>
+              <a:defRPr sz="360" b="1"/>
             </a:lvl1pPr>
-            <a:lvl2pPr marL="685800" indent="0">
-              <a:buNone/>
-              <a:defRPr sz="3000" b="1"/>
+            <a:lvl2pPr marL="68580" indent="0">
+              <a:buNone/>
+              <a:defRPr sz="300" b="1"/>
             </a:lvl2pPr>
-            <a:lvl3pPr marL="1371600" indent="0">
-              <a:buNone/>
-              <a:defRPr sz="2700" b="1"/>
+            <a:lvl3pPr marL="137160" indent="0">
+              <a:buNone/>
+              <a:defRPr sz="270" b="1"/>
             </a:lvl3pPr>
-            <a:lvl4pPr marL="2057400" indent="0">
-              <a:buNone/>
-              <a:defRPr sz="2400" b="1"/>
+            <a:lvl4pPr marL="205740" indent="0">
+              <a:buNone/>
+              <a:defRPr sz="240" b="1"/>
             </a:lvl4pPr>
-            <a:lvl5pPr marL="2743200" indent="0">
-              <a:buNone/>
-              <a:defRPr sz="2400" b="1"/>
+            <a:lvl5pPr marL="274320" indent="0">
+              <a:buNone/>
+              <a:defRPr sz="240" b="1"/>
             </a:lvl5pPr>
-            <a:lvl6pPr marL="3429000" indent="0">
-              <a:buNone/>
-              <a:defRPr sz="2400" b="1"/>
+            <a:lvl6pPr marL="342900" indent="0">
+              <a:buNone/>
+              <a:defRPr sz="240" b="1"/>
             </a:lvl6pPr>
-            <a:lvl7pPr marL="4114800" indent="0">
-              <a:buNone/>
-              <a:defRPr sz="2400" b="1"/>
+            <a:lvl7pPr marL="411480" indent="0">
+              <a:buNone/>
+              <a:defRPr sz="240" b="1"/>
             </a:lvl7pPr>
-            <a:lvl8pPr marL="4800600" indent="0">
-              <a:buNone/>
-              <a:defRPr sz="2400" b="1"/>
+            <a:lvl8pPr marL="480060" indent="0">
+              <a:buNone/>
+              <a:defRPr sz="240" b="1"/>
             </a:lvl8pPr>
-            <a:lvl9pPr marL="5486400" indent="0">
-              <a:buNone/>
-              <a:defRPr sz="2400" b="1"/>
+            <a:lvl9pPr marL="548640" indent="0">
+              <a:buNone/>
+              <a:defRPr sz="240" b="1"/>
             </a:lvl9pPr>
           </a:lstStyle>
           <a:p>
@@ -1675,8 +2223,8 @@
         </p:nvSpPr>
         <p:spPr>
           <a:xfrm>
-            <a:off x="6943726" y="4342130"/>
-            <a:ext cx="5831087" cy="6386619"/>
+            <a:off x="694372" y="434329"/>
+            <a:ext cx="583109" cy="638833"/>
           </a:xfrm>
         </p:spPr>
         <p:txBody>
@@ -1788,7 +2336,7 @@
     </p:spTree>
     <p:extLst>
       <p:ext uri="{BB962C8B-B14F-4D97-AF65-F5344CB8AC3E}">
-        <p14:creationId xmlns:p14="http://schemas.microsoft.com/office/powerpoint/2010/main" val="1779457648"/>
+        <p14:creationId xmlns:p14="http://schemas.microsoft.com/office/powerpoint/2010/main" val="2911313240"/>
       </p:ext>
     </p:extLst>
   </p:cSld>
@@ -1906,7 +2454,7 @@
     </p:spTree>
     <p:extLst>
       <p:ext uri="{BB962C8B-B14F-4D97-AF65-F5344CB8AC3E}">
-        <p14:creationId xmlns:p14="http://schemas.microsoft.com/office/powerpoint/2010/main" val="2694327497"/>
+        <p14:creationId xmlns:p14="http://schemas.microsoft.com/office/powerpoint/2010/main" val="475709575"/>
       </p:ext>
     </p:extLst>
   </p:cSld>
@@ -2001,7 +2549,7 @@
     </p:spTree>
     <p:extLst>
       <p:ext uri="{BB962C8B-B14F-4D97-AF65-F5344CB8AC3E}">
-        <p14:creationId xmlns:p14="http://schemas.microsoft.com/office/powerpoint/2010/main" val="448591572"/>
+        <p14:creationId xmlns:p14="http://schemas.microsoft.com/office/powerpoint/2010/main" val="2643812535"/>
       </p:ext>
     </p:extLst>
   </p:cSld>
@@ -2040,15 +2588,15 @@
         </p:nvSpPr>
         <p:spPr>
           <a:xfrm>
-            <a:off x="944762" y="792480"/>
-            <a:ext cx="4423767" cy="2773680"/>
+            <a:off x="94476" y="79269"/>
+            <a:ext cx="442377" cy="277442"/>
           </a:xfrm>
         </p:spPr>
         <p:txBody>
           <a:bodyPr anchor="b"/>
           <a:lstStyle>
             <a:lvl1pPr>
-              <a:defRPr sz="4800"/>
+              <a:defRPr sz="480"/>
             </a:lvl1pPr>
           </a:lstStyle>
           <a:p>
@@ -2072,39 +2620,39 @@
         </p:nvSpPr>
         <p:spPr>
           <a:xfrm>
-            <a:off x="5831087" y="1711539"/>
-            <a:ext cx="6943725" cy="8447617"/>
+            <a:off x="583108" y="171200"/>
+            <a:ext cx="694373" cy="844988"/>
           </a:xfrm>
         </p:spPr>
         <p:txBody>
           <a:bodyPr/>
           <a:lstStyle>
             <a:lvl1pPr>
-              <a:defRPr sz="4800"/>
+              <a:defRPr sz="480"/>
             </a:lvl1pPr>
             <a:lvl2pPr>
-              <a:defRPr sz="4200"/>
+              <a:defRPr sz="420"/>
             </a:lvl2pPr>
             <a:lvl3pPr>
-              <a:defRPr sz="3600"/>
+              <a:defRPr sz="360"/>
             </a:lvl3pPr>
             <a:lvl4pPr>
-              <a:defRPr sz="3000"/>
+              <a:defRPr sz="300"/>
             </a:lvl4pPr>
             <a:lvl5pPr>
-              <a:defRPr sz="3000"/>
+              <a:defRPr sz="300"/>
             </a:lvl5pPr>
             <a:lvl6pPr>
-              <a:defRPr sz="3000"/>
+              <a:defRPr sz="300"/>
             </a:lvl6pPr>
             <a:lvl7pPr>
-              <a:defRPr sz="3000"/>
+              <a:defRPr sz="300"/>
             </a:lvl7pPr>
             <a:lvl8pPr>
-              <a:defRPr sz="3000"/>
+              <a:defRPr sz="300"/>
             </a:lvl8pPr>
             <a:lvl9pPr>
-              <a:defRPr sz="3000"/>
+              <a:defRPr sz="300"/>
             </a:lvl9pPr>
           </a:lstStyle>
           <a:p>
@@ -2157,8 +2705,8 @@
         </p:nvSpPr>
         <p:spPr>
           <a:xfrm>
-            <a:off x="944762" y="3566160"/>
-            <a:ext cx="4423767" cy="6606753"/>
+            <a:off x="94476" y="356711"/>
+            <a:ext cx="442377" cy="660852"/>
           </a:xfrm>
         </p:spPr>
         <p:txBody>
@@ -2166,39 +2714,39 @@
           <a:lstStyle>
             <a:lvl1pPr marL="0" indent="0">
               <a:buNone/>
-              <a:defRPr sz="2400"/>
+              <a:defRPr sz="240"/>
             </a:lvl1pPr>
-            <a:lvl2pPr marL="685800" indent="0">
-              <a:buNone/>
-              <a:defRPr sz="2100"/>
+            <a:lvl2pPr marL="68580" indent="0">
+              <a:buNone/>
+              <a:defRPr sz="210"/>
             </a:lvl2pPr>
-            <a:lvl3pPr marL="1371600" indent="0">
-              <a:buNone/>
-              <a:defRPr sz="1800"/>
+            <a:lvl3pPr marL="137160" indent="0">
+              <a:buNone/>
+              <a:defRPr sz="180"/>
             </a:lvl3pPr>
-            <a:lvl4pPr marL="2057400" indent="0">
-              <a:buNone/>
-              <a:defRPr sz="1500"/>
+            <a:lvl4pPr marL="205740" indent="0">
+              <a:buNone/>
+              <a:defRPr sz="150"/>
             </a:lvl4pPr>
-            <a:lvl5pPr marL="2743200" indent="0">
-              <a:buNone/>
-              <a:defRPr sz="1500"/>
+            <a:lvl5pPr marL="274320" indent="0">
+              <a:buNone/>
+              <a:defRPr sz="150"/>
             </a:lvl5pPr>
-            <a:lvl6pPr marL="3429000" indent="0">
-              <a:buNone/>
-              <a:defRPr sz="1500"/>
+            <a:lvl6pPr marL="342900" indent="0">
+              <a:buNone/>
+              <a:defRPr sz="150"/>
             </a:lvl6pPr>
-            <a:lvl7pPr marL="4114800" indent="0">
-              <a:buNone/>
-              <a:defRPr sz="1500"/>
+            <a:lvl7pPr marL="411480" indent="0">
+              <a:buNone/>
+              <a:defRPr sz="150"/>
             </a:lvl7pPr>
-            <a:lvl8pPr marL="4800600" indent="0">
-              <a:buNone/>
-              <a:defRPr sz="1500"/>
+            <a:lvl8pPr marL="480060" indent="0">
+              <a:buNone/>
+              <a:defRPr sz="150"/>
             </a:lvl8pPr>
-            <a:lvl9pPr marL="5486400" indent="0">
-              <a:buNone/>
-              <a:defRPr sz="1500"/>
+            <a:lvl9pPr marL="548640" indent="0">
+              <a:buNone/>
+              <a:defRPr sz="150"/>
             </a:lvl9pPr>
           </a:lstStyle>
           <a:p>
@@ -2278,7 +2826,7 @@
     </p:spTree>
     <p:extLst>
       <p:ext uri="{BB962C8B-B14F-4D97-AF65-F5344CB8AC3E}">
-        <p14:creationId xmlns:p14="http://schemas.microsoft.com/office/powerpoint/2010/main" val="1308301890"/>
+        <p14:creationId xmlns:p14="http://schemas.microsoft.com/office/powerpoint/2010/main" val="1904909473"/>
       </p:ext>
     </p:extLst>
   </p:cSld>
@@ -2317,15 +2865,15 @@
         </p:nvSpPr>
         <p:spPr>
           <a:xfrm>
-            <a:off x="944762" y="792480"/>
-            <a:ext cx="4423767" cy="2773680"/>
+            <a:off x="94476" y="79269"/>
+            <a:ext cx="442377" cy="277442"/>
           </a:xfrm>
         </p:spPr>
         <p:txBody>
           <a:bodyPr anchor="b"/>
           <a:lstStyle>
             <a:lvl1pPr>
-              <a:defRPr sz="4800"/>
+              <a:defRPr sz="480"/>
             </a:lvl1pPr>
           </a:lstStyle>
           <a:p>
@@ -2349,8 +2897,8 @@
         </p:nvSpPr>
         <p:spPr>
           <a:xfrm>
-            <a:off x="5831087" y="1711539"/>
-            <a:ext cx="6943725" cy="8447617"/>
+            <a:off x="583108" y="171200"/>
+            <a:ext cx="694373" cy="844988"/>
           </a:xfrm>
         </p:spPr>
         <p:txBody>
@@ -2358,39 +2906,39 @@
           <a:lstStyle>
             <a:lvl1pPr marL="0" indent="0">
               <a:buNone/>
-              <a:defRPr sz="4800"/>
+              <a:defRPr sz="480"/>
             </a:lvl1pPr>
-            <a:lvl2pPr marL="685800" indent="0">
-              <a:buNone/>
-              <a:defRPr sz="4200"/>
+            <a:lvl2pPr marL="68580" indent="0">
+              <a:buNone/>
+              <a:defRPr sz="420"/>
             </a:lvl2pPr>
-            <a:lvl3pPr marL="1371600" indent="0">
-              <a:buNone/>
-              <a:defRPr sz="3600"/>
+            <a:lvl3pPr marL="137160" indent="0">
+              <a:buNone/>
+              <a:defRPr sz="360"/>
             </a:lvl3pPr>
-            <a:lvl4pPr marL="2057400" indent="0">
-              <a:buNone/>
-              <a:defRPr sz="3000"/>
+            <a:lvl4pPr marL="205740" indent="0">
+              <a:buNone/>
+              <a:defRPr sz="300"/>
             </a:lvl4pPr>
-            <a:lvl5pPr marL="2743200" indent="0">
-              <a:buNone/>
-              <a:defRPr sz="3000"/>
+            <a:lvl5pPr marL="274320" indent="0">
+              <a:buNone/>
+              <a:defRPr sz="300"/>
             </a:lvl5pPr>
-            <a:lvl6pPr marL="3429000" indent="0">
-              <a:buNone/>
-              <a:defRPr sz="3000"/>
+            <a:lvl6pPr marL="342900" indent="0">
+              <a:buNone/>
+              <a:defRPr sz="300"/>
             </a:lvl6pPr>
-            <a:lvl7pPr marL="4114800" indent="0">
-              <a:buNone/>
-              <a:defRPr sz="3000"/>
+            <a:lvl7pPr marL="411480" indent="0">
+              <a:buNone/>
+              <a:defRPr sz="300"/>
             </a:lvl7pPr>
-            <a:lvl8pPr marL="4800600" indent="0">
-              <a:buNone/>
-              <a:defRPr sz="3000"/>
+            <a:lvl8pPr marL="480060" indent="0">
+              <a:buNone/>
+              <a:defRPr sz="300"/>
             </a:lvl8pPr>
-            <a:lvl9pPr marL="5486400" indent="0">
-              <a:buNone/>
-              <a:defRPr sz="3000"/>
+            <a:lvl9pPr marL="548640" indent="0">
+              <a:buNone/>
+              <a:defRPr sz="300"/>
             </a:lvl9pPr>
           </a:lstStyle>
           <a:p>
@@ -2414,8 +2962,8 @@
         </p:nvSpPr>
         <p:spPr>
           <a:xfrm>
-            <a:off x="944762" y="3566160"/>
-            <a:ext cx="4423767" cy="6606753"/>
+            <a:off x="94476" y="356711"/>
+            <a:ext cx="442377" cy="660852"/>
           </a:xfrm>
         </p:spPr>
         <p:txBody>
@@ -2423,39 +2971,39 @@
           <a:lstStyle>
             <a:lvl1pPr marL="0" indent="0">
               <a:buNone/>
-              <a:defRPr sz="2400"/>
+              <a:defRPr sz="240"/>
             </a:lvl1pPr>
-            <a:lvl2pPr marL="685800" indent="0">
-              <a:buNone/>
-              <a:defRPr sz="2100"/>
+            <a:lvl2pPr marL="68580" indent="0">
+              <a:buNone/>
+              <a:defRPr sz="210"/>
             </a:lvl2pPr>
-            <a:lvl3pPr marL="1371600" indent="0">
-              <a:buNone/>
-              <a:defRPr sz="1800"/>
+            <a:lvl3pPr marL="137160" indent="0">
+              <a:buNone/>
+              <a:defRPr sz="180"/>
             </a:lvl3pPr>
-            <a:lvl4pPr marL="2057400" indent="0">
-              <a:buNone/>
-              <a:defRPr sz="1500"/>
+            <a:lvl4pPr marL="205740" indent="0">
+              <a:buNone/>
+              <a:defRPr sz="150"/>
             </a:lvl4pPr>
-            <a:lvl5pPr marL="2743200" indent="0">
-              <a:buNone/>
-              <a:defRPr sz="1500"/>
+            <a:lvl5pPr marL="274320" indent="0">
+              <a:buNone/>
+              <a:defRPr sz="150"/>
             </a:lvl5pPr>
-            <a:lvl6pPr marL="3429000" indent="0">
-              <a:buNone/>
-              <a:defRPr sz="1500"/>
+            <a:lvl6pPr marL="342900" indent="0">
+              <a:buNone/>
+              <a:defRPr sz="150"/>
             </a:lvl6pPr>
-            <a:lvl7pPr marL="4114800" indent="0">
-              <a:buNone/>
-              <a:defRPr sz="1500"/>
+            <a:lvl7pPr marL="411480" indent="0">
+              <a:buNone/>
+              <a:defRPr sz="150"/>
             </a:lvl7pPr>
-            <a:lvl8pPr marL="4800600" indent="0">
-              <a:buNone/>
-              <a:defRPr sz="1500"/>
+            <a:lvl8pPr marL="480060" indent="0">
+              <a:buNone/>
+              <a:defRPr sz="150"/>
             </a:lvl8pPr>
-            <a:lvl9pPr marL="5486400" indent="0">
-              <a:buNone/>
-              <a:defRPr sz="1500"/>
+            <a:lvl9pPr marL="548640" indent="0">
+              <a:buNone/>
+              <a:defRPr sz="150"/>
             </a:lvl9pPr>
           </a:lstStyle>
           <a:p>
@@ -2535,7 +3083,7 @@
     </p:spTree>
     <p:extLst>
       <p:ext uri="{BB962C8B-B14F-4D97-AF65-F5344CB8AC3E}">
-        <p14:creationId xmlns:p14="http://schemas.microsoft.com/office/powerpoint/2010/main" val="4136144125"/>
+        <p14:creationId xmlns:p14="http://schemas.microsoft.com/office/powerpoint/2010/main" val="5177143"/>
       </p:ext>
     </p:extLst>
   </p:cSld>
@@ -2579,8 +3127,8 @@
         </p:nvSpPr>
         <p:spPr>
           <a:xfrm>
-            <a:off x="942975" y="632886"/>
-            <a:ext cx="11830050" cy="2297643"/>
+            <a:off x="94298" y="63305"/>
+            <a:ext cx="1183005" cy="229826"/>
           </a:xfrm>
           <a:prstGeom prst="rect">
             <a:avLst/>
@@ -2612,8 +3160,8 @@
         </p:nvSpPr>
         <p:spPr>
           <a:xfrm>
-            <a:off x="942975" y="3164417"/>
-            <a:ext cx="11830050" cy="7542319"/>
+            <a:off x="94298" y="316526"/>
+            <a:ext cx="1183005" cy="754434"/>
           </a:xfrm>
           <a:prstGeom prst="rect">
             <a:avLst/>
@@ -2674,8 +3222,8 @@
         </p:nvSpPr>
         <p:spPr>
           <a:xfrm>
-            <a:off x="942975" y="11017676"/>
-            <a:ext cx="3086100" cy="632883"/>
+            <a:off x="94298" y="1102062"/>
+            <a:ext cx="308610" cy="63305"/>
           </a:xfrm>
           <a:prstGeom prst="rect">
             <a:avLst/>
@@ -2685,7 +3233,7 @@
           <a:bodyPr vert="horz" lIns="91440" tIns="45720" rIns="91440" bIns="45720" rtlCol="0" anchor="ctr"/>
           <a:lstStyle>
             <a:lvl1pPr algn="l">
-              <a:defRPr sz="1800">
+              <a:defRPr sz="180">
                 <a:solidFill>
                   <a:schemeClr val="tx1">
                     <a:tint val="75000"/>
@@ -2715,8 +3263,8 @@
         </p:nvSpPr>
         <p:spPr>
           <a:xfrm>
-            <a:off x="4543425" y="11017676"/>
-            <a:ext cx="4629150" cy="632883"/>
+            <a:off x="454343" y="1102062"/>
+            <a:ext cx="462915" cy="63305"/>
           </a:xfrm>
           <a:prstGeom prst="rect">
             <a:avLst/>
@@ -2726,7 +3274,7 @@
           <a:bodyPr vert="horz" lIns="91440" tIns="45720" rIns="91440" bIns="45720" rtlCol="0" anchor="ctr"/>
           <a:lstStyle>
             <a:lvl1pPr algn="ctr">
-              <a:defRPr sz="1800">
+              <a:defRPr sz="180">
                 <a:solidFill>
                   <a:schemeClr val="tx1">
                     <a:tint val="75000"/>
@@ -2752,8 +3300,8 @@
         </p:nvSpPr>
         <p:spPr>
           <a:xfrm>
-            <a:off x="9686925" y="11017676"/>
-            <a:ext cx="3086100" cy="632883"/>
+            <a:off x="968693" y="1102062"/>
+            <a:ext cx="308610" cy="63305"/>
           </a:xfrm>
           <a:prstGeom prst="rect">
             <a:avLst/>
@@ -2763,7 +3311,7 @@
           <a:bodyPr vert="horz" lIns="91440" tIns="45720" rIns="91440" bIns="45720" rtlCol="0" anchor="ctr"/>
           <a:lstStyle>
             <a:lvl1pPr algn="r">
-              <a:defRPr sz="1800">
+              <a:defRPr sz="180">
                 <a:solidFill>
                   <a:schemeClr val="tx1">
                     <a:tint val="75000"/>
@@ -2784,27 +3332,27 @@
     </p:spTree>
     <p:extLst>
       <p:ext uri="{BB962C8B-B14F-4D97-AF65-F5344CB8AC3E}">
-        <p14:creationId xmlns:p14="http://schemas.microsoft.com/office/powerpoint/2010/main" val="2386552761"/>
+        <p14:creationId xmlns:p14="http://schemas.microsoft.com/office/powerpoint/2010/main" val="467368600"/>
       </p:ext>
     </p:extLst>
   </p:cSld>
   <p:clrMap bg1="lt1" tx1="dk1" bg2="lt2" tx2="dk2" accent1="accent1" accent2="accent2" accent3="accent3" accent4="accent4" accent5="accent5" accent6="accent6" hlink="hlink" folHlink="folHlink"/>
   <p:sldLayoutIdLst>
-    <p:sldLayoutId id="2147483661" r:id="rId1"/>
-    <p:sldLayoutId id="2147483662" r:id="rId2"/>
-    <p:sldLayoutId id="2147483663" r:id="rId3"/>
-    <p:sldLayoutId id="2147483664" r:id="rId4"/>
-    <p:sldLayoutId id="2147483665" r:id="rId5"/>
-    <p:sldLayoutId id="2147483666" r:id="rId6"/>
-    <p:sldLayoutId id="2147483667" r:id="rId7"/>
-    <p:sldLayoutId id="2147483668" r:id="rId8"/>
-    <p:sldLayoutId id="2147483669" r:id="rId9"/>
-    <p:sldLayoutId id="2147483670" r:id="rId10"/>
-    <p:sldLayoutId id="2147483671" r:id="rId11"/>
+    <p:sldLayoutId id="2147483673" r:id="rId1"/>
+    <p:sldLayoutId id="2147483674" r:id="rId2"/>
+    <p:sldLayoutId id="2147483675" r:id="rId3"/>
+    <p:sldLayoutId id="2147483676" r:id="rId4"/>
+    <p:sldLayoutId id="2147483677" r:id="rId5"/>
+    <p:sldLayoutId id="2147483678" r:id="rId6"/>
+    <p:sldLayoutId id="2147483679" r:id="rId7"/>
+    <p:sldLayoutId id="2147483680" r:id="rId8"/>
+    <p:sldLayoutId id="2147483681" r:id="rId9"/>
+    <p:sldLayoutId id="2147483682" r:id="rId10"/>
+    <p:sldLayoutId id="2147483683" r:id="rId11"/>
   </p:sldLayoutIdLst>
   <p:txStyles>
     <p:titleStyle>
-      <a:lvl1pPr algn="l" defTabSz="1371600" rtl="0" eaLnBrk="1" latinLnBrk="0" hangingPunct="1">
+      <a:lvl1pPr algn="l" defTabSz="137160" rtl="0" eaLnBrk="1" latinLnBrk="0" hangingPunct="1">
         <a:lnSpc>
           <a:spcPct val="90000"/>
         </a:lnSpc>
@@ -2812,7 +3360,7 @@
           <a:spcPct val="0"/>
         </a:spcBef>
         <a:buNone/>
-        <a:defRPr sz="6600" kern="1200">
+        <a:defRPr sz="660" kern="1200">
           <a:solidFill>
             <a:schemeClr val="tx1"/>
           </a:solidFill>
@@ -2823,16 +3371,16 @@
       </a:lvl1pPr>
     </p:titleStyle>
     <p:bodyStyle>
-      <a:lvl1pPr marL="342900" indent="-342900" algn="l" defTabSz="1371600" rtl="0" eaLnBrk="1" latinLnBrk="0" hangingPunct="1">
+      <a:lvl1pPr marL="34290" indent="-34290" algn="l" defTabSz="137160" rtl="0" eaLnBrk="1" latinLnBrk="0" hangingPunct="1">
         <a:lnSpc>
           <a:spcPct val="90000"/>
         </a:lnSpc>
         <a:spcBef>
-          <a:spcPts val="1500"/>
+          <a:spcPts val="150"/>
         </a:spcBef>
         <a:buFont typeface="Arial" panose="020B0604020202020204" pitchFamily="34" charset="0"/>
         <a:buChar char="•"/>
-        <a:defRPr sz="4200" kern="1200">
+        <a:defRPr sz="420" kern="1200">
           <a:solidFill>
             <a:schemeClr val="tx1"/>
           </a:solidFill>
@@ -2841,16 +3389,16 @@
           <a:cs typeface="+mn-cs"/>
         </a:defRPr>
       </a:lvl1pPr>
-      <a:lvl2pPr marL="1028700" indent="-342900" algn="l" defTabSz="1371600" rtl="0" eaLnBrk="1" latinLnBrk="0" hangingPunct="1">
+      <a:lvl2pPr marL="102870" indent="-34290" algn="l" defTabSz="137160" rtl="0" eaLnBrk="1" latinLnBrk="0" hangingPunct="1">
         <a:lnSpc>
           <a:spcPct val="90000"/>
         </a:lnSpc>
         <a:spcBef>
-          <a:spcPts val="750"/>
+          <a:spcPts val="75"/>
         </a:spcBef>
         <a:buFont typeface="Arial" panose="020B0604020202020204" pitchFamily="34" charset="0"/>
         <a:buChar char="•"/>
-        <a:defRPr sz="3600" kern="1200">
+        <a:defRPr sz="360" kern="1200">
           <a:solidFill>
             <a:schemeClr val="tx1"/>
           </a:solidFill>
@@ -2859,16 +3407,16 @@
           <a:cs typeface="+mn-cs"/>
         </a:defRPr>
       </a:lvl2pPr>
-      <a:lvl3pPr marL="1714500" indent="-342900" algn="l" defTabSz="1371600" rtl="0" eaLnBrk="1" latinLnBrk="0" hangingPunct="1">
+      <a:lvl3pPr marL="171450" indent="-34290" algn="l" defTabSz="137160" rtl="0" eaLnBrk="1" latinLnBrk="0" hangingPunct="1">
         <a:lnSpc>
           <a:spcPct val="90000"/>
         </a:lnSpc>
         <a:spcBef>
-          <a:spcPts val="750"/>
+          <a:spcPts val="75"/>
         </a:spcBef>
         <a:buFont typeface="Arial" panose="020B0604020202020204" pitchFamily="34" charset="0"/>
         <a:buChar char="•"/>
-        <a:defRPr sz="3000" kern="1200">
+        <a:defRPr sz="300" kern="1200">
           <a:solidFill>
             <a:schemeClr val="tx1"/>
           </a:solidFill>
@@ -2877,16 +3425,16 @@
           <a:cs typeface="+mn-cs"/>
         </a:defRPr>
       </a:lvl3pPr>
-      <a:lvl4pPr marL="2400300" indent="-342900" algn="l" defTabSz="1371600" rtl="0" eaLnBrk="1" latinLnBrk="0" hangingPunct="1">
+      <a:lvl4pPr marL="240030" indent="-34290" algn="l" defTabSz="137160" rtl="0" eaLnBrk="1" latinLnBrk="0" hangingPunct="1">
         <a:lnSpc>
           <a:spcPct val="90000"/>
         </a:lnSpc>
         <a:spcBef>
-          <a:spcPts val="750"/>
+          <a:spcPts val="75"/>
         </a:spcBef>
         <a:buFont typeface="Arial" panose="020B0604020202020204" pitchFamily="34" charset="0"/>
         <a:buChar char="•"/>
-        <a:defRPr sz="2700" kern="1200">
+        <a:defRPr sz="270" kern="1200">
           <a:solidFill>
             <a:schemeClr val="tx1"/>
           </a:solidFill>
@@ -2895,16 +3443,16 @@
           <a:cs typeface="+mn-cs"/>
         </a:defRPr>
       </a:lvl4pPr>
-      <a:lvl5pPr marL="3086100" indent="-342900" algn="l" defTabSz="1371600" rtl="0" eaLnBrk="1" latinLnBrk="0" hangingPunct="1">
+      <a:lvl5pPr marL="308610" indent="-34290" algn="l" defTabSz="137160" rtl="0" eaLnBrk="1" latinLnBrk="0" hangingPunct="1">
         <a:lnSpc>
           <a:spcPct val="90000"/>
         </a:lnSpc>
         <a:spcBef>
-          <a:spcPts val="750"/>
+          <a:spcPts val="75"/>
         </a:spcBef>
         <a:buFont typeface="Arial" panose="020B0604020202020204" pitchFamily="34" charset="0"/>
         <a:buChar char="•"/>
-        <a:defRPr sz="2700" kern="1200">
+        <a:defRPr sz="270" kern="1200">
           <a:solidFill>
             <a:schemeClr val="tx1"/>
           </a:solidFill>
@@ -2913,16 +3461,16 @@
           <a:cs typeface="+mn-cs"/>
         </a:defRPr>
       </a:lvl5pPr>
-      <a:lvl6pPr marL="3771900" indent="-342900" algn="l" defTabSz="1371600" rtl="0" eaLnBrk="1" latinLnBrk="0" hangingPunct="1">
+      <a:lvl6pPr marL="377190" indent="-34290" algn="l" defTabSz="137160" rtl="0" eaLnBrk="1" latinLnBrk="0" hangingPunct="1">
         <a:lnSpc>
           <a:spcPct val="90000"/>
         </a:lnSpc>
         <a:spcBef>
-          <a:spcPts val="750"/>
+          <a:spcPts val="75"/>
         </a:spcBef>
         <a:buFont typeface="Arial" panose="020B0604020202020204" pitchFamily="34" charset="0"/>
         <a:buChar char="•"/>
-        <a:defRPr sz="2700" kern="1200">
+        <a:defRPr sz="270" kern="1200">
           <a:solidFill>
             <a:schemeClr val="tx1"/>
           </a:solidFill>
@@ -2931,16 +3479,16 @@
           <a:cs typeface="+mn-cs"/>
         </a:defRPr>
       </a:lvl6pPr>
-      <a:lvl7pPr marL="4457700" indent="-342900" algn="l" defTabSz="1371600" rtl="0" eaLnBrk="1" latinLnBrk="0" hangingPunct="1">
+      <a:lvl7pPr marL="445770" indent="-34290" algn="l" defTabSz="137160" rtl="0" eaLnBrk="1" latinLnBrk="0" hangingPunct="1">
         <a:lnSpc>
           <a:spcPct val="90000"/>
         </a:lnSpc>
         <a:spcBef>
-          <a:spcPts val="750"/>
+          <a:spcPts val="75"/>
         </a:spcBef>
         <a:buFont typeface="Arial" panose="020B0604020202020204" pitchFamily="34" charset="0"/>
         <a:buChar char="•"/>
-        <a:defRPr sz="2700" kern="1200">
+        <a:defRPr sz="270" kern="1200">
           <a:solidFill>
             <a:schemeClr val="tx1"/>
           </a:solidFill>
@@ -2949,16 +3497,16 @@
           <a:cs typeface="+mn-cs"/>
         </a:defRPr>
       </a:lvl7pPr>
-      <a:lvl8pPr marL="5143500" indent="-342900" algn="l" defTabSz="1371600" rtl="0" eaLnBrk="1" latinLnBrk="0" hangingPunct="1">
+      <a:lvl8pPr marL="514350" indent="-34290" algn="l" defTabSz="137160" rtl="0" eaLnBrk="1" latinLnBrk="0" hangingPunct="1">
         <a:lnSpc>
           <a:spcPct val="90000"/>
         </a:lnSpc>
         <a:spcBef>
-          <a:spcPts val="750"/>
+          <a:spcPts val="75"/>
         </a:spcBef>
         <a:buFont typeface="Arial" panose="020B0604020202020204" pitchFamily="34" charset="0"/>
         <a:buChar char="•"/>
-        <a:defRPr sz="2700" kern="1200">
+        <a:defRPr sz="270" kern="1200">
           <a:solidFill>
             <a:schemeClr val="tx1"/>
           </a:solidFill>
@@ -2967,16 +3515,16 @@
           <a:cs typeface="+mn-cs"/>
         </a:defRPr>
       </a:lvl8pPr>
-      <a:lvl9pPr marL="5829300" indent="-342900" algn="l" defTabSz="1371600" rtl="0" eaLnBrk="1" latinLnBrk="0" hangingPunct="1">
+      <a:lvl9pPr marL="582930" indent="-34290" algn="l" defTabSz="137160" rtl="0" eaLnBrk="1" latinLnBrk="0" hangingPunct="1">
         <a:lnSpc>
           <a:spcPct val="90000"/>
         </a:lnSpc>
         <a:spcBef>
-          <a:spcPts val="750"/>
+          <a:spcPts val="75"/>
         </a:spcBef>
         <a:buFont typeface="Arial" panose="020B0604020202020204" pitchFamily="34" charset="0"/>
         <a:buChar char="•"/>
-        <a:defRPr sz="2700" kern="1200">
+        <a:defRPr sz="270" kern="1200">
           <a:solidFill>
             <a:schemeClr val="tx1"/>
           </a:solidFill>
@@ -2990,8 +3538,8 @@
       <a:defPPr>
         <a:defRPr lang="en-US"/>
       </a:defPPr>
-      <a:lvl1pPr marL="0" algn="l" defTabSz="1371600" rtl="0" eaLnBrk="1" latinLnBrk="0" hangingPunct="1">
-        <a:defRPr sz="2700" kern="1200">
+      <a:lvl1pPr marL="0" algn="l" defTabSz="137160" rtl="0" eaLnBrk="1" latinLnBrk="0" hangingPunct="1">
+        <a:defRPr sz="270" kern="1200">
           <a:solidFill>
             <a:schemeClr val="tx1"/>
           </a:solidFill>
@@ -3000,8 +3548,8 @@
           <a:cs typeface="+mn-cs"/>
         </a:defRPr>
       </a:lvl1pPr>
-      <a:lvl2pPr marL="685800" algn="l" defTabSz="1371600" rtl="0" eaLnBrk="1" latinLnBrk="0" hangingPunct="1">
-        <a:defRPr sz="2700" kern="1200">
+      <a:lvl2pPr marL="68580" algn="l" defTabSz="137160" rtl="0" eaLnBrk="1" latinLnBrk="0" hangingPunct="1">
+        <a:defRPr sz="270" kern="1200">
           <a:solidFill>
             <a:schemeClr val="tx1"/>
           </a:solidFill>
@@ -3010,8 +3558,8 @@
           <a:cs typeface="+mn-cs"/>
         </a:defRPr>
       </a:lvl2pPr>
-      <a:lvl3pPr marL="1371600" algn="l" defTabSz="1371600" rtl="0" eaLnBrk="1" latinLnBrk="0" hangingPunct="1">
-        <a:defRPr sz="2700" kern="1200">
+      <a:lvl3pPr marL="137160" algn="l" defTabSz="137160" rtl="0" eaLnBrk="1" latinLnBrk="0" hangingPunct="1">
+        <a:defRPr sz="270" kern="1200">
           <a:solidFill>
             <a:schemeClr val="tx1"/>
           </a:solidFill>
@@ -3020,8 +3568,8 @@
           <a:cs typeface="+mn-cs"/>
         </a:defRPr>
       </a:lvl3pPr>
-      <a:lvl4pPr marL="2057400" algn="l" defTabSz="1371600" rtl="0" eaLnBrk="1" latinLnBrk="0" hangingPunct="1">
-        <a:defRPr sz="2700" kern="1200">
+      <a:lvl4pPr marL="205740" algn="l" defTabSz="137160" rtl="0" eaLnBrk="1" latinLnBrk="0" hangingPunct="1">
+        <a:defRPr sz="270" kern="1200">
           <a:solidFill>
             <a:schemeClr val="tx1"/>
           </a:solidFill>
@@ -3030,8 +3578,8 @@
           <a:cs typeface="+mn-cs"/>
         </a:defRPr>
       </a:lvl4pPr>
-      <a:lvl5pPr marL="2743200" algn="l" defTabSz="1371600" rtl="0" eaLnBrk="1" latinLnBrk="0" hangingPunct="1">
-        <a:defRPr sz="2700" kern="1200">
+      <a:lvl5pPr marL="274320" algn="l" defTabSz="137160" rtl="0" eaLnBrk="1" latinLnBrk="0" hangingPunct="1">
+        <a:defRPr sz="270" kern="1200">
           <a:solidFill>
             <a:schemeClr val="tx1"/>
           </a:solidFill>
@@ -3040,8 +3588,8 @@
           <a:cs typeface="+mn-cs"/>
         </a:defRPr>
       </a:lvl5pPr>
-      <a:lvl6pPr marL="3429000" algn="l" defTabSz="1371600" rtl="0" eaLnBrk="1" latinLnBrk="0" hangingPunct="1">
-        <a:defRPr sz="2700" kern="1200">
+      <a:lvl6pPr marL="342900" algn="l" defTabSz="137160" rtl="0" eaLnBrk="1" latinLnBrk="0" hangingPunct="1">
+        <a:defRPr sz="270" kern="1200">
           <a:solidFill>
             <a:schemeClr val="tx1"/>
           </a:solidFill>
@@ -3050,8 +3598,8 @@
           <a:cs typeface="+mn-cs"/>
         </a:defRPr>
       </a:lvl6pPr>
-      <a:lvl7pPr marL="4114800" algn="l" defTabSz="1371600" rtl="0" eaLnBrk="1" latinLnBrk="0" hangingPunct="1">
-        <a:defRPr sz="2700" kern="1200">
+      <a:lvl7pPr marL="411480" algn="l" defTabSz="137160" rtl="0" eaLnBrk="1" latinLnBrk="0" hangingPunct="1">
+        <a:defRPr sz="270" kern="1200">
           <a:solidFill>
             <a:schemeClr val="tx1"/>
           </a:solidFill>
@@ -3060,8 +3608,8 @@
           <a:cs typeface="+mn-cs"/>
         </a:defRPr>
       </a:lvl7pPr>
-      <a:lvl8pPr marL="4800600" algn="l" defTabSz="1371600" rtl="0" eaLnBrk="1" latinLnBrk="0" hangingPunct="1">
-        <a:defRPr sz="2700" kern="1200">
+      <a:lvl8pPr marL="480060" algn="l" defTabSz="137160" rtl="0" eaLnBrk="1" latinLnBrk="0" hangingPunct="1">
+        <a:defRPr sz="270" kern="1200">
           <a:solidFill>
             <a:schemeClr val="tx1"/>
           </a:solidFill>
@@ -3070,8 +3618,8 @@
           <a:cs typeface="+mn-cs"/>
         </a:defRPr>
       </a:lvl8pPr>
-      <a:lvl9pPr marL="5486400" algn="l" defTabSz="1371600" rtl="0" eaLnBrk="1" latinLnBrk="0" hangingPunct="1">
-        <a:defRPr sz="2700" kern="1200">
+      <a:lvl9pPr marL="548640" algn="l" defTabSz="137160" rtl="0" eaLnBrk="1" latinLnBrk="0" hangingPunct="1">
+        <a:defRPr sz="270" kern="1200">
           <a:solidFill>
             <a:schemeClr val="tx1"/>
           </a:solidFill>
@@ -3116,8 +3664,8 @@
         </p:nvGrpSpPr>
         <p:grpSpPr>
           <a:xfrm>
-            <a:off x="312256" y="233196"/>
-            <a:ext cx="13111946" cy="11413371"/>
+            <a:off x="31235" y="23492"/>
+            <a:ext cx="1311200" cy="1141335"/>
             <a:chOff x="312256" y="233196"/>
             <a:chExt cx="13111946" cy="11413371"/>
           </a:xfrm>
@@ -3153,13 +3701,20 @@
                 <a:lumOff val="40000"/>
               </a:schemeClr>
             </a:solidFill>
-            <a:ln w="381000">
+            <a:ln w="38100">
               <a:solidFill>
                 <a:schemeClr val="bg2">
                   <a:lumMod val="90000"/>
                 </a:schemeClr>
               </a:solidFill>
             </a:ln>
+            <a:effectLst>
+              <a:glow>
+                <a:schemeClr val="accent1">
+                  <a:alpha val="40000"/>
+                </a:schemeClr>
+              </a:glow>
+            </a:effectLst>
           </p:spPr>
           <p:style>
             <a:lnRef idx="2">
@@ -3182,7 +3737,7 @@
             <a:lstStyle/>
             <a:p>
               <a:pPr algn="ctr"/>
-              <a:endParaRPr lang="en-US" sz="5400" b="1" dirty="0">
+              <a:endParaRPr lang="en-US" sz="1950" b="1" dirty="0">
                 <a:solidFill>
                   <a:schemeClr val="tx1"/>
                 </a:solidFill>
@@ -3205,8 +3760,8 @@
           </p:nvSpPr>
           <p:spPr>
             <a:xfrm>
-              <a:off x="573284" y="3326728"/>
-              <a:ext cx="12748063" cy="4508925"/>
+              <a:off x="655425" y="2903351"/>
+              <a:ext cx="12748077" cy="5335450"/>
             </a:xfrm>
             <a:prstGeom prst="rect">
               <a:avLst/>
@@ -3221,7 +3776,7 @@
             <a:p>
               <a:pPr algn="ctr"/>
               <a:r>
-                <a:rPr lang="en-US" sz="28700" b="1" dirty="0" err="1">
+                <a:rPr lang="en-US" sz="2867" b="1" dirty="0" err="1">
                   <a:solidFill>
                     <a:schemeClr val="accent6"/>
                   </a:solidFill>
@@ -3229,7 +3784,7 @@
                 </a:rPr>
                 <a:t>ineqx</a:t>
               </a:r>
-              <a:endParaRPr lang="en-US" sz="34400" b="1" dirty="0">
+              <a:endParaRPr lang="en-US" sz="3432" b="1" dirty="0">
                 <a:solidFill>
                   <a:schemeClr val="accent6"/>
                 </a:solidFill>
